--- a/相关材料/李尧-答辩.pptx
+++ b/相关材料/李尧-答辩.pptx
@@ -6,10 +6,10 @@
     <p:sldMasterId id="2147483653" r:id="rId2"/>
   </p:sldMasterIdLst>
   <p:notesMasterIdLst>
-    <p:notesMasterId r:id="rId49"/>
+    <p:notesMasterId r:id="rId51"/>
   </p:notesMasterIdLst>
   <p:handoutMasterIdLst>
-    <p:handoutMasterId r:id="rId50"/>
+    <p:handoutMasterId r:id="rId52"/>
   </p:handoutMasterIdLst>
   <p:sldIdLst>
     <p:sldId id="256" r:id="rId3"/>
@@ -27,37 +27,39 @@
     <p:sldId id="519" r:id="rId15"/>
     <p:sldId id="548" r:id="rId16"/>
     <p:sldId id="549" r:id="rId17"/>
-    <p:sldId id="550" r:id="rId18"/>
-    <p:sldId id="551" r:id="rId19"/>
-    <p:sldId id="552" r:id="rId20"/>
-    <p:sldId id="553" r:id="rId21"/>
-    <p:sldId id="554" r:id="rId22"/>
-    <p:sldId id="481" r:id="rId23"/>
-    <p:sldId id="492" r:id="rId24"/>
-    <p:sldId id="500" r:id="rId25"/>
-    <p:sldId id="555" r:id="rId26"/>
-    <p:sldId id="556" r:id="rId27"/>
-    <p:sldId id="557" r:id="rId28"/>
-    <p:sldId id="558" r:id="rId29"/>
-    <p:sldId id="559" r:id="rId30"/>
-    <p:sldId id="560" r:id="rId31"/>
-    <p:sldId id="561" r:id="rId32"/>
-    <p:sldId id="562" r:id="rId33"/>
-    <p:sldId id="563" r:id="rId34"/>
-    <p:sldId id="482" r:id="rId35"/>
-    <p:sldId id="490" r:id="rId36"/>
-    <p:sldId id="564" r:id="rId37"/>
-    <p:sldId id="509" r:id="rId38"/>
-    <p:sldId id="565" r:id="rId39"/>
-    <p:sldId id="566" r:id="rId40"/>
-    <p:sldId id="483" r:id="rId41"/>
-    <p:sldId id="491" r:id="rId42"/>
-    <p:sldId id="567" r:id="rId43"/>
-    <p:sldId id="568" r:id="rId44"/>
-    <p:sldId id="569" r:id="rId45"/>
-    <p:sldId id="570" r:id="rId46"/>
-    <p:sldId id="571" r:id="rId47"/>
-    <p:sldId id="512" r:id="rId48"/>
+    <p:sldId id="572" r:id="rId18"/>
+    <p:sldId id="550" r:id="rId19"/>
+    <p:sldId id="551" r:id="rId20"/>
+    <p:sldId id="552" r:id="rId21"/>
+    <p:sldId id="553" r:id="rId22"/>
+    <p:sldId id="573" r:id="rId23"/>
+    <p:sldId id="554" r:id="rId24"/>
+    <p:sldId id="481" r:id="rId25"/>
+    <p:sldId id="492" r:id="rId26"/>
+    <p:sldId id="500" r:id="rId27"/>
+    <p:sldId id="555" r:id="rId28"/>
+    <p:sldId id="556" r:id="rId29"/>
+    <p:sldId id="557" r:id="rId30"/>
+    <p:sldId id="558" r:id="rId31"/>
+    <p:sldId id="559" r:id="rId32"/>
+    <p:sldId id="560" r:id="rId33"/>
+    <p:sldId id="561" r:id="rId34"/>
+    <p:sldId id="562" r:id="rId35"/>
+    <p:sldId id="563" r:id="rId36"/>
+    <p:sldId id="482" r:id="rId37"/>
+    <p:sldId id="490" r:id="rId38"/>
+    <p:sldId id="564" r:id="rId39"/>
+    <p:sldId id="509" r:id="rId40"/>
+    <p:sldId id="565" r:id="rId41"/>
+    <p:sldId id="566" r:id="rId42"/>
+    <p:sldId id="483" r:id="rId43"/>
+    <p:sldId id="491" r:id="rId44"/>
+    <p:sldId id="567" r:id="rId45"/>
+    <p:sldId id="568" r:id="rId46"/>
+    <p:sldId id="569" r:id="rId47"/>
+    <p:sldId id="570" r:id="rId48"/>
+    <p:sldId id="571" r:id="rId49"/>
+    <p:sldId id="512" r:id="rId50"/>
   </p:sldIdLst>
   <p:sldSz cx="9144000" cy="6858000" type="screen4x3"/>
   <p:notesSz cx="6858000" cy="9144000"/>
@@ -618,7 +620,7 @@
           <a:p>
             <a:fld id="{9D001986-A3DD-4D6A-A052-0E114E827D78}" type="datetimeFigureOut">
               <a:rPr lang="zh-CN" altLang="en-US" smtClean="0"/>
-              <a:t>2018/5/9</a:t>
+              <a:t>2018/5/10</a:t>
             </a:fld>
             <a:endParaRPr lang="zh-CN" altLang="en-US"/>
           </a:p>
@@ -7591,15 +7593,7 @@
                 <a:ea typeface="微软雅黑" panose="020B0503020204020204" pitchFamily="34" charset="-122"/>
                 <a:sym typeface="+mn-ea"/>
               </a:rPr>
-              <a:t>指导老师：</a:t>
-            </a:r>
-            <a:r>
-              <a:rPr lang="zh-CN" altLang="en-US" sz="2000" dirty="0" smtClean="0">
-                <a:latin typeface="微软雅黑" panose="020B0503020204020204" pitchFamily="34" charset="-122"/>
-                <a:ea typeface="微软雅黑" panose="020B0503020204020204" pitchFamily="34" charset="-122"/>
-                <a:sym typeface="+mn-ea"/>
-              </a:rPr>
-              <a:t>赵英良教授                                                          </a:t>
+              <a:t>指导老师：赵英良教授                                                          </a:t>
             </a:r>
             <a:r>
               <a:rPr lang="en-US" altLang="zh-CN" sz="2000" dirty="0" smtClean="0">
@@ -8504,38 +8498,50 @@
             </a:r>
             <a:r>
               <a:rPr lang="zh-CN" altLang="en-US" dirty="0" smtClean="0"/>
-              <a:t>：学生、教师和</a:t>
+              <a:t>：学生、教师</a:t>
+            </a:r>
+            <a:r>
+              <a:rPr lang="zh-CN" altLang="en-US" dirty="0" smtClean="0"/>
+              <a:t>和</a:t>
             </a:r>
             <a:r>
               <a:rPr lang="zh-CN" altLang="en-US" dirty="0"/>
-              <a:t>系统维护人员。</a:t>
+              <a:t>后台</a:t>
+            </a:r>
+            <a:r>
+              <a:rPr lang="zh-CN" altLang="en-US" dirty="0" smtClean="0"/>
+              <a:t>人员</a:t>
+            </a:r>
+            <a:r>
+              <a:rPr lang="zh-CN" altLang="en-US" dirty="0"/>
+              <a:t>。</a:t>
             </a:r>
           </a:p>
         </p:txBody>
       </p:sp>
       <p:graphicFrame>
         <p:nvGraphicFramePr>
-          <p:cNvPr id="4" name="对象 3"/>
+          <p:cNvPr id="5" name="对象 4"/>
           <p:cNvGraphicFramePr>
             <a:graphicFrameLocks noChangeAspect="1"/>
           </p:cNvGraphicFramePr>
           <p:nvPr>
             <p:extLst>
               <p:ext uri="{D42A27DB-BD31-4B8C-83A1-F6EECF244321}">
-                <p14:modId xmlns:p14="http://schemas.microsoft.com/office/powerpoint/2010/main" val="2948246170"/>
+                <p14:modId xmlns:p14="http://schemas.microsoft.com/office/powerpoint/2010/main" val="2660574594"/>
               </p:ext>
             </p:extLst>
           </p:nvPr>
         </p:nvGraphicFramePr>
         <p:xfrm>
-          <a:off x="1835696" y="2082392"/>
-          <a:ext cx="6137498" cy="3938896"/>
+          <a:off x="666750" y="2036444"/>
+          <a:ext cx="7367905" cy="3984844"/>
         </p:xfrm>
         <a:graphic>
           <a:graphicData uri="http://schemas.openxmlformats.org/presentationml/2006/ole">
             <mc:AlternateContent xmlns:mc="http://schemas.openxmlformats.org/markup-compatibility/2006">
               <mc:Choice xmlns:v="urn:schemas-microsoft-com:vml" Requires="v">
-                <p:oleObj spid="_x0000_s6164" name="Visio" r:id="rId3" imgW="7810344" imgH="4711654" progId="Visio.Drawing.15">
+                <p:oleObj spid="_x0000_s6166" name="Visio" r:id="rId3" imgW="7810344" imgH="4711654" progId="Visio.Drawing.15">
                   <p:embed/>
                 </p:oleObj>
               </mc:Choice>
@@ -8556,8 +8562,8 @@
                     </p:blipFill>
                     <p:spPr>
                       <a:xfrm>
-                        <a:off x="1835696" y="2082392"/>
-                        <a:ext cx="6137498" cy="3938896"/>
+                        <a:off x="666750" y="2036444"/>
+                        <a:ext cx="7367905" cy="3984844"/>
                       </a:xfrm>
                       <a:prstGeom prst="rect">
                         <a:avLst/>
@@ -8627,27 +8633,27 @@
       </p:sp>
       <p:graphicFrame>
         <p:nvGraphicFramePr>
-          <p:cNvPr id="3" name="对象 2"/>
+          <p:cNvPr id="4" name="对象 3"/>
           <p:cNvGraphicFramePr>
             <a:graphicFrameLocks noChangeAspect="1"/>
           </p:cNvGraphicFramePr>
           <p:nvPr>
             <p:extLst>
               <p:ext uri="{D42A27DB-BD31-4B8C-83A1-F6EECF244321}">
-                <p14:modId xmlns:p14="http://schemas.microsoft.com/office/powerpoint/2010/main" val="853302949"/>
+                <p14:modId xmlns:p14="http://schemas.microsoft.com/office/powerpoint/2010/main" val="3857137469"/>
               </p:ext>
             </p:extLst>
           </p:nvPr>
         </p:nvGraphicFramePr>
         <p:xfrm>
-          <a:off x="899593" y="1240979"/>
-          <a:ext cx="7828482" cy="4708301"/>
+          <a:off x="415925" y="1117597"/>
+          <a:ext cx="8312150" cy="4903691"/>
         </p:xfrm>
         <a:graphic>
           <a:graphicData uri="http://schemas.openxmlformats.org/presentationml/2006/ole">
             <mc:AlternateContent xmlns:mc="http://schemas.openxmlformats.org/markup-compatibility/2006">
               <mc:Choice xmlns:v="urn:schemas-microsoft-com:vml" Requires="v">
-                <p:oleObj spid="_x0000_s7190" name="Visio" r:id="rId3" imgW="8312124" imgH="5873773" progId="Visio.Drawing.15">
+                <p:oleObj spid="_x0000_s7192" name="Visio" r:id="rId3" imgW="8312124" imgH="5873773" progId="Visio.Drawing.15">
                   <p:embed/>
                 </p:oleObj>
               </mc:Choice>
@@ -8668,8 +8674,8 @@
                     </p:blipFill>
                     <p:spPr>
                       <a:xfrm>
-                        <a:off x="899593" y="1240979"/>
-                        <a:ext cx="7828482" cy="4708301"/>
+                        <a:off x="415925" y="1117597"/>
+                        <a:ext cx="8312150" cy="4903691"/>
                       </a:xfrm>
                       <a:prstGeom prst="rect">
                         <a:avLst/>
@@ -8796,7 +8802,7 @@
           <a:graphicData uri="http://schemas.openxmlformats.org/presentationml/2006/ole">
             <mc:AlternateContent xmlns:mc="http://schemas.openxmlformats.org/markup-compatibility/2006">
               <mc:Choice xmlns:v="urn:schemas-microsoft-com:vml" Requires="v">
-                <p:oleObj spid="_x0000_s19475" name="Visio" r:id="rId3" imgW="12642772" imgH="13843185" progId="Visio.Drawing.15">
+                <p:oleObj spid="_x0000_s19477" name="Visio" r:id="rId3" imgW="12642772" imgH="13843185" progId="Visio.Drawing.15">
                   <p:embed/>
                 </p:oleObj>
               </mc:Choice>
@@ -8893,32 +8899,32 @@
       </p:sp>
       <p:graphicFrame>
         <p:nvGraphicFramePr>
-          <p:cNvPr id="4" name="对象 3"/>
+          <p:cNvPr id="3" name="对象 2"/>
           <p:cNvGraphicFramePr>
             <a:graphicFrameLocks noChangeAspect="1"/>
           </p:cNvGraphicFramePr>
           <p:nvPr>
             <p:extLst>
               <p:ext uri="{D42A27DB-BD31-4B8C-83A1-F6EECF244321}">
-                <p14:modId xmlns:p14="http://schemas.microsoft.com/office/powerpoint/2010/main" val="1922320486"/>
+                <p14:modId xmlns:p14="http://schemas.microsoft.com/office/powerpoint/2010/main" val="864312780"/>
               </p:ext>
             </p:extLst>
           </p:nvPr>
         </p:nvGraphicFramePr>
         <p:xfrm>
-          <a:off x="776360" y="1117598"/>
-          <a:ext cx="8145390" cy="5047706"/>
+          <a:off x="184150" y="1412776"/>
+          <a:ext cx="8775700" cy="3397250"/>
         </p:xfrm>
         <a:graphic>
           <a:graphicData uri="http://schemas.openxmlformats.org/presentationml/2006/ole">
             <mc:AlternateContent xmlns:mc="http://schemas.openxmlformats.org/markup-compatibility/2006">
               <mc:Choice xmlns:v="urn:schemas-microsoft-com:vml" Requires="v">
-                <p:oleObj spid="_x0000_s20499" name="Visio" r:id="rId3" imgW="8699448" imgH="6203788" progId="Visio.Drawing.15">
+                <p:oleObj spid="_x0000_s20501" name="Visio" r:id="rId3" imgW="8775752" imgH="3397412" progId="Visio.Drawing.15">
                   <p:embed/>
                 </p:oleObj>
               </mc:Choice>
               <mc:Fallback>
-                <p:oleObj name="Visio" r:id="rId3" imgW="8699448" imgH="6203788" progId="Visio.Drawing.15">
+                <p:oleObj name="Visio" r:id="rId3" imgW="8775752" imgH="3397412" progId="Visio.Drawing.15">
                   <p:embed/>
                   <p:pic>
                     <p:nvPicPr>
@@ -8934,8 +8940,8 @@
                     </p:blipFill>
                     <p:spPr>
                       <a:xfrm>
-                        <a:off x="776360" y="1117598"/>
-                        <a:ext cx="8145390" cy="5047706"/>
+                        <a:off x="184150" y="1412776"/>
+                        <a:ext cx="8775700" cy="3397250"/>
                       </a:xfrm>
                       <a:prstGeom prst="rect">
                         <a:avLst/>
@@ -9001,6 +9007,123 @@
           <a:lstStyle/>
           <a:p>
             <a:r>
+              <a:rPr lang="zh-CN" altLang="en-US" dirty="0" smtClean="0"/>
+              <a:t>创建学校与开设课堂</a:t>
+            </a:r>
+            <a:endParaRPr lang="zh-CN" altLang="en-US" dirty="0"/>
+          </a:p>
+        </p:txBody>
+      </p:sp>
+      <p:graphicFrame>
+        <p:nvGraphicFramePr>
+          <p:cNvPr id="4" name="对象 3"/>
+          <p:cNvGraphicFramePr>
+            <a:graphicFrameLocks noChangeAspect="1"/>
+          </p:cNvGraphicFramePr>
+          <p:nvPr>
+            <p:extLst>
+              <p:ext uri="{D42A27DB-BD31-4B8C-83A1-F6EECF244321}">
+                <p14:modId xmlns:p14="http://schemas.microsoft.com/office/powerpoint/2010/main" val="1281402641"/>
+              </p:ext>
+            </p:extLst>
+          </p:nvPr>
+        </p:nvGraphicFramePr>
+        <p:xfrm>
+          <a:off x="317500" y="1339850"/>
+          <a:ext cx="8509000" cy="4178300"/>
+        </p:xfrm>
+        <a:graphic>
+          <a:graphicData uri="http://schemas.openxmlformats.org/presentationml/2006/ole">
+            <mc:AlternateContent xmlns:mc="http://schemas.openxmlformats.org/markup-compatibility/2006">
+              <mc:Choice xmlns:v="urn:schemas-microsoft-com:vml" Requires="v">
+                <p:oleObj spid="_x0000_s35843" name="Visio" r:id="rId3" imgW="8509104" imgH="4178392" progId="Visio.Drawing.15">
+                  <p:embed/>
+                </p:oleObj>
+              </mc:Choice>
+              <mc:Fallback>
+                <p:oleObj name="Visio" r:id="rId3" imgW="8509104" imgH="4178392" progId="Visio.Drawing.15">
+                  <p:embed/>
+                  <p:pic>
+                    <p:nvPicPr>
+                      <p:cNvPr id="0" name=""/>
+                      <p:cNvPicPr/>
+                      <p:nvPr/>
+                    </p:nvPicPr>
+                    <p:blipFill>
+                      <a:blip r:embed="rId4"/>
+                      <a:stretch>
+                        <a:fillRect/>
+                      </a:stretch>
+                    </p:blipFill>
+                    <p:spPr>
+                      <a:xfrm>
+                        <a:off x="317500" y="1339850"/>
+                        <a:ext cx="8509000" cy="4178300"/>
+                      </a:xfrm>
+                      <a:prstGeom prst="rect">
+                        <a:avLst/>
+                      </a:prstGeom>
+                    </p:spPr>
+                  </p:pic>
+                </p:oleObj>
+              </mc:Fallback>
+            </mc:AlternateContent>
+          </a:graphicData>
+        </a:graphic>
+      </p:graphicFrame>
+    </p:spTree>
+    <p:extLst>
+      <p:ext uri="{BB962C8B-B14F-4D97-AF65-F5344CB8AC3E}">
+        <p14:creationId xmlns:p14="http://schemas.microsoft.com/office/powerpoint/2010/main" val="1980113192"/>
+      </p:ext>
+    </p:extLst>
+  </p:cSld>
+  <p:clrMapOvr>
+    <a:masterClrMapping/>
+  </p:clrMapOvr>
+  <p:timing>
+    <p:tnLst>
+      <p:par>
+        <p:cTn id="1" dur="indefinite" restart="never" nodeType="tmRoot"/>
+      </p:par>
+    </p:tnLst>
+  </p:timing>
+</p:sld>
+</file>
+
+<file path=ppt/slides/slide17.xml><?xml version="1.0" encoding="utf-8"?>
+<p:sld xmlns:a="http://schemas.openxmlformats.org/drawingml/2006/main" xmlns:r="http://schemas.openxmlformats.org/officeDocument/2006/relationships" xmlns:p="http://schemas.openxmlformats.org/presentationml/2006/main">
+  <p:cSld>
+    <p:spTree>
+      <p:nvGrpSpPr>
+        <p:cNvPr id="1" name=""/>
+        <p:cNvGrpSpPr/>
+        <p:nvPr/>
+      </p:nvGrpSpPr>
+      <p:grpSpPr>
+        <a:xfrm>
+          <a:off x="0" y="0"/>
+          <a:ext cx="0" cy="0"/>
+          <a:chOff x="0" y="0"/>
+          <a:chExt cx="0" cy="0"/>
+        </a:xfrm>
+      </p:grpSpPr>
+      <p:sp>
+        <p:nvSpPr>
+          <p:cNvPr id="2" name="标题 1"/>
+          <p:cNvSpPr>
+            <a:spLocks noGrp="1"/>
+          </p:cNvSpPr>
+          <p:nvPr>
+            <p:ph type="title"/>
+          </p:nvPr>
+        </p:nvSpPr>
+        <p:spPr/>
+        <p:txBody>
+          <a:bodyPr/>
+          <a:lstStyle/>
+          <a:p>
+            <a:r>
               <a:rPr lang="zh-CN" altLang="en-US" dirty="0"/>
               <a:t>创建学校与开设课堂</a:t>
             </a:r>
@@ -9071,7 +9194,7 @@
           <a:graphicData uri="http://schemas.openxmlformats.org/presentationml/2006/ole">
             <mc:AlternateContent xmlns:mc="http://schemas.openxmlformats.org/markup-compatibility/2006">
               <mc:Choice xmlns:v="urn:schemas-microsoft-com:vml" Requires="v">
-                <p:oleObj spid="_x0000_s21523" name="Visio" r:id="rId3" imgW="6889724" imgH="10864735" progId="Visio.Drawing.15">
+                <p:oleObj spid="_x0000_s21525" name="Visio" r:id="rId3" imgW="6889724" imgH="10864735" progId="Visio.Drawing.15">
                   <p:embed/>
                 </p:oleObj>
               </mc:Choice>
@@ -9126,7 +9249,7 @@
 </p:sld>
 </file>
 
-<file path=ppt/slides/slide17.xml><?xml version="1.0" encoding="utf-8"?>
+<file path=ppt/slides/slide18.xml><?xml version="1.0" encoding="utf-8"?>
 <p:sld xmlns:a="http://schemas.openxmlformats.org/drawingml/2006/main" xmlns:r="http://schemas.openxmlformats.org/officeDocument/2006/relationships" xmlns:p="http://schemas.openxmlformats.org/presentationml/2006/main">
   <p:cSld>
     <p:spTree>
@@ -9188,7 +9311,7 @@
           <a:graphicData uri="http://schemas.openxmlformats.org/presentationml/2006/ole">
             <mc:AlternateContent xmlns:mc="http://schemas.openxmlformats.org/markup-compatibility/2006">
               <mc:Choice xmlns:v="urn:schemas-microsoft-com:vml" Requires="v">
-                <p:oleObj spid="_x0000_s22547" name="Visio" r:id="rId3" imgW="8070772" imgH="5975188" progId="Visio.Drawing.15">
+                <p:oleObj spid="_x0000_s22549" name="Visio" r:id="rId3" imgW="8070772" imgH="5975188" progId="Visio.Drawing.15">
                   <p:embed/>
                 </p:oleObj>
               </mc:Choice>
@@ -9243,7 +9366,7 @@
 </p:sld>
 </file>
 
-<file path=ppt/slides/slide18.xml><?xml version="1.0" encoding="utf-8"?>
+<file path=ppt/slides/slide19.xml><?xml version="1.0" encoding="utf-8"?>
 <p:sld xmlns:a="http://schemas.openxmlformats.org/drawingml/2006/main" xmlns:r="http://schemas.openxmlformats.org/officeDocument/2006/relationships" xmlns:p="http://schemas.openxmlformats.org/presentationml/2006/main">
   <p:cSld>
     <p:spTree>
@@ -9344,7 +9467,7 @@
           <a:graphicData uri="http://schemas.openxmlformats.org/presentationml/2006/ole">
             <mc:AlternateContent xmlns:mc="http://schemas.openxmlformats.org/markup-compatibility/2006">
               <mc:Choice xmlns:v="urn:schemas-microsoft-com:vml" Requires="v">
-                <p:oleObj spid="_x0000_s23572" name="Visio" r:id="rId3" imgW="10985656" imgH="15722692" progId="Visio.Drawing.15">
+                <p:oleObj spid="_x0000_s23574" name="Visio" r:id="rId3" imgW="10985656" imgH="15722692" progId="Visio.Drawing.15">
                   <p:embed/>
                 </p:oleObj>
               </mc:Choice>
@@ -9399,123 +9522,6 @@
 </p:sld>
 </file>
 
-<file path=ppt/slides/slide19.xml><?xml version="1.0" encoding="utf-8"?>
-<p:sld xmlns:a="http://schemas.openxmlformats.org/drawingml/2006/main" xmlns:r="http://schemas.openxmlformats.org/officeDocument/2006/relationships" xmlns:p="http://schemas.openxmlformats.org/presentationml/2006/main">
-  <p:cSld>
-    <p:spTree>
-      <p:nvGrpSpPr>
-        <p:cNvPr id="1" name=""/>
-        <p:cNvGrpSpPr/>
-        <p:nvPr/>
-      </p:nvGrpSpPr>
-      <p:grpSpPr>
-        <a:xfrm>
-          <a:off x="0" y="0"/>
-          <a:ext cx="0" cy="0"/>
-          <a:chOff x="0" y="0"/>
-          <a:chExt cx="0" cy="0"/>
-        </a:xfrm>
-      </p:grpSpPr>
-      <p:sp>
-        <p:nvSpPr>
-          <p:cNvPr id="2" name="标题 1"/>
-          <p:cNvSpPr>
-            <a:spLocks noGrp="1"/>
-          </p:cNvSpPr>
-          <p:nvPr>
-            <p:ph type="title"/>
-          </p:nvPr>
-        </p:nvSpPr>
-        <p:spPr/>
-        <p:txBody>
-          <a:bodyPr/>
-          <a:lstStyle/>
-          <a:p>
-            <a:r>
-              <a:rPr lang="zh-CN" altLang="en-US" dirty="0" smtClean="0"/>
-              <a:t>校园管理与课程管理</a:t>
-            </a:r>
-            <a:endParaRPr lang="zh-CN" altLang="en-US" dirty="0"/>
-          </a:p>
-        </p:txBody>
-      </p:sp>
-      <p:graphicFrame>
-        <p:nvGraphicFramePr>
-          <p:cNvPr id="4" name="对象 3"/>
-          <p:cNvGraphicFramePr>
-            <a:graphicFrameLocks noChangeAspect="1"/>
-          </p:cNvGraphicFramePr>
-          <p:nvPr>
-            <p:extLst>
-              <p:ext uri="{D42A27DB-BD31-4B8C-83A1-F6EECF244321}">
-                <p14:modId xmlns:p14="http://schemas.microsoft.com/office/powerpoint/2010/main" val="879121200"/>
-              </p:ext>
-            </p:extLst>
-          </p:nvPr>
-        </p:nvGraphicFramePr>
-        <p:xfrm>
-          <a:off x="215900" y="1052736"/>
-          <a:ext cx="8460556" cy="5040560"/>
-        </p:xfrm>
-        <a:graphic>
-          <a:graphicData uri="http://schemas.openxmlformats.org/presentationml/2006/ole">
-            <mc:AlternateContent xmlns:mc="http://schemas.openxmlformats.org/markup-compatibility/2006">
-              <mc:Choice xmlns:v="urn:schemas-microsoft-com:vml" Requires="v">
-                <p:oleObj spid="_x0000_s24596" name="Visio" r:id="rId3" imgW="8712304" imgH="6133961" progId="Visio.Drawing.15">
-                  <p:embed/>
-                </p:oleObj>
-              </mc:Choice>
-              <mc:Fallback>
-                <p:oleObj name="Visio" r:id="rId3" imgW="8712304" imgH="6133961" progId="Visio.Drawing.15">
-                  <p:embed/>
-                  <p:pic>
-                    <p:nvPicPr>
-                      <p:cNvPr id="0" name=""/>
-                      <p:cNvPicPr/>
-                      <p:nvPr/>
-                    </p:nvPicPr>
-                    <p:blipFill>
-                      <a:blip r:embed="rId4"/>
-                      <a:stretch>
-                        <a:fillRect/>
-                      </a:stretch>
-                    </p:blipFill>
-                    <p:spPr>
-                      <a:xfrm>
-                        <a:off x="215900" y="1052736"/>
-                        <a:ext cx="8460556" cy="5040560"/>
-                      </a:xfrm>
-                      <a:prstGeom prst="rect">
-                        <a:avLst/>
-                      </a:prstGeom>
-                    </p:spPr>
-                  </p:pic>
-                </p:oleObj>
-              </mc:Fallback>
-            </mc:AlternateContent>
-          </a:graphicData>
-        </a:graphic>
-      </p:graphicFrame>
-    </p:spTree>
-    <p:extLst>
-      <p:ext uri="{BB962C8B-B14F-4D97-AF65-F5344CB8AC3E}">
-        <p14:creationId xmlns:p14="http://schemas.microsoft.com/office/powerpoint/2010/main" val="2019005369"/>
-      </p:ext>
-    </p:extLst>
-  </p:cSld>
-  <p:clrMapOvr>
-    <a:masterClrMapping/>
-  </p:clrMapOvr>
-  <p:timing>
-    <p:tnLst>
-      <p:par>
-        <p:cTn id="1" dur="indefinite" restart="never" nodeType="tmRoot"/>
-      </p:par>
-    </p:tnLst>
-  </p:timing>
-</p:sld>
-</file>
-
 <file path=ppt/slides/slide2.xml><?xml version="1.0" encoding="utf-8"?>
 <p:sld xmlns:a="http://schemas.openxmlformats.org/drawingml/2006/main" xmlns:r="http://schemas.openxmlformats.org/officeDocument/2006/relationships" xmlns:p="http://schemas.openxmlformats.org/presentationml/2006/main">
   <p:cSld>
@@ -9832,24 +9838,7 @@
                 <a:ea typeface="+mn-ea"/>
                 <a:cs typeface="+mn-cs"/>
               </a:rPr>
-              <a:t>总结与</a:t>
-            </a:r>
-            <a:r>
-              <a:rPr kumimoji="0" lang="zh-CN" altLang="en-US" sz="2400" b="1" i="0" u="none" strike="noStrike" kern="0" cap="none" spc="0" normalizeH="0" baseline="0" noProof="0" dirty="0" smtClean="0">
-                <a:ln>
-                  <a:noFill/>
-                </a:ln>
-                <a:solidFill>
-                  <a:schemeClr val="tx1"/>
-                </a:solidFill>
-                <a:effectLst/>
-                <a:uLnTx/>
-                <a:uFillTx/>
-                <a:latin typeface="+mn-ea"/>
-                <a:ea typeface="+mn-ea"/>
-                <a:cs typeface="+mn-cs"/>
-              </a:rPr>
-              <a:t>展望</a:t>
+              <a:t>总结与展望</a:t>
             </a:r>
             <a:endParaRPr kumimoji="0" lang="en-US" altLang="zh-CN" sz="2400" b="1" i="0" u="none" strike="noStrike" kern="0" cap="none" spc="0" normalizeH="0" baseline="0" noProof="0" dirty="0" smtClean="0">
               <a:ln>
@@ -10010,6 +9999,240 @@
           <a:lstStyle/>
           <a:p>
             <a:r>
+              <a:rPr lang="zh-CN" altLang="en-US" dirty="0" smtClean="0"/>
+              <a:t>校园管理与课程管理</a:t>
+            </a:r>
+            <a:endParaRPr lang="zh-CN" altLang="en-US" dirty="0"/>
+          </a:p>
+        </p:txBody>
+      </p:sp>
+      <p:graphicFrame>
+        <p:nvGraphicFramePr>
+          <p:cNvPr id="3" name="对象 2"/>
+          <p:cNvGraphicFramePr>
+            <a:graphicFrameLocks noChangeAspect="1"/>
+          </p:cNvGraphicFramePr>
+          <p:nvPr>
+            <p:extLst>
+              <p:ext uri="{D42A27DB-BD31-4B8C-83A1-F6EECF244321}">
+                <p14:modId xmlns:p14="http://schemas.microsoft.com/office/powerpoint/2010/main" val="2495009679"/>
+              </p:ext>
+            </p:extLst>
+          </p:nvPr>
+        </p:nvGraphicFramePr>
+        <p:xfrm>
+          <a:off x="161925" y="1117598"/>
+          <a:ext cx="8820150" cy="4864102"/>
+        </p:xfrm>
+        <a:graphic>
+          <a:graphicData uri="http://schemas.openxmlformats.org/presentationml/2006/ole">
+            <mc:AlternateContent xmlns:mc="http://schemas.openxmlformats.org/markup-compatibility/2006">
+              <mc:Choice xmlns:v="urn:schemas-microsoft-com:vml" Requires="v">
+                <p:oleObj spid="_x0000_s24598" name="Visio" r:id="rId3" imgW="8820124" imgH="5105261" progId="Visio.Drawing.15">
+                  <p:embed/>
+                </p:oleObj>
+              </mc:Choice>
+              <mc:Fallback>
+                <p:oleObj name="Visio" r:id="rId3" imgW="8820124" imgH="5105261" progId="Visio.Drawing.15">
+                  <p:embed/>
+                  <p:pic>
+                    <p:nvPicPr>
+                      <p:cNvPr id="0" name=""/>
+                      <p:cNvPicPr/>
+                      <p:nvPr/>
+                    </p:nvPicPr>
+                    <p:blipFill>
+                      <a:blip r:embed="rId4"/>
+                      <a:stretch>
+                        <a:fillRect/>
+                      </a:stretch>
+                    </p:blipFill>
+                    <p:spPr>
+                      <a:xfrm>
+                        <a:off x="161925" y="1117598"/>
+                        <a:ext cx="8820150" cy="4864102"/>
+                      </a:xfrm>
+                      <a:prstGeom prst="rect">
+                        <a:avLst/>
+                      </a:prstGeom>
+                    </p:spPr>
+                  </p:pic>
+                </p:oleObj>
+              </mc:Fallback>
+            </mc:AlternateContent>
+          </a:graphicData>
+        </a:graphic>
+      </p:graphicFrame>
+    </p:spTree>
+    <p:extLst>
+      <p:ext uri="{BB962C8B-B14F-4D97-AF65-F5344CB8AC3E}">
+        <p14:creationId xmlns:p14="http://schemas.microsoft.com/office/powerpoint/2010/main" val="2019005369"/>
+      </p:ext>
+    </p:extLst>
+  </p:cSld>
+  <p:clrMapOvr>
+    <a:masterClrMapping/>
+  </p:clrMapOvr>
+  <p:timing>
+    <p:tnLst>
+      <p:par>
+        <p:cTn id="1" dur="indefinite" restart="never" nodeType="tmRoot"/>
+      </p:par>
+    </p:tnLst>
+  </p:timing>
+</p:sld>
+</file>
+
+<file path=ppt/slides/slide21.xml><?xml version="1.0" encoding="utf-8"?>
+<p:sld xmlns:a="http://schemas.openxmlformats.org/drawingml/2006/main" xmlns:r="http://schemas.openxmlformats.org/officeDocument/2006/relationships" xmlns:p="http://schemas.openxmlformats.org/presentationml/2006/main">
+  <p:cSld>
+    <p:spTree>
+      <p:nvGrpSpPr>
+        <p:cNvPr id="1" name=""/>
+        <p:cNvGrpSpPr/>
+        <p:nvPr/>
+      </p:nvGrpSpPr>
+      <p:grpSpPr>
+        <a:xfrm>
+          <a:off x="0" y="0"/>
+          <a:ext cx="0" cy="0"/>
+          <a:chOff x="0" y="0"/>
+          <a:chExt cx="0" cy="0"/>
+        </a:xfrm>
+      </p:grpSpPr>
+      <p:sp>
+        <p:nvSpPr>
+          <p:cNvPr id="2" name="标题 1"/>
+          <p:cNvSpPr>
+            <a:spLocks noGrp="1"/>
+          </p:cNvSpPr>
+          <p:nvPr>
+            <p:ph type="title"/>
+          </p:nvPr>
+        </p:nvSpPr>
+        <p:spPr/>
+        <p:txBody>
+          <a:bodyPr/>
+          <a:lstStyle/>
+          <a:p>
+            <a:r>
+              <a:rPr lang="zh-CN" altLang="en-US" dirty="0" smtClean="0"/>
+              <a:t>校园管理与课程管理</a:t>
+            </a:r>
+            <a:endParaRPr lang="zh-CN" altLang="en-US" dirty="0"/>
+          </a:p>
+        </p:txBody>
+      </p:sp>
+      <p:graphicFrame>
+        <p:nvGraphicFramePr>
+          <p:cNvPr id="4" name="对象 3"/>
+          <p:cNvGraphicFramePr>
+            <a:graphicFrameLocks noChangeAspect="1"/>
+          </p:cNvGraphicFramePr>
+          <p:nvPr>
+            <p:extLst>
+              <p:ext uri="{D42A27DB-BD31-4B8C-83A1-F6EECF244321}">
+                <p14:modId xmlns:p14="http://schemas.microsoft.com/office/powerpoint/2010/main" val="706278850"/>
+              </p:ext>
+            </p:extLst>
+          </p:nvPr>
+        </p:nvGraphicFramePr>
+        <p:xfrm>
+          <a:off x="247650" y="1117598"/>
+          <a:ext cx="8648700" cy="5047706"/>
+        </p:xfrm>
+        <a:graphic>
+          <a:graphicData uri="http://schemas.openxmlformats.org/presentationml/2006/ole">
+            <mc:AlternateContent xmlns:mc="http://schemas.openxmlformats.org/markup-compatibility/2006">
+              <mc:Choice xmlns:v="urn:schemas-microsoft-com:vml" Requires="v">
+                <p:oleObj spid="_x0000_s36867" name="Visio" r:id="rId3" imgW="8648856" imgH="6133961" progId="Visio.Drawing.15">
+                  <p:embed/>
+                </p:oleObj>
+              </mc:Choice>
+              <mc:Fallback>
+                <p:oleObj name="Visio" r:id="rId3" imgW="8648856" imgH="6133961" progId="Visio.Drawing.15">
+                  <p:embed/>
+                  <p:pic>
+                    <p:nvPicPr>
+                      <p:cNvPr id="0" name=""/>
+                      <p:cNvPicPr/>
+                      <p:nvPr/>
+                    </p:nvPicPr>
+                    <p:blipFill>
+                      <a:blip r:embed="rId4"/>
+                      <a:stretch>
+                        <a:fillRect/>
+                      </a:stretch>
+                    </p:blipFill>
+                    <p:spPr>
+                      <a:xfrm>
+                        <a:off x="247650" y="1117598"/>
+                        <a:ext cx="8648700" cy="5047706"/>
+                      </a:xfrm>
+                      <a:prstGeom prst="rect">
+                        <a:avLst/>
+                      </a:prstGeom>
+                    </p:spPr>
+                  </p:pic>
+                </p:oleObj>
+              </mc:Fallback>
+            </mc:AlternateContent>
+          </a:graphicData>
+        </a:graphic>
+      </p:graphicFrame>
+    </p:spTree>
+    <p:extLst>
+      <p:ext uri="{BB962C8B-B14F-4D97-AF65-F5344CB8AC3E}">
+        <p14:creationId xmlns:p14="http://schemas.microsoft.com/office/powerpoint/2010/main" val="1478246091"/>
+      </p:ext>
+    </p:extLst>
+  </p:cSld>
+  <p:clrMapOvr>
+    <a:masterClrMapping/>
+  </p:clrMapOvr>
+  <p:timing>
+    <p:tnLst>
+      <p:par>
+        <p:cTn id="1" dur="indefinite" restart="never" nodeType="tmRoot"/>
+      </p:par>
+    </p:tnLst>
+  </p:timing>
+</p:sld>
+</file>
+
+<file path=ppt/slides/slide22.xml><?xml version="1.0" encoding="utf-8"?>
+<p:sld xmlns:a="http://schemas.openxmlformats.org/drawingml/2006/main" xmlns:r="http://schemas.openxmlformats.org/officeDocument/2006/relationships" xmlns:p="http://schemas.openxmlformats.org/presentationml/2006/main">
+  <p:cSld>
+    <p:spTree>
+      <p:nvGrpSpPr>
+        <p:cNvPr id="1" name=""/>
+        <p:cNvGrpSpPr/>
+        <p:nvPr/>
+      </p:nvGrpSpPr>
+      <p:grpSpPr>
+        <a:xfrm>
+          <a:off x="0" y="0"/>
+          <a:ext cx="0" cy="0"/>
+          <a:chOff x="0" y="0"/>
+          <a:chExt cx="0" cy="0"/>
+        </a:xfrm>
+      </p:grpSpPr>
+      <p:sp>
+        <p:nvSpPr>
+          <p:cNvPr id="2" name="标题 1"/>
+          <p:cNvSpPr>
+            <a:spLocks noGrp="1"/>
+          </p:cNvSpPr>
+          <p:nvPr>
+            <p:ph type="title"/>
+          </p:nvPr>
+        </p:nvSpPr>
+        <p:spPr/>
+        <p:txBody>
+          <a:bodyPr/>
+          <a:lstStyle/>
+          <a:p>
+            <a:r>
               <a:rPr lang="zh-CN" altLang="en-US" dirty="0"/>
               <a:t>校园管理与课程管理</a:t>
             </a:r>
@@ -10070,7 +10293,7 @@
           <a:graphicData uri="http://schemas.openxmlformats.org/presentationml/2006/ole">
             <mc:AlternateContent xmlns:mc="http://schemas.openxmlformats.org/markup-compatibility/2006">
               <mc:Choice xmlns:v="urn:schemas-microsoft-com:vml" Requires="v">
-                <p:oleObj spid="_x0000_s25621" name="Visio" r:id="rId3" imgW="6368869" imgH="8959873" progId="Visio.Drawing.15">
+                <p:oleObj spid="_x0000_s25623" name="Visio" r:id="rId3" imgW="6368869" imgH="8959873" progId="Visio.Drawing.15">
                   <p:embed/>
                 </p:oleObj>
               </mc:Choice>
@@ -10125,7 +10348,7 @@
 </p:sld>
 </file>
 
-<file path=ppt/slides/slide21.xml><?xml version="1.0" encoding="utf-8"?>
+<file path=ppt/slides/slide23.xml><?xml version="1.0" encoding="utf-8"?>
 <p:sld xmlns:a="http://schemas.openxmlformats.org/drawingml/2006/main" xmlns:r="http://schemas.openxmlformats.org/officeDocument/2006/relationships" xmlns:p="http://schemas.openxmlformats.org/presentationml/2006/main">
   <p:cSld>
     <p:spTree>
@@ -10540,7 +10763,7 @@
 </p:sld>
 </file>
 
-<file path=ppt/slides/slide22.xml><?xml version="1.0" encoding="utf-8"?>
+<file path=ppt/slides/slide24.xml><?xml version="1.0" encoding="utf-8"?>
 <p:sld xmlns:a="http://schemas.openxmlformats.org/drawingml/2006/main" xmlns:r="http://schemas.openxmlformats.org/officeDocument/2006/relationships" xmlns:p="http://schemas.openxmlformats.org/presentationml/2006/main">
   <p:cSld>
     <p:spTree>
@@ -10717,25 +10940,25 @@
           <p:nvPr>
             <p:extLst>
               <p:ext uri="{D42A27DB-BD31-4B8C-83A1-F6EECF244321}">
-                <p14:modId xmlns:p14="http://schemas.microsoft.com/office/powerpoint/2010/main" val="2040055406"/>
+                <p14:modId xmlns:p14="http://schemas.microsoft.com/office/powerpoint/2010/main" val="417301003"/>
               </p:ext>
             </p:extLst>
           </p:nvPr>
         </p:nvGraphicFramePr>
         <p:xfrm>
-          <a:off x="971599" y="1654174"/>
-          <a:ext cx="7351663" cy="4367113"/>
+          <a:off x="969963" y="1652588"/>
+          <a:ext cx="7356475" cy="4371975"/>
         </p:xfrm>
         <a:graphic>
           <a:graphicData uri="http://schemas.openxmlformats.org/presentationml/2006/ole">
             <mc:AlternateContent xmlns:mc="http://schemas.openxmlformats.org/markup-compatibility/2006">
               <mc:Choice xmlns:v="urn:schemas-microsoft-com:vml" Requires="v">
-                <p:oleObj spid="_x0000_s12310" name="Visio" r:id="rId3" imgW="10414207" imgH="6064135" progId="Visio.Drawing.15">
+                <p:oleObj spid="_x0000_s12312" name="Visio" r:id="rId3" imgW="10420200" imgH="6070680" progId="Visio.Drawing.15">
                   <p:embed/>
                 </p:oleObj>
               </mc:Choice>
               <mc:Fallback>
-                <p:oleObj name="Visio" r:id="rId3" imgW="10414207" imgH="6064135" progId="Visio.Drawing.15">
+                <p:oleObj name="Visio" r:id="rId3" imgW="10420200" imgH="6070680" progId="Visio.Drawing.15">
                   <p:embed/>
                   <p:pic>
                     <p:nvPicPr>
@@ -10751,8 +10974,8 @@
                     </p:blipFill>
                     <p:spPr>
                       <a:xfrm>
-                        <a:off x="971599" y="1654174"/>
-                        <a:ext cx="7351663" cy="4367113"/>
+                        <a:off x="969963" y="1652588"/>
+                        <a:ext cx="7356475" cy="4371975"/>
                       </a:xfrm>
                       <a:prstGeom prst="rect">
                         <a:avLst/>
@@ -10780,7 +11003,7 @@
 </p:sld>
 </file>
 
-<file path=ppt/slides/slide23.xml><?xml version="1.0" encoding="utf-8"?>
+<file path=ppt/slides/slide25.xml><?xml version="1.0" encoding="utf-8"?>
 <p:sld xmlns:a="http://schemas.openxmlformats.org/drawingml/2006/main" xmlns:r="http://schemas.openxmlformats.org/officeDocument/2006/relationships" xmlns:p="http://schemas.openxmlformats.org/presentationml/2006/main">
   <p:cSld>
     <p:spTree>
@@ -10872,32 +11095,32 @@
       </p:sp>
       <p:graphicFrame>
         <p:nvGraphicFramePr>
-          <p:cNvPr id="4" name="对象 3"/>
+          <p:cNvPr id="5" name="对象 4"/>
           <p:cNvGraphicFramePr>
             <a:graphicFrameLocks noChangeAspect="1"/>
           </p:cNvGraphicFramePr>
           <p:nvPr>
             <p:extLst>
               <p:ext uri="{D42A27DB-BD31-4B8C-83A1-F6EECF244321}">
-                <p14:modId xmlns:p14="http://schemas.microsoft.com/office/powerpoint/2010/main" val="3911841778"/>
+                <p14:modId xmlns:p14="http://schemas.microsoft.com/office/powerpoint/2010/main" val="3577745587"/>
               </p:ext>
             </p:extLst>
           </p:nvPr>
         </p:nvGraphicFramePr>
         <p:xfrm>
-          <a:off x="664528" y="1988839"/>
-          <a:ext cx="8083936" cy="4104457"/>
+          <a:off x="1060450" y="1835051"/>
+          <a:ext cx="7023100" cy="3813274"/>
         </p:xfrm>
         <a:graphic>
           <a:graphicData uri="http://schemas.openxmlformats.org/presentationml/2006/ole">
             <mc:AlternateContent xmlns:mc="http://schemas.openxmlformats.org/markup-compatibility/2006">
               <mc:Choice xmlns:v="urn:schemas-microsoft-com:vml" Requires="v">
-                <p:oleObj spid="_x0000_s13333" name="Visio" r:id="rId3" imgW="7118220" imgH="4883312" progId="Visio.Drawing.15">
+                <p:oleObj spid="_x0000_s13335" name="Visio" r:id="rId3" imgW="7023256" imgH="4438581" progId="Visio.Drawing.15">
                   <p:embed/>
                 </p:oleObj>
               </mc:Choice>
               <mc:Fallback>
-                <p:oleObj name="Visio" r:id="rId3" imgW="7118220" imgH="4883312" progId="Visio.Drawing.15">
+                <p:oleObj name="Visio" r:id="rId3" imgW="7023256" imgH="4438581" progId="Visio.Drawing.15">
                   <p:embed/>
                   <p:pic>
                     <p:nvPicPr>
@@ -10913,8 +11136,8 @@
                     </p:blipFill>
                     <p:spPr>
                       <a:xfrm>
-                        <a:off x="664528" y="1988839"/>
-                        <a:ext cx="8083936" cy="4104457"/>
+                        <a:off x="1060450" y="1835051"/>
+                        <a:ext cx="7023100" cy="3813274"/>
                       </a:xfrm>
                       <a:prstGeom prst="rect">
                         <a:avLst/>
@@ -10942,7 +11165,7 @@
 </p:sld>
 </file>
 
-<file path=ppt/slides/slide24.xml><?xml version="1.0" encoding="utf-8"?>
+<file path=ppt/slides/slide26.xml><?xml version="1.0" encoding="utf-8"?>
 <p:sld xmlns:a="http://schemas.openxmlformats.org/drawingml/2006/main" xmlns:r="http://schemas.openxmlformats.org/officeDocument/2006/relationships" xmlns:p="http://schemas.openxmlformats.org/presentationml/2006/main">
   <p:cSld>
     <p:spTree>
@@ -11067,7 +11290,7 @@
           <a:graphicData uri="http://schemas.openxmlformats.org/presentationml/2006/ole">
             <mc:AlternateContent xmlns:mc="http://schemas.openxmlformats.org/markup-compatibility/2006">
               <mc:Choice xmlns:v="urn:schemas-microsoft-com:vml" Requires="v">
-                <p:oleObj spid="_x0000_s26645" name="Visio" r:id="rId3" imgW="9766456" imgH="9772858" progId="Visio.Drawing.15">
+                <p:oleObj spid="_x0000_s26647" name="Visio" r:id="rId3" imgW="9766456" imgH="9772858" progId="Visio.Drawing.15">
                   <p:embed/>
                 </p:oleObj>
               </mc:Choice>
@@ -11132,7 +11355,7 @@
 </p:sld>
 </file>
 
-<file path=ppt/slides/slide25.xml><?xml version="1.0" encoding="utf-8"?>
+<file path=ppt/slides/slide27.xml><?xml version="1.0" encoding="utf-8"?>
 <p:sld xmlns:a="http://schemas.openxmlformats.org/drawingml/2006/main" xmlns:r="http://schemas.openxmlformats.org/officeDocument/2006/relationships" xmlns:p="http://schemas.openxmlformats.org/presentationml/2006/main">
   <p:cSld>
     <p:spTree>
@@ -11378,7 +11601,7 @@
           <a:graphicData uri="http://schemas.openxmlformats.org/presentationml/2006/ole">
             <mc:AlternateContent xmlns:mc="http://schemas.openxmlformats.org/markup-compatibility/2006">
               <mc:Choice xmlns:v="urn:schemas-microsoft-com:vml" Requires="v">
-                <p:oleObj spid="_x0000_s27669" name="Visio" r:id="rId3" imgW="9658220" imgH="3600658" progId="Visio.Drawing.15">
+                <p:oleObj spid="_x0000_s27671" name="Visio" r:id="rId3" imgW="9658220" imgH="3600658" progId="Visio.Drawing.15">
                   <p:embed/>
                 </p:oleObj>
               </mc:Choice>
@@ -11443,7 +11666,7 @@
 </p:sld>
 </file>
 
-<file path=ppt/slides/slide26.xml><?xml version="1.0" encoding="utf-8"?>
+<file path=ppt/slides/slide28.xml><?xml version="1.0" encoding="utf-8"?>
 <p:sld xmlns:a="http://schemas.openxmlformats.org/drawingml/2006/main" xmlns:r="http://schemas.openxmlformats.org/officeDocument/2006/relationships" xmlns:p="http://schemas.openxmlformats.org/presentationml/2006/main">
   <p:cSld>
     <p:spTree>
@@ -11568,7 +11791,7 @@
           <a:graphicData uri="http://schemas.openxmlformats.org/presentationml/2006/ole">
             <mc:AlternateContent xmlns:mc="http://schemas.openxmlformats.org/markup-compatibility/2006">
               <mc:Choice xmlns:v="urn:schemas-microsoft-com:vml" Requires="v">
-                <p:oleObj spid="_x0000_s28693" name="Visio" r:id="rId3" imgW="10388496" imgH="6908708" progId="Visio.Drawing.15">
+                <p:oleObj spid="_x0000_s28695" name="Visio" r:id="rId3" imgW="10388496" imgH="6908708" progId="Visio.Drawing.15">
                   <p:embed/>
                 </p:oleObj>
               </mc:Choice>
@@ -11633,7 +11856,7 @@
 </p:sld>
 </file>
 
-<file path=ppt/slides/slide27.xml><?xml version="1.0" encoding="utf-8"?>
+<file path=ppt/slides/slide29.xml><?xml version="1.0" encoding="utf-8"?>
 <p:sld xmlns:a="http://schemas.openxmlformats.org/drawingml/2006/main" xmlns:r="http://schemas.openxmlformats.org/officeDocument/2006/relationships" xmlns:p="http://schemas.openxmlformats.org/presentationml/2006/main">
   <p:cSld>
     <p:spTree>
@@ -12023,7 +12246,7 @@
           <a:graphicData uri="http://schemas.openxmlformats.org/presentationml/2006/ole">
             <mc:AlternateContent xmlns:mc="http://schemas.openxmlformats.org/markup-compatibility/2006">
               <mc:Choice xmlns:v="urn:schemas-microsoft-com:vml" Requires="v">
-                <p:oleObj spid="_x0000_s29721" name="Visio" r:id="rId3" imgW="9709228" imgH="4806835" progId="Visio.Drawing.15">
+                <p:oleObj spid="_x0000_s29723" name="Visio" r:id="rId3" imgW="9709228" imgH="4806835" progId="Visio.Drawing.15">
                   <p:embed/>
                 </p:oleObj>
               </mc:Choice>
@@ -12088,7 +12311,266 @@
 </p:sld>
 </file>
 
-<file path=ppt/slides/slide28.xml><?xml version="1.0" encoding="utf-8"?>
+<file path=ppt/slides/slide3.xml><?xml version="1.0" encoding="utf-8"?>
+<p:sld xmlns:a="http://schemas.openxmlformats.org/drawingml/2006/main" xmlns:r="http://schemas.openxmlformats.org/officeDocument/2006/relationships" xmlns:p="http://schemas.openxmlformats.org/presentationml/2006/main">
+  <p:cSld>
+    <p:spTree>
+      <p:nvGrpSpPr>
+        <p:cNvPr id="1" name=""/>
+        <p:cNvGrpSpPr/>
+        <p:nvPr/>
+      </p:nvGrpSpPr>
+      <p:grpSpPr>
+        <a:xfrm>
+          <a:off x="0" y="0"/>
+          <a:ext cx="0" cy="0"/>
+          <a:chOff x="0" y="0"/>
+          <a:chExt cx="0" cy="0"/>
+        </a:xfrm>
+      </p:grpSpPr>
+      <p:sp>
+        <p:nvSpPr>
+          <p:cNvPr id="2" name="标题 1"/>
+          <p:cNvSpPr>
+            <a:spLocks noGrp="1"/>
+          </p:cNvSpPr>
+          <p:nvPr>
+            <p:ph type="title"/>
+          </p:nvPr>
+        </p:nvSpPr>
+        <p:spPr>
+          <a:xfrm>
+            <a:off x="468313" y="500063"/>
+            <a:ext cx="5032375" cy="617538"/>
+          </a:xfrm>
+          <a:ln>
+            <a:miter/>
+          </a:ln>
+        </p:spPr>
+        <p:txBody>
+          <a:bodyPr vert="horz" wrap="square" lIns="91440" tIns="45720" rIns="91440" bIns="45720" numCol="1" anchor="ctr" anchorCtr="0" compatLnSpc="1"/>
+          <a:lstStyle/>
+          <a:p>
+            <a:pPr marL="0" marR="0" lvl="0" indent="0" algn="l" defTabSz="914400" rtl="0" eaLnBrk="0" fontAlgn="base" latinLnBrk="0" hangingPunct="0">
+              <a:lnSpc>
+                <a:spcPct val="100000"/>
+              </a:lnSpc>
+              <a:spcBef>
+                <a:spcPct val="0"/>
+              </a:spcBef>
+              <a:spcAft>
+                <a:spcPct val="0"/>
+              </a:spcAft>
+              <a:buClrTx/>
+              <a:buSzTx/>
+              <a:buFont typeface="Wingdings" panose="05000000000000000000" pitchFamily="2" charset="2"/>
+              <a:buChar char="Ø"/>
+              <a:defRPr/>
+            </a:pPr>
+            <a:r>
+              <a:rPr kumimoji="0" lang="zh-CN" altLang="en-US" sz="2800" b="0" i="0" u="none" strike="noStrike" kern="0" cap="none" spc="0" normalizeH="0" baseline="0" noProof="0" dirty="0" smtClean="0">
+                <a:ln>
+                  <a:noFill/>
+                </a:ln>
+                <a:solidFill>
+                  <a:srgbClr val="C00000"/>
+                </a:solidFill>
+                <a:effectLst/>
+                <a:uLnTx/>
+                <a:uFillTx/>
+                <a:latin typeface="+mn-ea"/>
+                <a:ea typeface="+mj-ea"/>
+                <a:cs typeface="+mj-cs"/>
+              </a:rPr>
+              <a:t>研究背景和意义</a:t>
+            </a:r>
+            <a:endParaRPr kumimoji="0" lang="zh-CN" altLang="en-US" sz="2800" b="0" i="0" u="none" strike="noStrike" kern="0" cap="none" spc="0" normalizeH="0" baseline="0" noProof="0" dirty="0">
+              <a:ln>
+                <a:noFill/>
+              </a:ln>
+              <a:solidFill>
+                <a:srgbClr val="C00000"/>
+              </a:solidFill>
+              <a:effectLst/>
+              <a:uLnTx/>
+              <a:uFillTx/>
+              <a:latin typeface="+mj-lt"/>
+              <a:ea typeface="+mj-ea"/>
+              <a:cs typeface="+mj-cs"/>
+            </a:endParaRPr>
+          </a:p>
+        </p:txBody>
+      </p:sp>
+      <p:sp>
+        <p:nvSpPr>
+          <p:cNvPr id="8194" name="内容占位符 2"/>
+          <p:cNvSpPr>
+            <a:spLocks noGrp="1"/>
+          </p:cNvSpPr>
+          <p:nvPr>
+            <p:ph idx="1"/>
+          </p:nvPr>
+        </p:nvSpPr>
+        <p:spPr>
+          <a:xfrm>
+            <a:off x="800100" y="1117601"/>
+            <a:ext cx="7635875" cy="4903687"/>
+          </a:xfrm>
+        </p:spPr>
+        <p:txBody>
+          <a:bodyPr wrap="square" lIns="91440" tIns="45720" rIns="91440" bIns="45720" anchor="t"/>
+          <a:lstStyle/>
+          <a:p>
+            <a:r>
+              <a:rPr lang="en-US" altLang="zh-CN" sz="2000" dirty="0" smtClean="0"/>
+              <a:t>        </a:t>
+            </a:r>
+            <a:r>
+              <a:rPr lang="zh-CN" altLang="zh-CN" sz="2000" dirty="0" smtClean="0"/>
+              <a:t>随着</a:t>
+            </a:r>
+            <a:r>
+              <a:rPr lang="zh-CN" altLang="zh-CN" sz="2000" dirty="0"/>
+              <a:t>互联网和人工智能的发展，围棋这一有着悠久历史的益智类游戏重新走到大众的关注之下，而且相关的话题度也越来越高</a:t>
+            </a:r>
+            <a:r>
+              <a:rPr lang="zh-CN" altLang="zh-CN" sz="2000" dirty="0" smtClean="0"/>
+              <a:t>。</a:t>
+            </a:r>
+            <a:r>
+              <a:rPr lang="zh-CN" altLang="en-US" sz="2000" dirty="0" smtClean="0"/>
+              <a:t>尤其是</a:t>
+            </a:r>
+            <a:r>
+              <a:rPr lang="en-US" altLang="zh-CN" sz="2000" dirty="0" smtClean="0"/>
+              <a:t>2016</a:t>
+            </a:r>
+            <a:r>
+              <a:rPr lang="zh-CN" altLang="zh-CN" sz="2000" dirty="0"/>
+              <a:t>年</a:t>
+            </a:r>
+            <a:r>
+              <a:rPr lang="en-US" altLang="zh-CN" sz="2000" dirty="0"/>
+              <a:t>3</a:t>
+            </a:r>
+            <a:r>
+              <a:rPr lang="zh-CN" altLang="zh-CN" sz="2000" dirty="0"/>
+              <a:t>月，由</a:t>
+            </a:r>
+            <a:r>
+              <a:rPr lang="en-US" altLang="zh-CN" sz="2000" dirty="0"/>
+              <a:t>Google</a:t>
+            </a:r>
+            <a:r>
+              <a:rPr lang="zh-CN" altLang="zh-CN" sz="2000" dirty="0"/>
+              <a:t>旗下</a:t>
+            </a:r>
+            <a:r>
+              <a:rPr lang="en-US" altLang="zh-CN" sz="2000" dirty="0"/>
+              <a:t>DeepMind</a:t>
+            </a:r>
+            <a:r>
+              <a:rPr lang="zh-CN" altLang="zh-CN" sz="2000" dirty="0"/>
+              <a:t>团队开发的人工智能程序</a:t>
+            </a:r>
+            <a:r>
+              <a:rPr lang="en-US" altLang="zh-CN" sz="2000" dirty="0" err="1"/>
+              <a:t>AlphaGo</a:t>
+            </a:r>
+            <a:r>
+              <a:rPr lang="zh-CN" altLang="zh-CN" sz="2000" dirty="0"/>
+              <a:t>与人类围棋世界冠军、职业九段棋手李世石进行的围棋人机大战以及</a:t>
+            </a:r>
+            <a:r>
+              <a:rPr lang="en-US" altLang="zh-CN" sz="2000" dirty="0"/>
+              <a:t>2017</a:t>
+            </a:r>
+            <a:r>
+              <a:rPr lang="zh-CN" altLang="zh-CN" sz="2000" dirty="0"/>
+              <a:t>年</a:t>
+            </a:r>
+            <a:r>
+              <a:rPr lang="en-US" altLang="zh-CN" sz="2000" dirty="0"/>
+              <a:t>5</a:t>
+            </a:r>
+            <a:r>
+              <a:rPr lang="zh-CN" altLang="zh-CN" sz="2000" dirty="0"/>
+              <a:t>月，在中国乌镇围棋峰会上，</a:t>
+            </a:r>
+            <a:r>
+              <a:rPr lang="en-US" altLang="zh-CN" sz="2000" dirty="0" err="1"/>
+              <a:t>AlphaGo</a:t>
+            </a:r>
+            <a:r>
+              <a:rPr lang="zh-CN" altLang="zh-CN" sz="2000" dirty="0"/>
+              <a:t>与排名世界第一的世界围棋的冠军柯洁对战，这两则新闻使大众对围棋有了更多的关注和兴趣</a:t>
+            </a:r>
+            <a:endParaRPr lang="en-US" altLang="zh-CN" sz="2000" dirty="0" smtClean="0"/>
+          </a:p>
+          <a:p>
+            <a:r>
+              <a:rPr lang="en-US" altLang="zh-CN" sz="2000" dirty="0" smtClean="0"/>
+              <a:t>        </a:t>
+            </a:r>
+            <a:r>
+              <a:rPr lang="zh-CN" altLang="zh-CN" sz="2000" dirty="0" smtClean="0"/>
+              <a:t>但</a:t>
+            </a:r>
+            <a:r>
+              <a:rPr lang="zh-CN" altLang="zh-CN" sz="2000" dirty="0"/>
+              <a:t>围棋教学培训却形式单一，且质量无法得到保障，由于大部分的围棋教学集中在线下的围棋培训兴趣班之中，优秀的围棋教师、高水平的围棋棋局等围棋资源受到线下的地域性等限制因素，无法得到有效的推广</a:t>
+            </a:r>
+            <a:r>
+              <a:rPr lang="zh-CN" altLang="en-US" sz="2000" dirty="0" smtClean="0"/>
+              <a:t>。</a:t>
+            </a:r>
+            <a:endParaRPr lang="zh-CN" altLang="en-US" sz="2000" dirty="0"/>
+          </a:p>
+          <a:p>
+            <a:r>
+              <a:rPr lang="zh-CN" altLang="en-US" sz="2000" dirty="0" smtClean="0"/>
+              <a:t>       本文的目的是</a:t>
+            </a:r>
+            <a:r>
+              <a:rPr lang="zh-CN" altLang="zh-CN" sz="2000" dirty="0"/>
+              <a:t>建设一套针对围棋教学的直播系统来平衡围棋教学资源，解决教育设施的地域局限性，加强围棋教学的</a:t>
+            </a:r>
+            <a:r>
+              <a:rPr lang="zh-CN" altLang="zh-CN" sz="2000" dirty="0" smtClean="0"/>
+              <a:t>规范性</a:t>
+            </a:r>
+            <a:r>
+              <a:rPr lang="zh-CN" altLang="en-US" sz="2000" dirty="0" smtClean="0"/>
+              <a:t>，并且</a:t>
+            </a:r>
+            <a:r>
+              <a:rPr lang="zh-CN" altLang="zh-CN" sz="2000" dirty="0" smtClean="0"/>
+              <a:t>，</a:t>
+            </a:r>
+            <a:r>
+              <a:rPr lang="zh-CN" altLang="zh-CN" sz="2000" dirty="0"/>
+              <a:t>线上围棋教学系统在得以线上展开，也将带来一个极具经济规模的市场。</a:t>
+            </a:r>
+            <a:endParaRPr lang="zh-CN" altLang="en-US" sz="2000" dirty="0"/>
+          </a:p>
+        </p:txBody>
+      </p:sp>
+    </p:spTree>
+  </p:cSld>
+  <p:clrMapOvr>
+    <a:masterClrMapping/>
+  </p:clrMapOvr>
+  <p:timing>
+    <p:tnLst>
+      <p:par>
+        <p:cTn id="1" dur="indefinite" restart="never" nodeType="tmRoot"/>
+      </p:par>
+    </p:tnLst>
+  </p:timing>
+</p:sld>
+</file>
+
+<file path=ppt/slides/slide30.xml><?xml version="1.0" encoding="utf-8"?>
 <p:sld xmlns:a="http://schemas.openxmlformats.org/drawingml/2006/main" xmlns:r="http://schemas.openxmlformats.org/officeDocument/2006/relationships" xmlns:p="http://schemas.openxmlformats.org/presentationml/2006/main">
   <p:cSld>
     <p:spTree>
@@ -12213,7 +12695,7 @@
           <a:graphicData uri="http://schemas.openxmlformats.org/presentationml/2006/ole">
             <mc:AlternateContent xmlns:mc="http://schemas.openxmlformats.org/markup-compatibility/2006">
               <mc:Choice xmlns:v="urn:schemas-microsoft-com:vml" Requires="v">
-                <p:oleObj spid="_x0000_s30741" name="Visio" r:id="rId3" imgW="14420980" imgH="8153539" progId="Visio.Drawing.15">
+                <p:oleObj spid="_x0000_s30743" name="Visio" r:id="rId3" imgW="14420980" imgH="8153539" progId="Visio.Drawing.15">
                   <p:embed/>
                 </p:oleObj>
               </mc:Choice>
@@ -12278,7 +12760,7 @@
 </p:sld>
 </file>
 
-<file path=ppt/slides/slide29.xml><?xml version="1.0" encoding="utf-8"?>
+<file path=ppt/slides/slide31.xml><?xml version="1.0" encoding="utf-8"?>
 <p:sld xmlns:a="http://schemas.openxmlformats.org/drawingml/2006/main" xmlns:r="http://schemas.openxmlformats.org/officeDocument/2006/relationships" xmlns:p="http://schemas.openxmlformats.org/presentationml/2006/main">
   <p:cSld>
     <p:spTree>
@@ -12402,7 +12884,7 @@
           <a:graphicData uri="http://schemas.openxmlformats.org/presentationml/2006/ole">
             <mc:AlternateContent xmlns:mc="http://schemas.openxmlformats.org/markup-compatibility/2006">
               <mc:Choice xmlns:v="urn:schemas-microsoft-com:vml" Requires="v">
-                <p:oleObj spid="_x0000_s31765" name="Visio" r:id="rId3" imgW="10153780" imgH="3600658" progId="Visio.Drawing.15">
+                <p:oleObj spid="_x0000_s31767" name="Visio" r:id="rId3" imgW="10153780" imgH="3600658" progId="Visio.Drawing.15">
                   <p:embed/>
                 </p:oleObj>
               </mc:Choice>
@@ -12576,266 +13058,7 @@
 </p:sld>
 </file>
 
-<file path=ppt/slides/slide3.xml><?xml version="1.0" encoding="utf-8"?>
-<p:sld xmlns:a="http://schemas.openxmlformats.org/drawingml/2006/main" xmlns:r="http://schemas.openxmlformats.org/officeDocument/2006/relationships" xmlns:p="http://schemas.openxmlformats.org/presentationml/2006/main">
-  <p:cSld>
-    <p:spTree>
-      <p:nvGrpSpPr>
-        <p:cNvPr id="1" name=""/>
-        <p:cNvGrpSpPr/>
-        <p:nvPr/>
-      </p:nvGrpSpPr>
-      <p:grpSpPr>
-        <a:xfrm>
-          <a:off x="0" y="0"/>
-          <a:ext cx="0" cy="0"/>
-          <a:chOff x="0" y="0"/>
-          <a:chExt cx="0" cy="0"/>
-        </a:xfrm>
-      </p:grpSpPr>
-      <p:sp>
-        <p:nvSpPr>
-          <p:cNvPr id="2" name="标题 1"/>
-          <p:cNvSpPr>
-            <a:spLocks noGrp="1"/>
-          </p:cNvSpPr>
-          <p:nvPr>
-            <p:ph type="title"/>
-          </p:nvPr>
-        </p:nvSpPr>
-        <p:spPr>
-          <a:xfrm>
-            <a:off x="468313" y="500063"/>
-            <a:ext cx="5032375" cy="617538"/>
-          </a:xfrm>
-          <a:ln>
-            <a:miter/>
-          </a:ln>
-        </p:spPr>
-        <p:txBody>
-          <a:bodyPr vert="horz" wrap="square" lIns="91440" tIns="45720" rIns="91440" bIns="45720" numCol="1" anchor="ctr" anchorCtr="0" compatLnSpc="1"/>
-          <a:lstStyle/>
-          <a:p>
-            <a:pPr marL="0" marR="0" lvl="0" indent="0" algn="l" defTabSz="914400" rtl="0" eaLnBrk="0" fontAlgn="base" latinLnBrk="0" hangingPunct="0">
-              <a:lnSpc>
-                <a:spcPct val="100000"/>
-              </a:lnSpc>
-              <a:spcBef>
-                <a:spcPct val="0"/>
-              </a:spcBef>
-              <a:spcAft>
-                <a:spcPct val="0"/>
-              </a:spcAft>
-              <a:buClrTx/>
-              <a:buSzTx/>
-              <a:buFont typeface="Wingdings" panose="05000000000000000000" pitchFamily="2" charset="2"/>
-              <a:buChar char="Ø"/>
-              <a:defRPr/>
-            </a:pPr>
-            <a:r>
-              <a:rPr kumimoji="0" lang="zh-CN" altLang="en-US" sz="2800" b="0" i="0" u="none" strike="noStrike" kern="0" cap="none" spc="0" normalizeH="0" baseline="0" noProof="0" dirty="0" smtClean="0">
-                <a:ln>
-                  <a:noFill/>
-                </a:ln>
-                <a:solidFill>
-                  <a:srgbClr val="C00000"/>
-                </a:solidFill>
-                <a:effectLst/>
-                <a:uLnTx/>
-                <a:uFillTx/>
-                <a:latin typeface="+mn-ea"/>
-                <a:ea typeface="+mj-ea"/>
-                <a:cs typeface="+mj-cs"/>
-              </a:rPr>
-              <a:t>研究背景和意义</a:t>
-            </a:r>
-            <a:endParaRPr kumimoji="0" lang="zh-CN" altLang="en-US" sz="2800" b="0" i="0" u="none" strike="noStrike" kern="0" cap="none" spc="0" normalizeH="0" baseline="0" noProof="0" dirty="0">
-              <a:ln>
-                <a:noFill/>
-              </a:ln>
-              <a:solidFill>
-                <a:srgbClr val="C00000"/>
-              </a:solidFill>
-              <a:effectLst/>
-              <a:uLnTx/>
-              <a:uFillTx/>
-              <a:latin typeface="+mj-lt"/>
-              <a:ea typeface="+mj-ea"/>
-              <a:cs typeface="+mj-cs"/>
-            </a:endParaRPr>
-          </a:p>
-        </p:txBody>
-      </p:sp>
-      <p:sp>
-        <p:nvSpPr>
-          <p:cNvPr id="8194" name="内容占位符 2"/>
-          <p:cNvSpPr>
-            <a:spLocks noGrp="1"/>
-          </p:cNvSpPr>
-          <p:nvPr>
-            <p:ph idx="1"/>
-          </p:nvPr>
-        </p:nvSpPr>
-        <p:spPr>
-          <a:xfrm>
-            <a:off x="800100" y="1117601"/>
-            <a:ext cx="7635875" cy="4903687"/>
-          </a:xfrm>
-        </p:spPr>
-        <p:txBody>
-          <a:bodyPr wrap="square" lIns="91440" tIns="45720" rIns="91440" bIns="45720" anchor="t"/>
-          <a:lstStyle/>
-          <a:p>
-            <a:r>
-              <a:rPr lang="en-US" altLang="zh-CN" sz="2000" dirty="0" smtClean="0"/>
-              <a:t>        </a:t>
-            </a:r>
-            <a:r>
-              <a:rPr lang="zh-CN" altLang="zh-CN" sz="2000" dirty="0" smtClean="0"/>
-              <a:t>随着</a:t>
-            </a:r>
-            <a:r>
-              <a:rPr lang="zh-CN" altLang="zh-CN" sz="2000" dirty="0"/>
-              <a:t>互联网和人工智能的发展，围棋这一有着悠久历史的益智类游戏重新走到大众的关注之下，而且相关的话题度也越来越高</a:t>
-            </a:r>
-            <a:r>
-              <a:rPr lang="zh-CN" altLang="zh-CN" sz="2000" dirty="0" smtClean="0"/>
-              <a:t>。</a:t>
-            </a:r>
-            <a:r>
-              <a:rPr lang="zh-CN" altLang="en-US" sz="2000" dirty="0" smtClean="0"/>
-              <a:t>尤其是</a:t>
-            </a:r>
-            <a:r>
-              <a:rPr lang="en-US" altLang="zh-CN" sz="2000" dirty="0" smtClean="0"/>
-              <a:t>2016</a:t>
-            </a:r>
-            <a:r>
-              <a:rPr lang="zh-CN" altLang="zh-CN" sz="2000" dirty="0"/>
-              <a:t>年</a:t>
-            </a:r>
-            <a:r>
-              <a:rPr lang="en-US" altLang="zh-CN" sz="2000" dirty="0"/>
-              <a:t>3</a:t>
-            </a:r>
-            <a:r>
-              <a:rPr lang="zh-CN" altLang="zh-CN" sz="2000" dirty="0"/>
-              <a:t>月，由</a:t>
-            </a:r>
-            <a:r>
-              <a:rPr lang="en-US" altLang="zh-CN" sz="2000" dirty="0"/>
-              <a:t>Google</a:t>
-            </a:r>
-            <a:r>
-              <a:rPr lang="zh-CN" altLang="zh-CN" sz="2000" dirty="0"/>
-              <a:t>旗下</a:t>
-            </a:r>
-            <a:r>
-              <a:rPr lang="en-US" altLang="zh-CN" sz="2000" dirty="0"/>
-              <a:t>DeepMind</a:t>
-            </a:r>
-            <a:r>
-              <a:rPr lang="zh-CN" altLang="zh-CN" sz="2000" dirty="0"/>
-              <a:t>团队开发的人工智能程序</a:t>
-            </a:r>
-            <a:r>
-              <a:rPr lang="en-US" altLang="zh-CN" sz="2000" dirty="0" err="1"/>
-              <a:t>AlphaGo</a:t>
-            </a:r>
-            <a:r>
-              <a:rPr lang="zh-CN" altLang="zh-CN" sz="2000" dirty="0"/>
-              <a:t>与人类围棋世界冠军、职业九段棋手李世石进行的围棋人机大战以及</a:t>
-            </a:r>
-            <a:r>
-              <a:rPr lang="en-US" altLang="zh-CN" sz="2000" dirty="0"/>
-              <a:t>2017</a:t>
-            </a:r>
-            <a:r>
-              <a:rPr lang="zh-CN" altLang="zh-CN" sz="2000" dirty="0"/>
-              <a:t>年</a:t>
-            </a:r>
-            <a:r>
-              <a:rPr lang="en-US" altLang="zh-CN" sz="2000" dirty="0"/>
-              <a:t>5</a:t>
-            </a:r>
-            <a:r>
-              <a:rPr lang="zh-CN" altLang="zh-CN" sz="2000" dirty="0"/>
-              <a:t>月，在中国乌镇围棋峰会上，</a:t>
-            </a:r>
-            <a:r>
-              <a:rPr lang="en-US" altLang="zh-CN" sz="2000" dirty="0" err="1"/>
-              <a:t>AlphaGo</a:t>
-            </a:r>
-            <a:r>
-              <a:rPr lang="zh-CN" altLang="zh-CN" sz="2000" dirty="0"/>
-              <a:t>与排名世界第一的世界围棋的冠军柯洁对战，这两则新闻使大众对围棋有了更多的关注和兴趣</a:t>
-            </a:r>
-            <a:endParaRPr lang="en-US" altLang="zh-CN" sz="2000" dirty="0" smtClean="0"/>
-          </a:p>
-          <a:p>
-            <a:r>
-              <a:rPr lang="en-US" altLang="zh-CN" sz="2000" dirty="0" smtClean="0"/>
-              <a:t>        </a:t>
-            </a:r>
-            <a:r>
-              <a:rPr lang="zh-CN" altLang="zh-CN" sz="2000" dirty="0" smtClean="0"/>
-              <a:t>但</a:t>
-            </a:r>
-            <a:r>
-              <a:rPr lang="zh-CN" altLang="zh-CN" sz="2000" dirty="0"/>
-              <a:t>围棋教学培训却形式单一，且质量无法得到保障，由于大部分的围棋教学集中在线下的围棋培训兴趣班之中，优秀的围棋教师、高水平的围棋棋局等围棋资源受到线下的地域性等限制因素，无法得到有效的推广</a:t>
-            </a:r>
-            <a:r>
-              <a:rPr lang="zh-CN" altLang="en-US" sz="2000" dirty="0" smtClean="0"/>
-              <a:t>。</a:t>
-            </a:r>
-            <a:endParaRPr lang="zh-CN" altLang="en-US" sz="2000" dirty="0"/>
-          </a:p>
-          <a:p>
-            <a:r>
-              <a:rPr lang="zh-CN" altLang="en-US" sz="2000" dirty="0" smtClean="0"/>
-              <a:t>       本文的目的是</a:t>
-            </a:r>
-            <a:r>
-              <a:rPr lang="zh-CN" altLang="zh-CN" sz="2000" dirty="0"/>
-              <a:t>建设一套针对围棋教学的直播系统来平衡围棋教学资源，解决教育设施的地域局限性，加强围棋教学的</a:t>
-            </a:r>
-            <a:r>
-              <a:rPr lang="zh-CN" altLang="zh-CN" sz="2000" dirty="0" smtClean="0"/>
-              <a:t>规范性</a:t>
-            </a:r>
-            <a:r>
-              <a:rPr lang="zh-CN" altLang="en-US" sz="2000" dirty="0" smtClean="0"/>
-              <a:t>，并且</a:t>
-            </a:r>
-            <a:r>
-              <a:rPr lang="zh-CN" altLang="zh-CN" sz="2000" dirty="0" smtClean="0"/>
-              <a:t>，</a:t>
-            </a:r>
-            <a:r>
-              <a:rPr lang="zh-CN" altLang="zh-CN" sz="2000" dirty="0"/>
-              <a:t>线上围棋教学系统在得以线上展开，也将带来一个极具经济规模的市场。</a:t>
-            </a:r>
-            <a:endParaRPr lang="zh-CN" altLang="en-US" sz="2000" dirty="0"/>
-          </a:p>
-        </p:txBody>
-      </p:sp>
-    </p:spTree>
-  </p:cSld>
-  <p:clrMapOvr>
-    <a:masterClrMapping/>
-  </p:clrMapOvr>
-  <p:timing>
-    <p:tnLst>
-      <p:par>
-        <p:cTn id="1" dur="indefinite" restart="never" nodeType="tmRoot"/>
-      </p:par>
-    </p:tnLst>
-  </p:timing>
-</p:sld>
-</file>
-
-<file path=ppt/slides/slide30.xml><?xml version="1.0" encoding="utf-8"?>
+<file path=ppt/slides/slide32.xml><?xml version="1.0" encoding="utf-8"?>
 <p:sld xmlns:a="http://schemas.openxmlformats.org/drawingml/2006/main" xmlns:r="http://schemas.openxmlformats.org/officeDocument/2006/relationships" xmlns:p="http://schemas.openxmlformats.org/presentationml/2006/main">
   <p:cSld>
     <p:spTree>
@@ -12960,7 +13183,7 @@
           <a:graphicData uri="http://schemas.openxmlformats.org/presentationml/2006/ole">
             <mc:AlternateContent xmlns:mc="http://schemas.openxmlformats.org/markup-compatibility/2006">
               <mc:Choice xmlns:v="urn:schemas-microsoft-com:vml" Requires="v">
-                <p:oleObj spid="_x0000_s32789" name="Visio" r:id="rId3" imgW="15138400" imgH="7759515" progId="Visio.Drawing.15">
+                <p:oleObj spid="_x0000_s32791" name="Visio" r:id="rId3" imgW="15138400" imgH="7759515" progId="Visio.Drawing.15">
                   <p:embed/>
                 </p:oleObj>
               </mc:Choice>
@@ -13025,7 +13248,7 @@
 </p:sld>
 </file>
 
-<file path=ppt/slides/slide31.xml><?xml version="1.0" encoding="utf-8"?>
+<file path=ppt/slides/slide33.xml><?xml version="1.0" encoding="utf-8"?>
 <p:sld xmlns:a="http://schemas.openxmlformats.org/drawingml/2006/main" xmlns:r="http://schemas.openxmlformats.org/officeDocument/2006/relationships" xmlns:p="http://schemas.openxmlformats.org/presentationml/2006/main">
   <p:cSld>
     <p:spTree>
@@ -13149,7 +13372,7 @@
           <a:graphicData uri="http://schemas.openxmlformats.org/presentationml/2006/ole">
             <mc:AlternateContent xmlns:mc="http://schemas.openxmlformats.org/markup-compatibility/2006">
               <mc:Choice xmlns:v="urn:schemas-microsoft-com:vml" Requires="v">
-                <p:oleObj spid="_x0000_s33813" name="Visio" r:id="rId3" imgW="10121848" imgH="5321392" progId="Visio.Drawing.15">
+                <p:oleObj spid="_x0000_s33815" name="Visio" r:id="rId3" imgW="10121848" imgH="5321392" progId="Visio.Drawing.15">
                   <p:embed/>
                 </p:oleObj>
               </mc:Choice>
@@ -13214,7 +13437,7 @@
 </p:sld>
 </file>
 
-<file path=ppt/slides/slide32.xml><?xml version="1.0" encoding="utf-8"?>
+<file path=ppt/slides/slide34.xml><?xml version="1.0" encoding="utf-8"?>
 <p:sld xmlns:a="http://schemas.openxmlformats.org/drawingml/2006/main" xmlns:r="http://schemas.openxmlformats.org/officeDocument/2006/relationships" xmlns:p="http://schemas.openxmlformats.org/presentationml/2006/main">
   <p:cSld>
     <p:spTree>
@@ -13469,7 +13692,7 @@
 </p:sld>
 </file>
 
-<file path=ppt/slides/slide33.xml><?xml version="1.0" encoding="utf-8"?>
+<file path=ppt/slides/slide35.xml><?xml version="1.0" encoding="utf-8"?>
 <p:sld xmlns:a="http://schemas.openxmlformats.org/drawingml/2006/main" xmlns:r="http://schemas.openxmlformats.org/officeDocument/2006/relationships" xmlns:p="http://schemas.openxmlformats.org/presentationml/2006/main">
   <p:cSld>
     <p:spTree>
@@ -13898,7 +14121,7 @@
 </p:sld>
 </file>
 
-<file path=ppt/slides/slide34.xml><?xml version="1.0" encoding="utf-8"?>
+<file path=ppt/slides/slide36.xml><?xml version="1.0" encoding="utf-8"?>
 <p:sld xmlns:a="http://schemas.openxmlformats.org/drawingml/2006/main" xmlns:r="http://schemas.openxmlformats.org/officeDocument/2006/relationships" xmlns:p="http://schemas.openxmlformats.org/presentationml/2006/main">
   <p:cSld>
     <p:spTree>
@@ -14326,7 +14549,7 @@
 </p:sld>
 </file>
 
-<file path=ppt/slides/slide35.xml><?xml version="1.0" encoding="utf-8"?>
+<file path=ppt/slides/slide37.xml><?xml version="1.0" encoding="utf-8"?>
 <p:sld xmlns:a="http://schemas.openxmlformats.org/drawingml/2006/main" xmlns:r="http://schemas.openxmlformats.org/officeDocument/2006/relationships" xmlns:p="http://schemas.openxmlformats.org/presentationml/2006/main">
   <p:cSld>
     <p:spTree>
@@ -14948,7 +15171,7 @@
 </p:sld>
 </file>
 
-<file path=ppt/slides/slide36.xml><?xml version="1.0" encoding="utf-8"?>
+<file path=ppt/slides/slide38.xml><?xml version="1.0" encoding="utf-8"?>
 <p:sld xmlns:a="http://schemas.openxmlformats.org/drawingml/2006/main" xmlns:r="http://schemas.openxmlformats.org/officeDocument/2006/relationships" xmlns:p="http://schemas.openxmlformats.org/presentationml/2006/main">
   <p:cSld>
     <p:spTree>
@@ -16171,7 +16394,7 @@
 </p:sld>
 </file>
 
-<file path=ppt/slides/slide37.xml><?xml version="1.0" encoding="utf-8"?>
+<file path=ppt/slides/slide39.xml><?xml version="1.0" encoding="utf-8"?>
 <p:sld xmlns:a="http://schemas.openxmlformats.org/drawingml/2006/main" xmlns:r="http://schemas.openxmlformats.org/officeDocument/2006/relationships" xmlns:p="http://schemas.openxmlformats.org/presentationml/2006/main">
   <p:cSld>
     <p:spTree>
@@ -16284,7 +16507,421 @@
 </p:sld>
 </file>
 
-<file path=ppt/slides/slide38.xml><?xml version="1.0" encoding="utf-8"?>
+<file path=ppt/slides/slide4.xml><?xml version="1.0" encoding="utf-8"?>
+<p:sld xmlns:a="http://schemas.openxmlformats.org/drawingml/2006/main" xmlns:r="http://schemas.openxmlformats.org/officeDocument/2006/relationships" xmlns:p="http://schemas.openxmlformats.org/presentationml/2006/main">
+  <p:cSld>
+    <p:spTree>
+      <p:nvGrpSpPr>
+        <p:cNvPr id="1" name=""/>
+        <p:cNvGrpSpPr/>
+        <p:nvPr/>
+      </p:nvGrpSpPr>
+      <p:grpSpPr>
+        <a:xfrm>
+          <a:off x="0" y="0"/>
+          <a:ext cx="0" cy="0"/>
+          <a:chOff x="0" y="0"/>
+          <a:chExt cx="0" cy="0"/>
+        </a:xfrm>
+      </p:grpSpPr>
+      <p:sp>
+        <p:nvSpPr>
+          <p:cNvPr id="9217" name="Rectangle 2"/>
+          <p:cNvSpPr>
+            <a:spLocks noGrp="1"/>
+          </p:cNvSpPr>
+          <p:nvPr>
+            <p:ph type="title"/>
+          </p:nvPr>
+        </p:nvSpPr>
+        <p:spPr>
+          <a:xfrm>
+            <a:off x="2143125" y="500063"/>
+            <a:ext cx="5032375" cy="617537"/>
+          </a:xfrm>
+        </p:spPr>
+        <p:txBody>
+          <a:bodyPr wrap="square" lIns="91440" tIns="45720" rIns="91440" bIns="45720" anchor="ctr"/>
+          <a:lstStyle/>
+          <a:p>
+            <a:pPr eaLnBrk="1" hangingPunct="1">
+              <a:buFont typeface="Wingdings" panose="05000000000000000000" pitchFamily="2" charset="2"/>
+              <a:buNone/>
+            </a:pPr>
+            <a:r>
+              <a:rPr lang="zh-CN" altLang="en-US" dirty="0">
+                <a:solidFill>
+                  <a:schemeClr val="tx1"/>
+                </a:solidFill>
+                <a:latin typeface="+mj-lt"/>
+                <a:ea typeface="+mj-ea"/>
+                <a:cs typeface="+mj-cs"/>
+              </a:rPr>
+              <a:t>目录</a:t>
+            </a:r>
+            <a:endParaRPr lang="zh-CN" altLang="zh-CN" dirty="0">
+              <a:solidFill>
+                <a:schemeClr val="tx1"/>
+              </a:solidFill>
+              <a:latin typeface="+mj-lt"/>
+              <a:ea typeface="+mj-ea"/>
+              <a:cs typeface="+mj-cs"/>
+            </a:endParaRPr>
+          </a:p>
+        </p:txBody>
+      </p:sp>
+      <p:sp>
+        <p:nvSpPr>
+          <p:cNvPr id="7171" name="Rectangle 3"/>
+          <p:cNvSpPr>
+            <a:spLocks noGrp="1" noChangeArrowheads="1"/>
+          </p:cNvSpPr>
+          <p:nvPr>
+            <p:ph idx="1"/>
+          </p:nvPr>
+        </p:nvSpPr>
+        <p:spPr>
+          <a:xfrm>
+            <a:off x="428625" y="1425575"/>
+            <a:ext cx="8229600" cy="4883150"/>
+          </a:xfrm>
+          <a:ln>
+            <a:miter/>
+          </a:ln>
+        </p:spPr>
+        <p:txBody>
+          <a:bodyPr vert="horz" wrap="square" lIns="91440" tIns="45720" rIns="91440" bIns="45720" numCol="1" anchor="t" anchorCtr="0" compatLnSpc="1"/>
+          <a:lstStyle/>
+          <a:p>
+            <a:pPr marL="342900" marR="0" lvl="0" indent="-342900" algn="l" defTabSz="914400" rtl="0" eaLnBrk="1" fontAlgn="base" latinLnBrk="0" hangingPunct="1">
+              <a:lnSpc>
+                <a:spcPct val="150000"/>
+              </a:lnSpc>
+              <a:spcBef>
+                <a:spcPct val="20000"/>
+              </a:spcBef>
+              <a:spcAft>
+                <a:spcPct val="0"/>
+              </a:spcAft>
+              <a:buClrTx/>
+              <a:buSzTx/>
+              <a:buFont typeface="Wingdings" panose="05000000000000000000" pitchFamily="2" charset="2"/>
+              <a:buChar char="Ø"/>
+              <a:defRPr/>
+            </a:pPr>
+            <a:r>
+              <a:rPr kumimoji="0" lang="zh-CN" altLang="en-US" sz="2400" b="1" i="0" u="none" strike="noStrike" kern="0" cap="none" spc="0" normalizeH="0" baseline="0" noProof="0" dirty="0" smtClean="0">
+                <a:ln>
+                  <a:noFill/>
+                </a:ln>
+                <a:solidFill>
+                  <a:schemeClr val="tx1"/>
+                </a:solidFill>
+                <a:effectLst/>
+                <a:uLnTx/>
+                <a:uFillTx/>
+                <a:latin typeface="+mn-ea"/>
+                <a:ea typeface="+mn-ea"/>
+                <a:cs typeface="+mn-cs"/>
+              </a:rPr>
+              <a:t>研究背景和意义</a:t>
+            </a:r>
+          </a:p>
+          <a:p>
+            <a:pPr marL="342900" marR="0" lvl="0" indent="-342900" algn="l" defTabSz="914400" rtl="0" eaLnBrk="1" fontAlgn="base" latinLnBrk="0" hangingPunct="1">
+              <a:lnSpc>
+                <a:spcPct val="150000"/>
+              </a:lnSpc>
+              <a:spcBef>
+                <a:spcPct val="20000"/>
+              </a:spcBef>
+              <a:spcAft>
+                <a:spcPct val="0"/>
+              </a:spcAft>
+              <a:buClrTx/>
+              <a:buSzTx/>
+              <a:buFont typeface="Wingdings" panose="05000000000000000000" pitchFamily="2" charset="2"/>
+              <a:buChar char="Ø"/>
+              <a:defRPr/>
+            </a:pPr>
+            <a:r>
+              <a:rPr kumimoji="0" lang="zh-CN" altLang="en-US" sz="2400" b="1" i="0" u="none" strike="noStrike" kern="0" cap="none" spc="0" normalizeH="0" baseline="0" noProof="0" dirty="0" smtClean="0">
+                <a:ln>
+                  <a:noFill/>
+                </a:ln>
+                <a:solidFill>
+                  <a:srgbClr val="FF0000"/>
+                </a:solidFill>
+                <a:effectLst/>
+                <a:uLnTx/>
+                <a:uFillTx/>
+                <a:latin typeface="+mn-ea"/>
+                <a:ea typeface="+mn-ea"/>
+                <a:cs typeface="+mn-cs"/>
+              </a:rPr>
+              <a:t>主要研究内容</a:t>
+            </a:r>
+          </a:p>
+          <a:p>
+            <a:pPr marL="342900" marR="0" lvl="0" indent="-342900" algn="l" defTabSz="914400" rtl="0" eaLnBrk="1" fontAlgn="base" latinLnBrk="0" hangingPunct="1">
+              <a:lnSpc>
+                <a:spcPct val="150000"/>
+              </a:lnSpc>
+              <a:spcBef>
+                <a:spcPct val="20000"/>
+              </a:spcBef>
+              <a:spcAft>
+                <a:spcPct val="0"/>
+              </a:spcAft>
+              <a:buClrTx/>
+              <a:buSzTx/>
+              <a:buFont typeface="Wingdings" panose="05000000000000000000" pitchFamily="2" charset="2"/>
+              <a:buChar char="Ø"/>
+              <a:defRPr/>
+            </a:pPr>
+            <a:r>
+              <a:rPr kumimoji="0" lang="zh-CN" altLang="en-US" sz="2400" b="1" i="0" u="none" strike="noStrike" kern="0" cap="none" spc="0" normalizeH="0" baseline="0" noProof="0" dirty="0" smtClean="0">
+                <a:ln>
+                  <a:noFill/>
+                </a:ln>
+                <a:solidFill>
+                  <a:schemeClr val="tx1"/>
+                </a:solidFill>
+                <a:effectLst/>
+                <a:uLnTx/>
+                <a:uFillTx/>
+                <a:latin typeface="+mn-ea"/>
+                <a:ea typeface="+mn-ea"/>
+                <a:cs typeface="+mn-cs"/>
+              </a:rPr>
+              <a:t>系统需求分析</a:t>
+            </a:r>
+          </a:p>
+          <a:p>
+            <a:pPr marL="342900" marR="0" lvl="0" indent="-342900" algn="l" defTabSz="914400" rtl="0" eaLnBrk="1" fontAlgn="base" latinLnBrk="0" hangingPunct="1">
+              <a:lnSpc>
+                <a:spcPct val="150000"/>
+              </a:lnSpc>
+              <a:spcBef>
+                <a:spcPct val="20000"/>
+              </a:spcBef>
+              <a:spcAft>
+                <a:spcPct val="0"/>
+              </a:spcAft>
+              <a:buClrTx/>
+              <a:buSzTx/>
+              <a:buFont typeface="Wingdings" panose="05000000000000000000" pitchFamily="2" charset="2"/>
+              <a:buChar char="Ø"/>
+              <a:defRPr/>
+            </a:pPr>
+            <a:r>
+              <a:rPr kumimoji="0" lang="zh-CN" altLang="zh-CN" sz="2400" b="1" i="0" u="none" strike="noStrike" kern="0" cap="none" spc="0" normalizeH="0" baseline="0" noProof="0" dirty="0">
+                <a:ln>
+                  <a:noFill/>
+                </a:ln>
+                <a:solidFill>
+                  <a:schemeClr val="tx1"/>
+                </a:solidFill>
+                <a:effectLst/>
+                <a:uLnTx/>
+                <a:uFillTx/>
+                <a:latin typeface="+mn-lt"/>
+                <a:ea typeface="+mn-ea"/>
+                <a:cs typeface="+mn-cs"/>
+              </a:rPr>
+              <a:t>系统设计</a:t>
+            </a:r>
+            <a:endParaRPr kumimoji="0" lang="en-US" altLang="zh-CN" sz="2400" b="1" i="0" u="none" strike="noStrike" kern="0" cap="none" spc="0" normalizeH="0" baseline="0" noProof="0" dirty="0" smtClean="0">
+              <a:ln>
+                <a:noFill/>
+              </a:ln>
+              <a:solidFill>
+                <a:schemeClr val="tx1"/>
+              </a:solidFill>
+              <a:effectLst/>
+              <a:uLnTx/>
+              <a:uFillTx/>
+              <a:latin typeface="+mn-ea"/>
+              <a:ea typeface="+mn-ea"/>
+              <a:cs typeface="+mn-cs"/>
+            </a:endParaRPr>
+          </a:p>
+          <a:p>
+            <a:pPr marL="342900" marR="0" lvl="0" indent="-342900" algn="l" defTabSz="914400" rtl="0" eaLnBrk="1" fontAlgn="base" latinLnBrk="0" hangingPunct="1">
+              <a:lnSpc>
+                <a:spcPct val="150000"/>
+              </a:lnSpc>
+              <a:spcBef>
+                <a:spcPct val="20000"/>
+              </a:spcBef>
+              <a:spcAft>
+                <a:spcPct val="0"/>
+              </a:spcAft>
+              <a:buClrTx/>
+              <a:buSzTx/>
+              <a:buFont typeface="Wingdings" panose="05000000000000000000" pitchFamily="2" charset="2"/>
+              <a:buChar char="Ø"/>
+              <a:defRPr/>
+            </a:pPr>
+            <a:r>
+              <a:rPr lang="zh-CN" altLang="en-US" b="1" strike="noStrike" noProof="0" dirty="0" smtClean="0">
+                <a:ln>
+                  <a:noFill/>
+                </a:ln>
+                <a:effectLst/>
+                <a:uLnTx/>
+                <a:uFillTx/>
+                <a:latin typeface="+mn-ea"/>
+                <a:sym typeface="+mn-ea"/>
+              </a:rPr>
+              <a:t>系统实现与测试</a:t>
+            </a:r>
+            <a:endParaRPr kumimoji="0" lang="en-US" altLang="zh-CN" sz="2400" b="1" i="0" u="none" strike="noStrike" kern="0" cap="none" spc="0" normalizeH="0" baseline="0" noProof="0" dirty="0" smtClean="0">
+              <a:ln>
+                <a:noFill/>
+              </a:ln>
+              <a:solidFill>
+                <a:schemeClr val="tx1"/>
+              </a:solidFill>
+              <a:effectLst/>
+              <a:uLnTx/>
+              <a:uFillTx/>
+              <a:latin typeface="+mn-ea"/>
+              <a:ea typeface="+mn-ea"/>
+              <a:cs typeface="+mn-cs"/>
+            </a:endParaRPr>
+          </a:p>
+          <a:p>
+            <a:pPr marL="342900" marR="0" lvl="0" indent="-342900" algn="l" defTabSz="914400" rtl="0" eaLnBrk="1" fontAlgn="base" latinLnBrk="0" hangingPunct="1">
+              <a:lnSpc>
+                <a:spcPct val="150000"/>
+              </a:lnSpc>
+              <a:spcBef>
+                <a:spcPct val="20000"/>
+              </a:spcBef>
+              <a:spcAft>
+                <a:spcPct val="0"/>
+              </a:spcAft>
+              <a:buClrTx/>
+              <a:buSzTx/>
+              <a:buFont typeface="Wingdings" panose="05000000000000000000" pitchFamily="2" charset="2"/>
+              <a:buChar char="Ø"/>
+              <a:defRPr/>
+            </a:pPr>
+            <a:r>
+              <a:rPr kumimoji="0" lang="zh-CN" altLang="en-US" sz="2400" b="1" i="0" u="none" strike="noStrike" kern="0" cap="none" spc="0" normalizeH="0" baseline="0" noProof="0" dirty="0" smtClean="0">
+                <a:ln>
+                  <a:noFill/>
+                </a:ln>
+                <a:solidFill>
+                  <a:schemeClr val="tx1"/>
+                </a:solidFill>
+                <a:effectLst/>
+                <a:uLnTx/>
+                <a:uFillTx/>
+                <a:latin typeface="+mn-ea"/>
+                <a:ea typeface="+mn-ea"/>
+                <a:cs typeface="+mn-cs"/>
+              </a:rPr>
+              <a:t>总结与展望</a:t>
+            </a:r>
+            <a:endParaRPr kumimoji="0" lang="en-US" altLang="zh-CN" sz="2400" b="1" i="0" u="none" strike="noStrike" kern="0" cap="none" spc="0" normalizeH="0" baseline="0" noProof="0" dirty="0">
+              <a:ln>
+                <a:noFill/>
+              </a:ln>
+              <a:solidFill>
+                <a:schemeClr val="tx1"/>
+              </a:solidFill>
+              <a:effectLst/>
+              <a:uLnTx/>
+              <a:uFillTx/>
+              <a:latin typeface="+mn-ea"/>
+              <a:ea typeface="+mn-ea"/>
+              <a:cs typeface="+mn-cs"/>
+            </a:endParaRPr>
+          </a:p>
+          <a:p>
+            <a:pPr marL="742950" marR="0" lvl="1" indent="-285750" algn="l" defTabSz="914400" rtl="0" eaLnBrk="1" fontAlgn="base" latinLnBrk="0" hangingPunct="1">
+              <a:lnSpc>
+                <a:spcPct val="150000"/>
+              </a:lnSpc>
+              <a:spcBef>
+                <a:spcPct val="20000"/>
+              </a:spcBef>
+              <a:spcAft>
+                <a:spcPct val="0"/>
+              </a:spcAft>
+              <a:buClrTx/>
+              <a:buSzTx/>
+              <a:buFont typeface="Wingdings" panose="05000000000000000000" pitchFamily="2" charset="2"/>
+              <a:buChar char="Ø"/>
+              <a:defRPr/>
+            </a:pPr>
+            <a:endParaRPr kumimoji="0" lang="zh-CN" altLang="en-US" sz="1800" b="1" i="0" u="none" strike="noStrike" kern="0" cap="none" spc="0" normalizeH="0" baseline="0" noProof="0" dirty="0" smtClean="0">
+              <a:ln>
+                <a:noFill/>
+              </a:ln>
+              <a:solidFill>
+                <a:schemeClr val="tx1"/>
+              </a:solidFill>
+              <a:effectLst/>
+              <a:uLnTx/>
+              <a:uFillTx/>
+              <a:latin typeface="+mn-ea"/>
+              <a:ea typeface="+mn-ea"/>
+            </a:endParaRPr>
+          </a:p>
+          <a:p>
+            <a:pPr marL="342900" marR="0" lvl="0" indent="-342900" algn="l" defTabSz="914400" rtl="0" eaLnBrk="1" fontAlgn="base" latinLnBrk="0" hangingPunct="1">
+              <a:lnSpc>
+                <a:spcPct val="100000"/>
+              </a:lnSpc>
+              <a:spcBef>
+                <a:spcPct val="20000"/>
+              </a:spcBef>
+              <a:spcAft>
+                <a:spcPct val="0"/>
+              </a:spcAft>
+              <a:buClrTx/>
+              <a:buSzTx/>
+              <a:buFont typeface="Wingdings" panose="05000000000000000000" pitchFamily="2" charset="2"/>
+              <a:buNone/>
+              <a:defRPr/>
+            </a:pPr>
+            <a:endParaRPr kumimoji="0" lang="zh-CN" altLang="zh-CN" sz="2400" b="0" i="0" u="none" strike="noStrike" kern="0" cap="none" spc="0" normalizeH="0" baseline="0" noProof="0" dirty="0">
+              <a:ln>
+                <a:noFill/>
+              </a:ln>
+              <a:solidFill>
+                <a:schemeClr val="tx1"/>
+              </a:solidFill>
+              <a:effectLst/>
+              <a:uLnTx/>
+              <a:uFillTx/>
+              <a:latin typeface="+mn-lt"/>
+              <a:ea typeface="+mn-ea"/>
+              <a:cs typeface="+mn-cs"/>
+            </a:endParaRPr>
+          </a:p>
+        </p:txBody>
+      </p:sp>
+    </p:spTree>
+  </p:cSld>
+  <p:clrMapOvr>
+    <a:masterClrMapping/>
+  </p:clrMapOvr>
+  <p:transition/>
+  <p:timing>
+    <p:tnLst>
+      <p:par>
+        <p:cTn id="1" dur="indefinite" restart="never" nodeType="tmRoot"/>
+      </p:par>
+    </p:tnLst>
+  </p:timing>
+</p:sld>
+</file>
+
+<file path=ppt/slides/slide40.xml><?xml version="1.0" encoding="utf-8"?>
 <p:sld xmlns:a="http://schemas.openxmlformats.org/drawingml/2006/main" xmlns:r="http://schemas.openxmlformats.org/officeDocument/2006/relationships" xmlns:p="http://schemas.openxmlformats.org/presentationml/2006/main">
   <p:cSld>
     <p:spTree>
@@ -16397,7 +17034,7 @@
 </p:sld>
 </file>
 
-<file path=ppt/slides/slide39.xml><?xml version="1.0" encoding="utf-8"?>
+<file path=ppt/slides/slide41.xml><?xml version="1.0" encoding="utf-8"?>
 <p:sld xmlns:a="http://schemas.openxmlformats.org/drawingml/2006/main" xmlns:r="http://schemas.openxmlformats.org/officeDocument/2006/relationships" xmlns:p="http://schemas.openxmlformats.org/presentationml/2006/main">
   <p:cSld>
     <p:spTree>
@@ -16798,867 +17435,6 @@
     <a:masterClrMapping/>
   </p:clrMapOvr>
   <p:transition/>
-  <p:timing>
-    <p:tnLst>
-      <p:par>
-        <p:cTn id="1" dur="indefinite" restart="never" nodeType="tmRoot"/>
-      </p:par>
-    </p:tnLst>
-  </p:timing>
-</p:sld>
-</file>
-
-<file path=ppt/slides/slide4.xml><?xml version="1.0" encoding="utf-8"?>
-<p:sld xmlns:a="http://schemas.openxmlformats.org/drawingml/2006/main" xmlns:r="http://schemas.openxmlformats.org/officeDocument/2006/relationships" xmlns:p="http://schemas.openxmlformats.org/presentationml/2006/main">
-  <p:cSld>
-    <p:spTree>
-      <p:nvGrpSpPr>
-        <p:cNvPr id="1" name=""/>
-        <p:cNvGrpSpPr/>
-        <p:nvPr/>
-      </p:nvGrpSpPr>
-      <p:grpSpPr>
-        <a:xfrm>
-          <a:off x="0" y="0"/>
-          <a:ext cx="0" cy="0"/>
-          <a:chOff x="0" y="0"/>
-          <a:chExt cx="0" cy="0"/>
-        </a:xfrm>
-      </p:grpSpPr>
-      <p:sp>
-        <p:nvSpPr>
-          <p:cNvPr id="9217" name="Rectangle 2"/>
-          <p:cNvSpPr>
-            <a:spLocks noGrp="1"/>
-          </p:cNvSpPr>
-          <p:nvPr>
-            <p:ph type="title"/>
-          </p:nvPr>
-        </p:nvSpPr>
-        <p:spPr>
-          <a:xfrm>
-            <a:off x="2143125" y="500063"/>
-            <a:ext cx="5032375" cy="617537"/>
-          </a:xfrm>
-        </p:spPr>
-        <p:txBody>
-          <a:bodyPr wrap="square" lIns="91440" tIns="45720" rIns="91440" bIns="45720" anchor="ctr"/>
-          <a:lstStyle/>
-          <a:p>
-            <a:pPr eaLnBrk="1" hangingPunct="1">
-              <a:buFont typeface="Wingdings" panose="05000000000000000000" pitchFamily="2" charset="2"/>
-              <a:buNone/>
-            </a:pPr>
-            <a:r>
-              <a:rPr lang="zh-CN" altLang="en-US" dirty="0">
-                <a:solidFill>
-                  <a:schemeClr val="tx1"/>
-                </a:solidFill>
-                <a:latin typeface="+mj-lt"/>
-                <a:ea typeface="+mj-ea"/>
-                <a:cs typeface="+mj-cs"/>
-              </a:rPr>
-              <a:t>目录</a:t>
-            </a:r>
-            <a:endParaRPr lang="zh-CN" altLang="zh-CN" dirty="0">
-              <a:solidFill>
-                <a:schemeClr val="tx1"/>
-              </a:solidFill>
-              <a:latin typeface="+mj-lt"/>
-              <a:ea typeface="+mj-ea"/>
-              <a:cs typeface="+mj-cs"/>
-            </a:endParaRPr>
-          </a:p>
-        </p:txBody>
-      </p:sp>
-      <p:sp>
-        <p:nvSpPr>
-          <p:cNvPr id="7171" name="Rectangle 3"/>
-          <p:cNvSpPr>
-            <a:spLocks noGrp="1" noChangeArrowheads="1"/>
-          </p:cNvSpPr>
-          <p:nvPr>
-            <p:ph idx="1"/>
-          </p:nvPr>
-        </p:nvSpPr>
-        <p:spPr>
-          <a:xfrm>
-            <a:off x="428625" y="1425575"/>
-            <a:ext cx="8229600" cy="4883150"/>
-          </a:xfrm>
-          <a:ln>
-            <a:miter/>
-          </a:ln>
-        </p:spPr>
-        <p:txBody>
-          <a:bodyPr vert="horz" wrap="square" lIns="91440" tIns="45720" rIns="91440" bIns="45720" numCol="1" anchor="t" anchorCtr="0" compatLnSpc="1"/>
-          <a:lstStyle/>
-          <a:p>
-            <a:pPr marL="342900" marR="0" lvl="0" indent="-342900" algn="l" defTabSz="914400" rtl="0" eaLnBrk="1" fontAlgn="base" latinLnBrk="0" hangingPunct="1">
-              <a:lnSpc>
-                <a:spcPct val="150000"/>
-              </a:lnSpc>
-              <a:spcBef>
-                <a:spcPct val="20000"/>
-              </a:spcBef>
-              <a:spcAft>
-                <a:spcPct val="0"/>
-              </a:spcAft>
-              <a:buClrTx/>
-              <a:buSzTx/>
-              <a:buFont typeface="Wingdings" panose="05000000000000000000" pitchFamily="2" charset="2"/>
-              <a:buChar char="Ø"/>
-              <a:defRPr/>
-            </a:pPr>
-            <a:r>
-              <a:rPr kumimoji="0" lang="zh-CN" altLang="en-US" sz="2400" b="1" i="0" u="none" strike="noStrike" kern="0" cap="none" spc="0" normalizeH="0" baseline="0" noProof="0" dirty="0" smtClean="0">
-                <a:ln>
-                  <a:noFill/>
-                </a:ln>
-                <a:solidFill>
-                  <a:schemeClr val="tx1"/>
-                </a:solidFill>
-                <a:effectLst/>
-                <a:uLnTx/>
-                <a:uFillTx/>
-                <a:latin typeface="+mn-ea"/>
-                <a:ea typeface="+mn-ea"/>
-                <a:cs typeface="+mn-cs"/>
-              </a:rPr>
-              <a:t>研究背景和意义</a:t>
-            </a:r>
-          </a:p>
-          <a:p>
-            <a:pPr marL="342900" marR="0" lvl="0" indent="-342900" algn="l" defTabSz="914400" rtl="0" eaLnBrk="1" fontAlgn="base" latinLnBrk="0" hangingPunct="1">
-              <a:lnSpc>
-                <a:spcPct val="150000"/>
-              </a:lnSpc>
-              <a:spcBef>
-                <a:spcPct val="20000"/>
-              </a:spcBef>
-              <a:spcAft>
-                <a:spcPct val="0"/>
-              </a:spcAft>
-              <a:buClrTx/>
-              <a:buSzTx/>
-              <a:buFont typeface="Wingdings" panose="05000000000000000000" pitchFamily="2" charset="2"/>
-              <a:buChar char="Ø"/>
-              <a:defRPr/>
-            </a:pPr>
-            <a:r>
-              <a:rPr kumimoji="0" lang="zh-CN" altLang="en-US" sz="2400" b="1" i="0" u="none" strike="noStrike" kern="0" cap="none" spc="0" normalizeH="0" baseline="0" noProof="0" dirty="0" smtClean="0">
-                <a:ln>
-                  <a:noFill/>
-                </a:ln>
-                <a:solidFill>
-                  <a:srgbClr val="FF0000"/>
-                </a:solidFill>
-                <a:effectLst/>
-                <a:uLnTx/>
-                <a:uFillTx/>
-                <a:latin typeface="+mn-ea"/>
-                <a:ea typeface="+mn-ea"/>
-                <a:cs typeface="+mn-cs"/>
-              </a:rPr>
-              <a:t>主要研究内容</a:t>
-            </a:r>
-          </a:p>
-          <a:p>
-            <a:pPr marL="342900" marR="0" lvl="0" indent="-342900" algn="l" defTabSz="914400" rtl="0" eaLnBrk="1" fontAlgn="base" latinLnBrk="0" hangingPunct="1">
-              <a:lnSpc>
-                <a:spcPct val="150000"/>
-              </a:lnSpc>
-              <a:spcBef>
-                <a:spcPct val="20000"/>
-              </a:spcBef>
-              <a:spcAft>
-                <a:spcPct val="0"/>
-              </a:spcAft>
-              <a:buClrTx/>
-              <a:buSzTx/>
-              <a:buFont typeface="Wingdings" panose="05000000000000000000" pitchFamily="2" charset="2"/>
-              <a:buChar char="Ø"/>
-              <a:defRPr/>
-            </a:pPr>
-            <a:r>
-              <a:rPr kumimoji="0" lang="zh-CN" altLang="en-US" sz="2400" b="1" i="0" u="none" strike="noStrike" kern="0" cap="none" spc="0" normalizeH="0" baseline="0" noProof="0" dirty="0" smtClean="0">
-                <a:ln>
-                  <a:noFill/>
-                </a:ln>
-                <a:solidFill>
-                  <a:schemeClr val="tx1"/>
-                </a:solidFill>
-                <a:effectLst/>
-                <a:uLnTx/>
-                <a:uFillTx/>
-                <a:latin typeface="+mn-ea"/>
-                <a:ea typeface="+mn-ea"/>
-                <a:cs typeface="+mn-cs"/>
-              </a:rPr>
-              <a:t>系统需求分析</a:t>
-            </a:r>
-          </a:p>
-          <a:p>
-            <a:pPr marL="342900" marR="0" lvl="0" indent="-342900" algn="l" defTabSz="914400" rtl="0" eaLnBrk="1" fontAlgn="base" latinLnBrk="0" hangingPunct="1">
-              <a:lnSpc>
-                <a:spcPct val="150000"/>
-              </a:lnSpc>
-              <a:spcBef>
-                <a:spcPct val="20000"/>
-              </a:spcBef>
-              <a:spcAft>
-                <a:spcPct val="0"/>
-              </a:spcAft>
-              <a:buClrTx/>
-              <a:buSzTx/>
-              <a:buFont typeface="Wingdings" panose="05000000000000000000" pitchFamily="2" charset="2"/>
-              <a:buChar char="Ø"/>
-              <a:defRPr/>
-            </a:pPr>
-            <a:r>
-              <a:rPr kumimoji="0" lang="zh-CN" altLang="zh-CN" sz="2400" b="1" i="0" u="none" strike="noStrike" kern="0" cap="none" spc="0" normalizeH="0" baseline="0" noProof="0" dirty="0">
-                <a:ln>
-                  <a:noFill/>
-                </a:ln>
-                <a:solidFill>
-                  <a:schemeClr val="tx1"/>
-                </a:solidFill>
-                <a:effectLst/>
-                <a:uLnTx/>
-                <a:uFillTx/>
-                <a:latin typeface="+mn-lt"/>
-                <a:ea typeface="+mn-ea"/>
-                <a:cs typeface="+mn-cs"/>
-              </a:rPr>
-              <a:t>系统设计</a:t>
-            </a:r>
-            <a:endParaRPr kumimoji="0" lang="en-US" altLang="zh-CN" sz="2400" b="1" i="0" u="none" strike="noStrike" kern="0" cap="none" spc="0" normalizeH="0" baseline="0" noProof="0" dirty="0" smtClean="0">
-              <a:ln>
-                <a:noFill/>
-              </a:ln>
-              <a:solidFill>
-                <a:schemeClr val="tx1"/>
-              </a:solidFill>
-              <a:effectLst/>
-              <a:uLnTx/>
-              <a:uFillTx/>
-              <a:latin typeface="+mn-ea"/>
-              <a:ea typeface="+mn-ea"/>
-              <a:cs typeface="+mn-cs"/>
-            </a:endParaRPr>
-          </a:p>
-          <a:p>
-            <a:pPr marL="342900" marR="0" lvl="0" indent="-342900" algn="l" defTabSz="914400" rtl="0" eaLnBrk="1" fontAlgn="base" latinLnBrk="0" hangingPunct="1">
-              <a:lnSpc>
-                <a:spcPct val="150000"/>
-              </a:lnSpc>
-              <a:spcBef>
-                <a:spcPct val="20000"/>
-              </a:spcBef>
-              <a:spcAft>
-                <a:spcPct val="0"/>
-              </a:spcAft>
-              <a:buClrTx/>
-              <a:buSzTx/>
-              <a:buFont typeface="Wingdings" panose="05000000000000000000" pitchFamily="2" charset="2"/>
-              <a:buChar char="Ø"/>
-              <a:defRPr/>
-            </a:pPr>
-            <a:r>
-              <a:rPr lang="zh-CN" altLang="en-US" b="1" strike="noStrike" noProof="0" dirty="0" smtClean="0">
-                <a:ln>
-                  <a:noFill/>
-                </a:ln>
-                <a:effectLst/>
-                <a:uLnTx/>
-                <a:uFillTx/>
-                <a:latin typeface="+mn-ea"/>
-                <a:sym typeface="+mn-ea"/>
-              </a:rPr>
-              <a:t>系统实现与测试</a:t>
-            </a:r>
-            <a:endParaRPr kumimoji="0" lang="en-US" altLang="zh-CN" sz="2400" b="1" i="0" u="none" strike="noStrike" kern="0" cap="none" spc="0" normalizeH="0" baseline="0" noProof="0" dirty="0" smtClean="0">
-              <a:ln>
-                <a:noFill/>
-              </a:ln>
-              <a:solidFill>
-                <a:schemeClr val="tx1"/>
-              </a:solidFill>
-              <a:effectLst/>
-              <a:uLnTx/>
-              <a:uFillTx/>
-              <a:latin typeface="+mn-ea"/>
-              <a:ea typeface="+mn-ea"/>
-              <a:cs typeface="+mn-cs"/>
-            </a:endParaRPr>
-          </a:p>
-          <a:p>
-            <a:pPr marL="342900" marR="0" lvl="0" indent="-342900" algn="l" defTabSz="914400" rtl="0" eaLnBrk="1" fontAlgn="base" latinLnBrk="0" hangingPunct="1">
-              <a:lnSpc>
-                <a:spcPct val="150000"/>
-              </a:lnSpc>
-              <a:spcBef>
-                <a:spcPct val="20000"/>
-              </a:spcBef>
-              <a:spcAft>
-                <a:spcPct val="0"/>
-              </a:spcAft>
-              <a:buClrTx/>
-              <a:buSzTx/>
-              <a:buFont typeface="Wingdings" panose="05000000000000000000" pitchFamily="2" charset="2"/>
-              <a:buChar char="Ø"/>
-              <a:defRPr/>
-            </a:pPr>
-            <a:r>
-              <a:rPr kumimoji="0" lang="zh-CN" altLang="en-US" sz="2400" b="1" i="0" u="none" strike="noStrike" kern="0" cap="none" spc="0" normalizeH="0" baseline="0" noProof="0" dirty="0" smtClean="0">
-                <a:ln>
-                  <a:noFill/>
-                </a:ln>
-                <a:solidFill>
-                  <a:schemeClr val="tx1"/>
-                </a:solidFill>
-                <a:effectLst/>
-                <a:uLnTx/>
-                <a:uFillTx/>
-                <a:latin typeface="+mn-ea"/>
-                <a:ea typeface="+mn-ea"/>
-                <a:cs typeface="+mn-cs"/>
-              </a:rPr>
-              <a:t>总结与展望</a:t>
-            </a:r>
-            <a:endParaRPr kumimoji="0" lang="en-US" altLang="zh-CN" sz="2400" b="1" i="0" u="none" strike="noStrike" kern="0" cap="none" spc="0" normalizeH="0" baseline="0" noProof="0" dirty="0">
-              <a:ln>
-                <a:noFill/>
-              </a:ln>
-              <a:solidFill>
-                <a:schemeClr val="tx1"/>
-              </a:solidFill>
-              <a:effectLst/>
-              <a:uLnTx/>
-              <a:uFillTx/>
-              <a:latin typeface="+mn-ea"/>
-              <a:ea typeface="+mn-ea"/>
-              <a:cs typeface="+mn-cs"/>
-            </a:endParaRPr>
-          </a:p>
-          <a:p>
-            <a:pPr marL="742950" marR="0" lvl="1" indent="-285750" algn="l" defTabSz="914400" rtl="0" eaLnBrk="1" fontAlgn="base" latinLnBrk="0" hangingPunct="1">
-              <a:lnSpc>
-                <a:spcPct val="150000"/>
-              </a:lnSpc>
-              <a:spcBef>
-                <a:spcPct val="20000"/>
-              </a:spcBef>
-              <a:spcAft>
-                <a:spcPct val="0"/>
-              </a:spcAft>
-              <a:buClrTx/>
-              <a:buSzTx/>
-              <a:buFont typeface="Wingdings" panose="05000000000000000000" pitchFamily="2" charset="2"/>
-              <a:buChar char="Ø"/>
-              <a:defRPr/>
-            </a:pPr>
-            <a:endParaRPr kumimoji="0" lang="zh-CN" altLang="en-US" sz="1800" b="1" i="0" u="none" strike="noStrike" kern="0" cap="none" spc="0" normalizeH="0" baseline="0" noProof="0" dirty="0" smtClean="0">
-              <a:ln>
-                <a:noFill/>
-              </a:ln>
-              <a:solidFill>
-                <a:schemeClr val="tx1"/>
-              </a:solidFill>
-              <a:effectLst/>
-              <a:uLnTx/>
-              <a:uFillTx/>
-              <a:latin typeface="+mn-ea"/>
-              <a:ea typeface="+mn-ea"/>
-            </a:endParaRPr>
-          </a:p>
-          <a:p>
-            <a:pPr marL="342900" marR="0" lvl="0" indent="-342900" algn="l" defTabSz="914400" rtl="0" eaLnBrk="1" fontAlgn="base" latinLnBrk="0" hangingPunct="1">
-              <a:lnSpc>
-                <a:spcPct val="100000"/>
-              </a:lnSpc>
-              <a:spcBef>
-                <a:spcPct val="20000"/>
-              </a:spcBef>
-              <a:spcAft>
-                <a:spcPct val="0"/>
-              </a:spcAft>
-              <a:buClrTx/>
-              <a:buSzTx/>
-              <a:buFont typeface="Wingdings" panose="05000000000000000000" pitchFamily="2" charset="2"/>
-              <a:buNone/>
-              <a:defRPr/>
-            </a:pPr>
-            <a:endParaRPr kumimoji="0" lang="zh-CN" altLang="zh-CN" sz="2400" b="0" i="0" u="none" strike="noStrike" kern="0" cap="none" spc="0" normalizeH="0" baseline="0" noProof="0" dirty="0">
-              <a:ln>
-                <a:noFill/>
-              </a:ln>
-              <a:solidFill>
-                <a:schemeClr val="tx1"/>
-              </a:solidFill>
-              <a:effectLst/>
-              <a:uLnTx/>
-              <a:uFillTx/>
-              <a:latin typeface="+mn-lt"/>
-              <a:ea typeface="+mn-ea"/>
-              <a:cs typeface="+mn-cs"/>
-            </a:endParaRPr>
-          </a:p>
-        </p:txBody>
-      </p:sp>
-    </p:spTree>
-  </p:cSld>
-  <p:clrMapOvr>
-    <a:masterClrMapping/>
-  </p:clrMapOvr>
-  <p:transition/>
-  <p:timing>
-    <p:tnLst>
-      <p:par>
-        <p:cTn id="1" dur="indefinite" restart="never" nodeType="tmRoot"/>
-      </p:par>
-    </p:tnLst>
-  </p:timing>
-</p:sld>
-</file>
-
-<file path=ppt/slides/slide40.xml><?xml version="1.0" encoding="utf-8"?>
-<p:sld xmlns:a="http://schemas.openxmlformats.org/drawingml/2006/main" xmlns:r="http://schemas.openxmlformats.org/officeDocument/2006/relationships" xmlns:p="http://schemas.openxmlformats.org/presentationml/2006/main">
-  <p:cSld>
-    <p:spTree>
-      <p:nvGrpSpPr>
-        <p:cNvPr id="1" name=""/>
-        <p:cNvGrpSpPr/>
-        <p:nvPr/>
-      </p:nvGrpSpPr>
-      <p:grpSpPr>
-        <a:xfrm>
-          <a:off x="0" y="0"/>
-          <a:ext cx="0" cy="0"/>
-          <a:chOff x="0" y="0"/>
-          <a:chExt cx="0" cy="0"/>
-        </a:xfrm>
-      </p:grpSpPr>
-      <p:sp>
-        <p:nvSpPr>
-          <p:cNvPr id="10242" name="标题 1"/>
-          <p:cNvSpPr>
-            <a:spLocks noGrp="1" noChangeArrowheads="1"/>
-          </p:cNvSpPr>
-          <p:nvPr>
-            <p:ph type="title"/>
-          </p:nvPr>
-        </p:nvSpPr>
-        <p:spPr>
-          <a:xfrm>
-            <a:off x="468313" y="500063"/>
-            <a:ext cx="7343775" cy="617538"/>
-          </a:xfrm>
-        </p:spPr>
-        <p:txBody>
-          <a:bodyPr vert="horz" wrap="square" lIns="91440" tIns="45720" rIns="91440" bIns="45720" numCol="1" anchor="ctr" anchorCtr="0" compatLnSpc="1"/>
-          <a:lstStyle/>
-          <a:p>
-            <a:pPr marL="0" marR="0" lvl="0" indent="0" algn="l" defTabSz="914400" rtl="0" eaLnBrk="1" fontAlgn="base" latinLnBrk="0" hangingPunct="1">
-              <a:lnSpc>
-                <a:spcPct val="150000"/>
-              </a:lnSpc>
-              <a:spcBef>
-                <a:spcPct val="0"/>
-              </a:spcBef>
-              <a:spcAft>
-                <a:spcPct val="0"/>
-              </a:spcAft>
-              <a:buClrTx/>
-              <a:buSzTx/>
-              <a:buFont typeface="Wingdings" panose="05000000000000000000" pitchFamily="2" charset="2"/>
-              <a:buChar char="Ø"/>
-              <a:defRPr/>
-            </a:pPr>
-            <a:r>
-              <a:rPr kumimoji="0" lang="zh-CN" sz="2800" b="0" i="0" u="none" strike="noStrike" kern="0" cap="none" spc="0" normalizeH="0" baseline="0" noProof="0" dirty="0">
-                <a:ln>
-                  <a:noFill/>
-                </a:ln>
-                <a:solidFill>
-                  <a:srgbClr val="C00000"/>
-                </a:solidFill>
-                <a:effectLst/>
-                <a:uLnTx/>
-                <a:uFillTx/>
-                <a:latin typeface="+mj-lt"/>
-                <a:ea typeface="+mj-ea"/>
-                <a:cs typeface="+mj-cs"/>
-              </a:rPr>
-              <a:t>总结与展望</a:t>
-            </a:r>
-            <a:endParaRPr kumimoji="0" lang="zh-CN" sz="2800" b="0" i="0" u="none" strike="noStrike" kern="0" cap="none" spc="0" normalizeH="0" baseline="0" noProof="0" dirty="0">
-              <a:ln>
-                <a:noFill/>
-              </a:ln>
-              <a:solidFill>
-                <a:srgbClr val="C00000"/>
-              </a:solidFill>
-              <a:effectLst/>
-              <a:uLnTx/>
-              <a:uFillTx/>
-              <a:latin typeface="+mn-ea"/>
-              <a:ea typeface="+mj-ea"/>
-              <a:cs typeface="+mj-cs"/>
-            </a:endParaRPr>
-          </a:p>
-        </p:txBody>
-      </p:sp>
-      <p:sp>
-        <p:nvSpPr>
-          <p:cNvPr id="30722" name="内容占位符 2"/>
-          <p:cNvSpPr>
-            <a:spLocks noGrp="1"/>
-          </p:cNvSpPr>
-          <p:nvPr>
-            <p:ph idx="1"/>
-          </p:nvPr>
-        </p:nvSpPr>
-        <p:spPr>
-          <a:xfrm>
-            <a:off x="323850" y="1844675"/>
-            <a:ext cx="7999413" cy="2365375"/>
-          </a:xfrm>
-        </p:spPr>
-        <p:txBody>
-          <a:bodyPr wrap="square" lIns="91440" tIns="45720" rIns="91440" bIns="45720" anchor="t"/>
-          <a:lstStyle/>
-          <a:p>
-            <a:pPr>
-              <a:buFont typeface="Wingdings" panose="05000000000000000000" pitchFamily="2" charset="2"/>
-            </a:pPr>
-            <a:endParaRPr lang="en-US" altLang="zh-CN" dirty="0">
-              <a:latin typeface="+mn-lt"/>
-              <a:ea typeface="+mn-ea"/>
-              <a:cs typeface="+mn-cs"/>
-            </a:endParaRPr>
-          </a:p>
-          <a:p>
-            <a:pPr marL="457200" lvl="1" indent="0">
-              <a:buFont typeface="Wingdings" panose="05000000000000000000" pitchFamily="2" charset="2"/>
-              <a:buNone/>
-            </a:pPr>
-            <a:endParaRPr lang="en-US" altLang="zh-CN" dirty="0">
-              <a:latin typeface="+mn-lt"/>
-              <a:ea typeface="+mn-ea"/>
-            </a:endParaRPr>
-          </a:p>
-        </p:txBody>
-      </p:sp>
-      <p:sp>
-        <p:nvSpPr>
-          <p:cNvPr id="30723" name="文本框 1"/>
-          <p:cNvSpPr txBox="1"/>
-          <p:nvPr/>
-        </p:nvSpPr>
-        <p:spPr>
-          <a:xfrm>
-            <a:off x="539552" y="1181099"/>
-            <a:ext cx="8062913" cy="4801314"/>
-          </a:xfrm>
-          <a:prstGeom prst="rect">
-            <a:avLst/>
-          </a:prstGeom>
-          <a:noFill/>
-          <a:ln w="9525">
-            <a:noFill/>
-          </a:ln>
-        </p:spPr>
-        <p:txBody>
-          <a:bodyPr wrap="square" anchor="t">
-            <a:spAutoFit/>
-          </a:bodyPr>
-          <a:lstStyle/>
-          <a:p>
-            <a:r>
-              <a:rPr lang="zh-CN" altLang="en-US" b="1" dirty="0">
-                <a:latin typeface="Arial" panose="020B0604020202020204" pitchFamily="34" charset="0"/>
-                <a:ea typeface="宋体" panose="02010600030101010101" pitchFamily="2" charset="-122"/>
-              </a:rPr>
-              <a:t>总结：</a:t>
-            </a:r>
-          </a:p>
-          <a:p>
-            <a:r>
-              <a:rPr lang="en-US" altLang="zh-CN" dirty="0"/>
-              <a:t>1</a:t>
-            </a:r>
-            <a:r>
-              <a:rPr lang="zh-CN" altLang="zh-CN" dirty="0"/>
-              <a:t>）具体分析了线上围棋教学系统的需求。结合围棋教学的现实，线上围棋教学系统应该将围棋教学做成面向多种段位选手，提供从入门到高级选手学习课程的立体化教育网站。线上围棋教学系统为围棋学生用户提供服务，同时，教师用户也可以在系统内较为方便的开展围棋教学。系统维护两类主要用户的基本信息、为用户参与的课堂提供管理功能，教师用户维护自己开设的学校和课堂，且系统提供了免费的视频观看和需付费的课堂教学。</a:t>
-            </a:r>
-          </a:p>
-          <a:p>
-            <a:r>
-              <a:rPr lang="en-US" altLang="zh-CN" dirty="0"/>
-              <a:t>2</a:t>
-            </a:r>
-            <a:r>
-              <a:rPr lang="zh-CN" altLang="zh-CN" dirty="0"/>
-              <a:t>）系统在需求分析的基础上完成了对系统的详细设计。通过较为宏观的系统软件体系结构和系统的功能模块划分，清楚了系统的内部组织和各模块面向用户提供了什么具体的服务。在各模块的详细设计阶段，通过类图和时序图分析了功能模块内部的结构以及用户接受服务需要通过的类间信息通路。数据的设计保障了系统基本数据的高校操作，避免了数据冗余，也是为系统业务逻辑层的服务提供了底层的数据支持，支撑了系统功能的展开。</a:t>
-            </a:r>
-          </a:p>
-          <a:p>
-            <a:r>
-              <a:rPr lang="en-US" altLang="zh-CN" dirty="0" smtClean="0"/>
-              <a:t>3</a:t>
-            </a:r>
-            <a:r>
-              <a:rPr lang="zh-CN" altLang="zh-CN" dirty="0"/>
-              <a:t>）系统在详细设计的基础上完成了系统实现与系统测试。通过对系统的开发环境、开发服务器配置以及系统内四个模块代码实现的说明，清晰展示了系统的搭建开发情况，展示了系统的运行过程。测试环节说明了系统的测试环境，以及各测试用例的通过情况，说明了系统功能的完整性。</a:t>
-            </a:r>
-          </a:p>
-        </p:txBody>
-      </p:sp>
-    </p:spTree>
-  </p:cSld>
-  <p:clrMapOvr>
-    <a:masterClrMapping/>
-  </p:clrMapOvr>
-  <p:timing>
-    <p:tnLst>
-      <p:par>
-        <p:cTn id="1" dur="indefinite" restart="never" nodeType="tmRoot"/>
-      </p:par>
-    </p:tnLst>
-  </p:timing>
-</p:sld>
-</file>
-
-<file path=ppt/slides/slide41.xml><?xml version="1.0" encoding="utf-8"?>
-<p:sld xmlns:a="http://schemas.openxmlformats.org/drawingml/2006/main" xmlns:r="http://schemas.openxmlformats.org/officeDocument/2006/relationships" xmlns:p="http://schemas.openxmlformats.org/presentationml/2006/main">
-  <p:cSld>
-    <p:spTree>
-      <p:nvGrpSpPr>
-        <p:cNvPr id="1" name=""/>
-        <p:cNvGrpSpPr/>
-        <p:nvPr/>
-      </p:nvGrpSpPr>
-      <p:grpSpPr>
-        <a:xfrm>
-          <a:off x="0" y="0"/>
-          <a:ext cx="0" cy="0"/>
-          <a:chOff x="0" y="0"/>
-          <a:chExt cx="0" cy="0"/>
-        </a:xfrm>
-      </p:grpSpPr>
-      <p:sp>
-        <p:nvSpPr>
-          <p:cNvPr id="10242" name="标题 1"/>
-          <p:cNvSpPr>
-            <a:spLocks noGrp="1" noChangeArrowheads="1"/>
-          </p:cNvSpPr>
-          <p:nvPr>
-            <p:ph type="title"/>
-          </p:nvPr>
-        </p:nvSpPr>
-        <p:spPr>
-          <a:xfrm>
-            <a:off x="468313" y="500063"/>
-            <a:ext cx="7343775" cy="617538"/>
-          </a:xfrm>
-        </p:spPr>
-        <p:txBody>
-          <a:bodyPr vert="horz" wrap="square" lIns="91440" tIns="45720" rIns="91440" bIns="45720" numCol="1" anchor="ctr" anchorCtr="0" compatLnSpc="1"/>
-          <a:lstStyle/>
-          <a:p>
-            <a:pPr marL="0" marR="0" lvl="0" indent="0" algn="l" defTabSz="914400" rtl="0" eaLnBrk="1" fontAlgn="base" latinLnBrk="0" hangingPunct="1">
-              <a:lnSpc>
-                <a:spcPct val="150000"/>
-              </a:lnSpc>
-              <a:spcBef>
-                <a:spcPct val="0"/>
-              </a:spcBef>
-              <a:spcAft>
-                <a:spcPct val="0"/>
-              </a:spcAft>
-              <a:buClrTx/>
-              <a:buSzTx/>
-              <a:buFont typeface="Wingdings" panose="05000000000000000000" pitchFamily="2" charset="2"/>
-              <a:buChar char="Ø"/>
-              <a:defRPr/>
-            </a:pPr>
-            <a:r>
-              <a:rPr kumimoji="0" lang="zh-CN" sz="2800" b="0" i="0" u="none" strike="noStrike" kern="0" cap="none" spc="0" normalizeH="0" baseline="0" noProof="0" dirty="0">
-                <a:ln>
-                  <a:noFill/>
-                </a:ln>
-                <a:solidFill>
-                  <a:srgbClr val="C00000"/>
-                </a:solidFill>
-                <a:effectLst/>
-                <a:uLnTx/>
-                <a:uFillTx/>
-                <a:latin typeface="+mj-lt"/>
-                <a:ea typeface="+mj-ea"/>
-                <a:cs typeface="+mj-cs"/>
-              </a:rPr>
-              <a:t>总结与展望</a:t>
-            </a:r>
-            <a:endParaRPr kumimoji="0" lang="zh-CN" sz="2800" b="0" i="0" u="none" strike="noStrike" kern="0" cap="none" spc="0" normalizeH="0" baseline="0" noProof="0" dirty="0">
-              <a:ln>
-                <a:noFill/>
-              </a:ln>
-              <a:solidFill>
-                <a:srgbClr val="C00000"/>
-              </a:solidFill>
-              <a:effectLst/>
-              <a:uLnTx/>
-              <a:uFillTx/>
-              <a:latin typeface="+mn-ea"/>
-              <a:ea typeface="+mj-ea"/>
-              <a:cs typeface="+mj-cs"/>
-            </a:endParaRPr>
-          </a:p>
-        </p:txBody>
-      </p:sp>
-      <p:sp>
-        <p:nvSpPr>
-          <p:cNvPr id="30722" name="内容占位符 2"/>
-          <p:cNvSpPr>
-            <a:spLocks noGrp="1"/>
-          </p:cNvSpPr>
-          <p:nvPr>
-            <p:ph idx="1"/>
-          </p:nvPr>
-        </p:nvSpPr>
-        <p:spPr>
-          <a:xfrm>
-            <a:off x="323850" y="1844675"/>
-            <a:ext cx="7999413" cy="2365375"/>
-          </a:xfrm>
-        </p:spPr>
-        <p:txBody>
-          <a:bodyPr wrap="square" lIns="91440" tIns="45720" rIns="91440" bIns="45720" anchor="t"/>
-          <a:lstStyle/>
-          <a:p>
-            <a:pPr>
-              <a:buFont typeface="Wingdings" panose="05000000000000000000" pitchFamily="2" charset="2"/>
-            </a:pPr>
-            <a:endParaRPr lang="en-US" altLang="zh-CN" dirty="0">
-              <a:latin typeface="+mn-lt"/>
-              <a:ea typeface="+mn-ea"/>
-              <a:cs typeface="+mn-cs"/>
-            </a:endParaRPr>
-          </a:p>
-          <a:p>
-            <a:pPr marL="457200" lvl="1" indent="0">
-              <a:buFont typeface="Wingdings" panose="05000000000000000000" pitchFamily="2" charset="2"/>
-              <a:buNone/>
-            </a:pPr>
-            <a:endParaRPr lang="en-US" altLang="zh-CN" dirty="0">
-              <a:latin typeface="+mn-lt"/>
-              <a:ea typeface="+mn-ea"/>
-            </a:endParaRPr>
-          </a:p>
-        </p:txBody>
-      </p:sp>
-      <p:sp>
-        <p:nvSpPr>
-          <p:cNvPr id="30723" name="文本框 1"/>
-          <p:cNvSpPr txBox="1"/>
-          <p:nvPr/>
-        </p:nvSpPr>
-        <p:spPr>
-          <a:xfrm>
-            <a:off x="539552" y="1181099"/>
-            <a:ext cx="8062913" cy="3970318"/>
-          </a:xfrm>
-          <a:prstGeom prst="rect">
-            <a:avLst/>
-          </a:prstGeom>
-          <a:noFill/>
-          <a:ln w="9525">
-            <a:noFill/>
-          </a:ln>
-        </p:spPr>
-        <p:txBody>
-          <a:bodyPr wrap="square" anchor="t">
-            <a:spAutoFit/>
-          </a:bodyPr>
-          <a:lstStyle/>
-          <a:p>
-            <a:r>
-              <a:rPr lang="zh-CN" altLang="en-US" b="1" dirty="0"/>
-              <a:t>展望</a:t>
-            </a:r>
-            <a:r>
-              <a:rPr lang="zh-CN" altLang="en-US" b="1" dirty="0" smtClean="0">
-                <a:latin typeface="Arial" panose="020B0604020202020204" pitchFamily="34" charset="0"/>
-                <a:ea typeface="宋体" panose="02010600030101010101" pitchFamily="2" charset="-122"/>
-              </a:rPr>
-              <a:t>：</a:t>
-            </a:r>
-            <a:endParaRPr lang="zh-CN" altLang="en-US" b="1" dirty="0">
-              <a:latin typeface="Arial" panose="020B0604020202020204" pitchFamily="34" charset="0"/>
-              <a:ea typeface="宋体" panose="02010600030101010101" pitchFamily="2" charset="-122"/>
-            </a:endParaRPr>
-          </a:p>
-          <a:p>
-            <a:r>
-              <a:rPr lang="en-US" altLang="zh-CN" dirty="0"/>
-              <a:t>1</a:t>
-            </a:r>
-            <a:r>
-              <a:rPr lang="zh-CN" altLang="zh-CN" dirty="0"/>
-              <a:t>）加入双人对弈功能：本文只提供了在线课堂的学习形式，围棋学习的重点在于课下的实践，通过本系统的课件学习无法达到要求，在以后的工作中，应该加入在线的围棋对弈功能，使教师与学生或学生与学生之间加强可惜啊的围棋实践学习。</a:t>
-            </a:r>
-          </a:p>
-          <a:p>
-            <a:r>
-              <a:rPr lang="en-US" altLang="zh-CN" dirty="0"/>
-              <a:t>2</a:t>
-            </a:r>
-            <a:r>
-              <a:rPr lang="zh-CN" altLang="zh-CN" dirty="0"/>
-              <a:t>）加入人机对弈功能：学生通过本系统的自学方式只有观看视频，这一点十分具有局限性。以后的工作中，应加入人机对弈功能，对于课堂的学习学习可以在课后通过人机对弈进行消化吸收。</a:t>
-            </a:r>
-          </a:p>
-          <a:p>
-            <a:r>
-              <a:rPr lang="en-US" altLang="zh-CN" dirty="0"/>
-              <a:t>3</a:t>
-            </a:r>
-            <a:r>
-              <a:rPr lang="zh-CN" altLang="zh-CN" dirty="0"/>
-              <a:t>）加入人工智能参与对弈：本系统由于面向围棋学生和围棋教师，开展的功能以教学为主，缺乏对高端选手的围棋提升训练。以后的工作中，通过加入类似</a:t>
-            </a:r>
-            <a:r>
-              <a:rPr lang="en-US" altLang="zh-CN" dirty="0" err="1"/>
-              <a:t>AlphaGo</a:t>
-            </a:r>
-            <a:r>
-              <a:rPr lang="zh-CN" altLang="zh-CN" dirty="0"/>
-              <a:t>等人工智能的算法，开展高端选手与人工智能的对弈，将大幅提高人类的围棋水平。</a:t>
-            </a:r>
-          </a:p>
-          <a:p>
-            <a:r>
-              <a:rPr lang="en-US" altLang="zh-CN" dirty="0"/>
-              <a:t/>
-            </a:r>
-            <a:br>
-              <a:rPr lang="en-US" altLang="zh-CN" dirty="0"/>
-            </a:br>
-            <a:endParaRPr lang="zh-CN" altLang="zh-CN" dirty="0"/>
-          </a:p>
-        </p:txBody>
-      </p:sp>
-    </p:spTree>
-    <p:extLst>
-      <p:ext uri="{BB962C8B-B14F-4D97-AF65-F5344CB8AC3E}">
-        <p14:creationId xmlns:p14="http://schemas.microsoft.com/office/powerpoint/2010/main" val="1976528590"/>
-      </p:ext>
-    </p:extLst>
-  </p:cSld>
-  <p:clrMapOvr>
-    <a:masterClrMapping/>
-  </p:clrMapOvr>
   <p:timing>
     <p:tnLst>
       <p:par>
@@ -17723,8 +17499,21 @@
               <a:defRPr/>
             </a:pPr>
             <a:r>
-              <a:rPr lang="zh-CN" altLang="en-US" dirty="0" smtClean="0"/>
-              <a:t>质询问题回答</a:t>
+              <a:rPr kumimoji="0" lang="zh-CN" sz="2800" b="0" i="0" u="none" strike="noStrike" kern="0" cap="none" spc="0" normalizeH="0" baseline="0" noProof="0" dirty="0">
+                <a:ln>
+                  <a:noFill/>
+                </a:ln>
+                <a:solidFill>
+                  <a:srgbClr val="C00000"/>
+                </a:solidFill>
+                <a:effectLst/>
+                <a:uLnTx/>
+                <a:uFillTx/>
+                <a:latin typeface="+mj-lt"/>
+                <a:ea typeface="+mj-ea"/>
+                <a:cs typeface="+mj-cs"/>
+              </a:rPr>
+              <a:t>总结与展望</a:t>
             </a:r>
             <a:endParaRPr kumimoji="0" lang="zh-CN" sz="2800" b="0" i="0" u="none" strike="noStrike" kern="0" cap="none" spc="0" normalizeH="0" baseline="0" noProof="0" dirty="0">
               <a:ln>
@@ -17792,8 +17581,8 @@
         </p:nvSpPr>
         <p:spPr>
           <a:xfrm>
-            <a:off x="611560" y="808832"/>
-            <a:ext cx="8062913" cy="6463308"/>
+            <a:off x="539552" y="1181099"/>
+            <a:ext cx="8062913" cy="4801314"/>
           </a:xfrm>
           <a:prstGeom prst="rect">
             <a:avLst/>
@@ -17809,10 +17598,13 @@
           </a:bodyPr>
           <a:lstStyle/>
           <a:p>
-            <a:endParaRPr lang="zh-CN" altLang="en-US" b="1" dirty="0">
-              <a:latin typeface="Arial" panose="020B0604020202020204" pitchFamily="34" charset="0"/>
-              <a:ea typeface="宋体" panose="02010600030101010101" pitchFamily="2" charset="-122"/>
-            </a:endParaRPr>
+            <a:r>
+              <a:rPr lang="zh-CN" altLang="en-US" b="1" dirty="0">
+                <a:latin typeface="Arial" panose="020B0604020202020204" pitchFamily="34" charset="0"/>
+                <a:ea typeface="宋体" panose="02010600030101010101" pitchFamily="2" charset="-122"/>
+              </a:rPr>
+              <a:t>总结：</a:t>
+            </a:r>
           </a:p>
           <a:p>
             <a:r>
@@ -17820,141 +17612,19 @@
               <a:t>1</a:t>
             </a:r>
             <a:r>
-              <a:rPr lang="zh-CN" altLang="zh-CN" dirty="0" smtClean="0"/>
-              <a:t>）</a:t>
-            </a:r>
-            <a:r>
-              <a:rPr lang="zh-CN" altLang="en-US" dirty="0"/>
-              <a:t>作者所设计的直播课堂在有多少个直播课堂，每个课堂最多有多少位同学同时观看的情况下，还能保证其观看的流畅性</a:t>
-            </a:r>
-            <a:r>
-              <a:rPr lang="zh-CN" altLang="en-US" dirty="0" smtClean="0"/>
-              <a:t>？</a:t>
-            </a:r>
-            <a:endParaRPr lang="en-US" altLang="zh-CN" dirty="0" smtClean="0"/>
-          </a:p>
-          <a:p>
-            <a:r>
-              <a:rPr lang="zh-CN" altLang="en-US" sz="2800" b="1" dirty="0" smtClean="0"/>
-              <a:t>    </a:t>
-            </a:r>
-            <a:r>
-              <a:rPr lang="zh-CN" altLang="en-US" sz="2400" b="1" dirty="0" smtClean="0"/>
-              <a:t> </a:t>
-            </a:r>
-            <a:r>
-              <a:rPr lang="zh-CN" altLang="en-US" sz="2400" b="1" dirty="0"/>
-              <a:t>答</a:t>
-            </a:r>
-            <a:r>
-              <a:rPr lang="zh-CN" altLang="en-US" sz="2400" b="1" dirty="0" smtClean="0"/>
-              <a:t>：</a:t>
-            </a:r>
-            <a:r>
-              <a:rPr lang="zh-CN" altLang="en-US" sz="2000" b="1" dirty="0" smtClean="0"/>
-              <a:t>由于目前系统架设在一台物理机上，存储和效率有限。经</a:t>
-            </a:r>
-            <a:r>
-              <a:rPr lang="zh-CN" altLang="en-US" sz="2000" b="1" dirty="0"/>
-              <a:t>测试，围棋直播教学系统的直播课堂在同时</a:t>
-            </a:r>
-            <a:r>
-              <a:rPr lang="zh-CN" altLang="en-US" sz="2000" b="1" dirty="0" smtClean="0"/>
-              <a:t>开设</a:t>
-            </a:r>
-            <a:r>
-              <a:rPr lang="en-US" altLang="zh-CN" sz="2000" b="1" dirty="0" smtClean="0"/>
-              <a:t>10</a:t>
-            </a:r>
-            <a:r>
-              <a:rPr lang="zh-CN" altLang="en-US" sz="2000" b="1" dirty="0"/>
-              <a:t>节课，每个课堂内有</a:t>
-            </a:r>
-            <a:r>
-              <a:rPr lang="en-US" altLang="zh-CN" sz="2000" b="1" dirty="0"/>
-              <a:t>100</a:t>
-            </a:r>
-            <a:r>
-              <a:rPr lang="zh-CN" altLang="en-US" sz="2000" b="1" dirty="0"/>
-              <a:t>位同学同时观看的情况下，依然可以保证观看的流畅性</a:t>
-            </a:r>
-            <a:r>
-              <a:rPr lang="zh-CN" altLang="en-US" sz="2000" b="1" dirty="0" smtClean="0"/>
-              <a:t>。</a:t>
-            </a:r>
-            <a:endParaRPr lang="en-US" altLang="zh-CN" sz="2000" b="1" dirty="0" smtClean="0"/>
-          </a:p>
-          <a:p>
-            <a:endParaRPr lang="en-US" altLang="zh-CN" dirty="0" smtClean="0"/>
-          </a:p>
-          <a:p>
-            <a:r>
-              <a:rPr lang="en-US" altLang="zh-CN" dirty="0" smtClean="0"/>
+              <a:rPr lang="zh-CN" altLang="zh-CN" dirty="0"/>
+              <a:t>）具体分析了线上围棋教学系统的需求。结合围棋教学的现实，线上围棋教学系统应该将围棋教学做成面向多种段位选手，提供从入门到高级选手学习课程的立体化教育网站。线上围棋教学系统为围棋学生用户提供服务，同时，教师用户也可以在系统内较为方便的开展围棋教学。系统维护两类主要用户的基本信息、为用户参与的课堂提供管理功能，教师用户维护自己开设的学校和课堂，且系统提供了免费的视频观看和需付费的课堂教学。</a:t>
+            </a:r>
+          </a:p>
+          <a:p>
+            <a:r>
+              <a:rPr lang="en-US" altLang="zh-CN" dirty="0"/>
               <a:t>2</a:t>
             </a:r>
             <a:r>
-              <a:rPr lang="zh-CN" altLang="zh-CN" dirty="0" smtClean="0"/>
-              <a:t>）</a:t>
-            </a:r>
-            <a:r>
-              <a:rPr lang="zh-CN" altLang="en-US" dirty="0"/>
-              <a:t>请说明直播课堂每个</a:t>
-            </a:r>
-            <a:r>
-              <a:rPr lang="en-US" altLang="zh-CN" dirty="0"/>
-              <a:t>RTMP</a:t>
-            </a:r>
-            <a:r>
-              <a:rPr lang="zh-CN" altLang="en-US" dirty="0"/>
-              <a:t>地址为何是一个推送流若干个拉送</a:t>
-            </a:r>
-            <a:r>
-              <a:rPr lang="zh-CN" altLang="en-US" dirty="0" smtClean="0"/>
-              <a:t>流。</a:t>
-            </a:r>
-            <a:endParaRPr lang="en-US" altLang="zh-CN" dirty="0" smtClean="0"/>
-          </a:p>
-          <a:p>
-            <a:r>
-              <a:rPr lang="zh-CN" altLang="en-US" b="1" dirty="0"/>
-              <a:t> </a:t>
-            </a:r>
-            <a:r>
-              <a:rPr lang="zh-CN" altLang="en-US" b="1" dirty="0" smtClean="0"/>
-              <a:t>      </a:t>
-            </a:r>
-            <a:r>
-              <a:rPr lang="zh-CN" altLang="en-US" sz="2400" b="1" dirty="0"/>
-              <a:t>答：</a:t>
-            </a:r>
-            <a:r>
-              <a:rPr lang="zh-CN" altLang="en-US" sz="2000" b="1" dirty="0"/>
-              <a:t>每个</a:t>
-            </a:r>
-            <a:r>
-              <a:rPr lang="en-US" altLang="zh-CN" sz="2000" b="1" dirty="0"/>
-              <a:t>RTMP</a:t>
-            </a:r>
-            <a:r>
-              <a:rPr lang="zh-CN" altLang="en-US" sz="2000" b="1" dirty="0"/>
-              <a:t>地址对应一节直播课堂，课堂中只需要一个教师用户进行推流，从而进行</a:t>
-            </a:r>
-            <a:r>
-              <a:rPr lang="zh-CN" altLang="en-US" sz="2000" b="1" dirty="0" smtClean="0"/>
-              <a:t>直播，却必须支持多名同学拉流观看。同一各</a:t>
-            </a:r>
-            <a:r>
-              <a:rPr lang="en-US" altLang="zh-CN" sz="2000" b="1" dirty="0" smtClean="0"/>
-              <a:t>RTMP</a:t>
-            </a:r>
-            <a:r>
-              <a:rPr lang="zh-CN" altLang="en-US" sz="2000" b="1" dirty="0" smtClean="0"/>
-              <a:t>地址若有多个推流过程，会造成课堂混乱。若干个拉送流可以使多名同学观看同一门课程。</a:t>
-            </a:r>
-            <a:endParaRPr lang="en-US" altLang="zh-CN" sz="2000" b="1" dirty="0"/>
-          </a:p>
-          <a:p>
-            <a:endParaRPr lang="en-US" altLang="zh-CN" dirty="0" smtClean="0"/>
+              <a:rPr lang="zh-CN" altLang="zh-CN" dirty="0"/>
+              <a:t>）系统在需求分析的基础上完成了对系统的详细设计。通过较为宏观的系统软件体系结构和系统的功能模块划分，清楚了系统的内部组织和各模块面向用户提供了什么具体的服务。在各模块的详细设计阶段，通过类图和时序图分析了功能模块内部的结构以及用户接受服务需要通过的类间信息通路。数据的设计保障了系统基本数据的高校操作，避免了数据冗余，也是为系统业务逻辑层的服务提供了底层的数据支持，支撑了系统功能的展开。</a:t>
+            </a:r>
           </a:p>
           <a:p>
             <a:r>
@@ -17962,67 +17632,13 @@
               <a:t>3</a:t>
             </a:r>
             <a:r>
-              <a:rPr lang="zh-CN" altLang="zh-CN" dirty="0" smtClean="0"/>
-              <a:t>）</a:t>
-            </a:r>
-            <a:r>
-              <a:rPr lang="zh-CN" altLang="en-US" dirty="0"/>
-              <a:t>设计实现的系统是否考虑过诸如证件的合法性、版权等一系列管理上的问题</a:t>
-            </a:r>
-            <a:r>
-              <a:rPr lang="zh-CN" altLang="en-US" dirty="0" smtClean="0"/>
-              <a:t>？</a:t>
-            </a:r>
-            <a:endParaRPr lang="en-US" altLang="zh-CN" dirty="0" smtClean="0"/>
-          </a:p>
-          <a:p>
-            <a:r>
-              <a:rPr lang="zh-CN" altLang="en-US" b="1" dirty="0"/>
-              <a:t> </a:t>
-            </a:r>
-            <a:r>
-              <a:rPr lang="zh-CN" altLang="en-US" b="1" dirty="0" smtClean="0"/>
-              <a:t>  </a:t>
-            </a:r>
-            <a:r>
-              <a:rPr lang="en-US" altLang="zh-CN" b="1" dirty="0"/>
-              <a:t> </a:t>
-            </a:r>
-            <a:r>
-              <a:rPr lang="en-US" altLang="zh-CN" b="1" dirty="0" smtClean="0"/>
-              <a:t>   </a:t>
-            </a:r>
-            <a:r>
-              <a:rPr lang="zh-CN" altLang="en-US" sz="2400" b="1" dirty="0"/>
-              <a:t>答：</a:t>
-            </a:r>
-            <a:r>
-              <a:rPr lang="zh-CN" altLang="en-US" sz="2000" b="1" dirty="0"/>
-              <a:t>由于系统现阶段未考虑投入互联网进行广泛使用，因而目前未考虑网站的证件以及版权相关的问题。在之后的更加完善的围棋直播教学系统中，应加入对系统的版权声明。</a:t>
-            </a:r>
-            <a:endParaRPr lang="en-US" altLang="zh-CN" sz="2000" b="1" dirty="0"/>
-          </a:p>
-          <a:p>
-            <a:endParaRPr lang="en-US" altLang="zh-CN" dirty="0" smtClean="0"/>
-          </a:p>
-          <a:p>
-            <a:r>
-              <a:rPr lang="en-US" altLang="zh-CN" dirty="0"/>
-              <a:t/>
-            </a:r>
-            <a:br>
-              <a:rPr lang="en-US" altLang="zh-CN" dirty="0"/>
-            </a:br>
-            <a:endParaRPr lang="zh-CN" altLang="zh-CN" dirty="0"/>
+              <a:rPr lang="zh-CN" altLang="zh-CN" dirty="0"/>
+              <a:t>）系统在详细设计的基础上完成了系统实现与系统测试。通过对系统的开发环境、开发服务器配置以及系统内四个模块代码实现的说明，清晰展示了系统的搭建开发情况，展示了系统的运行过程。测试环节说明了系统的测试环境，以及各测试用例的通过情况，说明了系统功能的完整性。</a:t>
+            </a:r>
           </a:p>
         </p:txBody>
       </p:sp>
     </p:spTree>
-    <p:extLst>
-      <p:ext uri="{BB962C8B-B14F-4D97-AF65-F5344CB8AC3E}">
-        <p14:creationId xmlns:p14="http://schemas.microsoft.com/office/powerpoint/2010/main" val="1869811396"/>
-      </p:ext>
-    </p:extLst>
   </p:cSld>
   <p:clrMapOvr>
     <a:masterClrMapping/>
@@ -18056,29 +17672,77 @@
       </p:grpSpPr>
       <p:sp>
         <p:nvSpPr>
-          <p:cNvPr id="2" name="标题 1"/>
+          <p:cNvPr id="10242" name="标题 1"/>
           <p:cNvSpPr>
-            <a:spLocks noGrp="1"/>
+            <a:spLocks noGrp="1" noChangeArrowheads="1"/>
           </p:cNvSpPr>
           <p:nvPr>
             <p:ph type="title"/>
           </p:nvPr>
         </p:nvSpPr>
-        <p:spPr/>
+        <p:spPr>
+          <a:xfrm>
+            <a:off x="468313" y="500063"/>
+            <a:ext cx="7343775" cy="617538"/>
+          </a:xfrm>
+        </p:spPr>
         <p:txBody>
-          <a:bodyPr/>
+          <a:bodyPr vert="horz" wrap="square" lIns="91440" tIns="45720" rIns="91440" bIns="45720" numCol="1" anchor="ctr" anchorCtr="0" compatLnSpc="1"/>
           <a:lstStyle/>
           <a:p>
-            <a:r>
-              <a:rPr lang="zh-CN" altLang="en-US" dirty="0"/>
-              <a:t>质询问题回答</a:t>
-            </a:r>
+            <a:pPr marL="0" marR="0" lvl="0" indent="0" algn="l" defTabSz="914400" rtl="0" eaLnBrk="1" fontAlgn="base" latinLnBrk="0" hangingPunct="1">
+              <a:lnSpc>
+                <a:spcPct val="150000"/>
+              </a:lnSpc>
+              <a:spcBef>
+                <a:spcPct val="0"/>
+              </a:spcBef>
+              <a:spcAft>
+                <a:spcPct val="0"/>
+              </a:spcAft>
+              <a:buClrTx/>
+              <a:buSzTx/>
+              <a:buFont typeface="Wingdings" panose="05000000000000000000" pitchFamily="2" charset="2"/>
+              <a:buChar char="Ø"/>
+              <a:defRPr/>
+            </a:pPr>
+            <a:r>
+              <a:rPr kumimoji="0" lang="zh-CN" sz="2800" b="0" i="0" u="none" strike="noStrike" kern="0" cap="none" spc="0" normalizeH="0" baseline="0" noProof="0" dirty="0">
+                <a:ln>
+                  <a:noFill/>
+                </a:ln>
+                <a:solidFill>
+                  <a:srgbClr val="C00000"/>
+                </a:solidFill>
+                <a:effectLst/>
+                <a:uLnTx/>
+                <a:uFillTx/>
+                <a:latin typeface="+mj-lt"/>
+                <a:ea typeface="+mj-ea"/>
+                <a:cs typeface="+mj-cs"/>
+              </a:rPr>
+              <a:t>总结与展望</a:t>
+            </a:r>
+            <a:endParaRPr kumimoji="0" lang="zh-CN" sz="2800" b="0" i="0" u="none" strike="noStrike" kern="0" cap="none" spc="0" normalizeH="0" baseline="0" noProof="0" dirty="0">
+              <a:ln>
+                <a:noFill/>
+              </a:ln>
+              <a:solidFill>
+                <a:srgbClr val="C00000"/>
+              </a:solidFill>
+              <a:effectLst/>
+              <a:uLnTx/>
+              <a:uFillTx/>
+              <a:latin typeface="+mn-ea"/>
+              <a:ea typeface="+mj-ea"/>
+              <a:cs typeface="+mj-cs"/>
+            </a:endParaRPr>
           </a:p>
         </p:txBody>
       </p:sp>
       <p:sp>
         <p:nvSpPr>
-          <p:cNvPr id="3" name="内容占位符 2"/>
+          <p:cNvPr id="30722" name="内容占位符 2"/>
           <p:cNvSpPr>
             <a:spLocks noGrp="1"/>
           </p:cNvSpPr>
@@ -18086,174 +17750,145 @@
             <p:ph idx="1"/>
           </p:nvPr>
         </p:nvSpPr>
-        <p:spPr/>
+        <p:spPr>
+          <a:xfrm>
+            <a:off x="323850" y="1844675"/>
+            <a:ext cx="7999413" cy="2365375"/>
+          </a:xfrm>
+        </p:spPr>
         <p:txBody>
-          <a:bodyPr/>
+          <a:bodyPr wrap="square" lIns="91440" tIns="45720" rIns="91440" bIns="45720" anchor="t"/>
           <a:lstStyle/>
           <a:p>
+            <a:pPr>
+              <a:buFont typeface="Wingdings" panose="05000000000000000000" pitchFamily="2" charset="2"/>
+            </a:pPr>
+            <a:endParaRPr lang="en-US" altLang="zh-CN" dirty="0">
+              <a:latin typeface="+mn-lt"/>
+              <a:ea typeface="+mn-ea"/>
+              <a:cs typeface="+mn-cs"/>
+            </a:endParaRPr>
+          </a:p>
+          <a:p>
+            <a:pPr marL="457200" lvl="1" indent="0">
+              <a:buFont typeface="Wingdings" panose="05000000000000000000" pitchFamily="2" charset="2"/>
+              <a:buNone/>
+            </a:pPr>
+            <a:endParaRPr lang="en-US" altLang="zh-CN" dirty="0">
+              <a:latin typeface="+mn-lt"/>
+              <a:ea typeface="+mn-ea"/>
+            </a:endParaRPr>
+          </a:p>
+        </p:txBody>
+      </p:sp>
+      <p:sp>
+        <p:nvSpPr>
+          <p:cNvPr id="30723" name="文本框 1"/>
+          <p:cNvSpPr txBox="1"/>
+          <p:nvPr/>
+        </p:nvSpPr>
+        <p:spPr>
+          <a:xfrm>
+            <a:off x="539552" y="1181099"/>
+            <a:ext cx="8062913" cy="3970318"/>
+          </a:xfrm>
+          <a:prstGeom prst="rect">
+            <a:avLst/>
+          </a:prstGeom>
+          <a:noFill/>
+          <a:ln w="9525">
+            <a:noFill/>
+          </a:ln>
+        </p:spPr>
+        <p:txBody>
+          <a:bodyPr wrap="square" anchor="t">
+            <a:spAutoFit/>
+          </a:bodyPr>
+          <a:lstStyle/>
+          <a:p>
+            <a:r>
+              <a:rPr lang="zh-CN" altLang="en-US" b="1" dirty="0"/>
+              <a:t>展望</a:t>
+            </a:r>
+            <a:r>
+              <a:rPr lang="zh-CN" altLang="en-US" b="1" dirty="0" smtClean="0">
+                <a:latin typeface="Arial" panose="020B0604020202020204" pitchFamily="34" charset="0"/>
+                <a:ea typeface="宋体" panose="02010600030101010101" pitchFamily="2" charset="-122"/>
+              </a:rPr>
+              <a:t>：</a:t>
+            </a:r>
+            <a:endParaRPr lang="zh-CN" altLang="en-US" b="1" dirty="0">
+              <a:latin typeface="Arial" panose="020B0604020202020204" pitchFamily="34" charset="0"/>
+              <a:ea typeface="宋体" panose="02010600030101010101" pitchFamily="2" charset="-122"/>
+            </a:endParaRPr>
+          </a:p>
+          <a:p>
             <a:r>
               <a:rPr lang="en-US" altLang="zh-CN" dirty="0"/>
-              <a:t>4</a:t>
-            </a:r>
-            <a:r>
-              <a:rPr lang="zh-CN" altLang="en-US" dirty="0"/>
-              <a:t>）第</a:t>
-            </a:r>
+              <a:t>1</a:t>
+            </a:r>
+            <a:r>
+              <a:rPr lang="zh-CN" altLang="zh-CN" dirty="0"/>
+              <a:t>）加入双人对弈功能：本文只提供了在线课堂的学习形式，围棋学习的重点在于课下的实践，通过本系统的课件学习无法达到要求，在以后的工作中，应该加入在线的围棋对弈功能，使教师与学生或学生与学生之间加强可惜啊的围棋实践学习。</a:t>
+            </a:r>
+          </a:p>
+          <a:p>
             <a:r>
               <a:rPr lang="en-US" altLang="zh-CN" dirty="0"/>
-              <a:t>3.2.1</a:t>
-            </a:r>
-            <a:r>
-              <a:rPr lang="zh-CN" altLang="en-US" dirty="0"/>
-              <a:t>小节中有多幅用例图。请问，各子用例应如何与参与者进行关联？换言之，子用例能否与参与者直接关联？请详述理由。</a:t>
-            </a:r>
-            <a:endParaRPr lang="en-US" altLang="zh-CN" dirty="0"/>
-          </a:p>
-          <a:p>
-            <a:r>
-              <a:rPr lang="zh-CN" altLang="en-US" b="1" dirty="0"/>
-              <a:t>       </a:t>
-            </a:r>
-            <a:r>
-              <a:rPr lang="zh-CN" altLang="en-US" sz="3200" b="1" dirty="0"/>
-              <a:t>答</a:t>
-            </a:r>
-            <a:r>
-              <a:rPr lang="zh-CN" altLang="en-US" sz="3200" b="1" dirty="0" smtClean="0"/>
-              <a:t>：</a:t>
-            </a:r>
-            <a:r>
-              <a:rPr lang="zh-CN" altLang="en-US" sz="1800" b="1" dirty="0" smtClean="0"/>
-              <a:t>子用例不能与</a:t>
-            </a:r>
-            <a:r>
-              <a:rPr lang="zh-CN" altLang="en-US" sz="1800" b="1" dirty="0"/>
-              <a:t>参与者直接</a:t>
-            </a:r>
-            <a:r>
-              <a:rPr lang="zh-CN" altLang="en-US" sz="1800" b="1" dirty="0" smtClean="0"/>
-              <a:t>关联。</a:t>
-            </a:r>
-            <a:endParaRPr lang="en-US" altLang="zh-CN" sz="1800" b="1" dirty="0" smtClean="0"/>
-          </a:p>
-          <a:p>
-            <a:r>
-              <a:rPr lang="zh-CN" altLang="en-US" sz="1800" b="1" dirty="0" smtClean="0"/>
-              <a:t>       包含</a:t>
-            </a:r>
-            <a:r>
-              <a:rPr lang="zh-CN" altLang="en-US" sz="1800" b="1" dirty="0"/>
-              <a:t>关系：使用包含（</a:t>
-            </a:r>
-            <a:r>
-              <a:rPr lang="en-US" altLang="zh-CN" sz="1800" b="1" dirty="0"/>
-              <a:t>Inclusion </a:t>
-            </a:r>
-            <a:r>
-              <a:rPr lang="zh-CN" altLang="en-US" sz="1800" b="1" dirty="0"/>
-              <a:t>）用例来封装一组跨越多个用例的相似动作（行为片断），以便多个基（</a:t>
-            </a:r>
-            <a:r>
-              <a:rPr lang="en-US" altLang="zh-CN" sz="1800" b="1" dirty="0"/>
-              <a:t>Base </a:t>
-            </a:r>
-            <a:r>
-              <a:rPr lang="zh-CN" altLang="en-US" sz="1800" b="1" dirty="0"/>
-              <a:t>）用例复用。基用例控制与包含用例的 关系，以及被包含用例的事件流是否会插入到基用例的事件流中。基用例可以依赖包含用例执行的结果，但是双方都不能访问对方的属性。 </a:t>
-            </a:r>
-            <a:endParaRPr lang="en-US" altLang="zh-CN" sz="1800" b="1" dirty="0" smtClean="0"/>
-          </a:p>
-          <a:p>
-            <a:r>
-              <a:rPr lang="zh-CN" altLang="en-US" sz="1800" b="1" dirty="0" smtClean="0"/>
-              <a:t>      用例</a:t>
-            </a:r>
-            <a:r>
-              <a:rPr lang="zh-CN" altLang="en-US" sz="1800" b="1" dirty="0"/>
-              <a:t>的存在是为</a:t>
-            </a:r>
-            <a:r>
-              <a:rPr lang="en-US" altLang="zh-CN" sz="1800" b="1" dirty="0"/>
-              <a:t>Actor </a:t>
-            </a:r>
-            <a:r>
-              <a:rPr lang="zh-CN" altLang="en-US" sz="1800" b="1" dirty="0"/>
-              <a:t>提供服 务，但用例提供服务的方式可分为间接和直接两种，依据于此</a:t>
-            </a:r>
-            <a:r>
-              <a:rPr lang="zh-CN" altLang="en-US" sz="1800" b="1" dirty="0" smtClean="0"/>
-              <a:t>，</a:t>
-            </a:r>
-            <a:r>
-              <a:rPr lang="zh-CN" altLang="en-US" sz="1800" b="1" dirty="0"/>
-              <a:t>包含中的被包含用例提供的是间接服务</a:t>
-            </a:r>
-            <a:r>
-              <a:rPr lang="zh-CN" altLang="en-US" sz="1800" b="1" dirty="0" smtClean="0"/>
-              <a:t>。</a:t>
-            </a:r>
-            <a:endParaRPr lang="en-US" altLang="zh-CN" sz="1800" b="1" dirty="0" smtClean="0"/>
-          </a:p>
-          <a:p>
-            <a:r>
-              <a:rPr lang="zh-CN" altLang="en-US" sz="1800" b="1" dirty="0" smtClean="0"/>
-              <a:t>       泛化</a:t>
-            </a:r>
-            <a:r>
-              <a:rPr lang="zh-CN" altLang="en-US" sz="1800" b="1" dirty="0"/>
-              <a:t>侧重表示子用例间的互斥性；</a:t>
-            </a:r>
-            <a:endParaRPr lang="en-US" altLang="zh-CN" sz="1800" b="1" dirty="0"/>
-          </a:p>
-          <a:p>
-            <a:r>
-              <a:rPr lang="zh-CN" altLang="en-US" sz="1800" b="1" dirty="0" smtClean="0"/>
-              <a:t>       包含</a:t>
-            </a:r>
-            <a:r>
-              <a:rPr lang="zh-CN" altLang="en-US" sz="1800" b="1" dirty="0"/>
-              <a:t>侧重表示被包含用例对</a:t>
-            </a:r>
-            <a:r>
-              <a:rPr lang="en-US" altLang="zh-CN" sz="1800" b="1" dirty="0"/>
-              <a:t>Actor </a:t>
-            </a:r>
-            <a:r>
-              <a:rPr lang="zh-CN" altLang="en-US" sz="1800" b="1" dirty="0"/>
-              <a:t>提供服务的间接性；</a:t>
-            </a:r>
-            <a:endParaRPr lang="en-US" altLang="zh-CN" sz="1800" b="1" dirty="0"/>
-          </a:p>
-          <a:p>
-            <a:r>
-              <a:rPr lang="zh-CN" altLang="en-US" sz="1800" b="1" dirty="0"/>
-              <a:t> </a:t>
-            </a:r>
-            <a:r>
-              <a:rPr lang="zh-CN" altLang="en-US" sz="1800" b="1" dirty="0" smtClean="0"/>
-              <a:t>      扩展</a:t>
-            </a:r>
-            <a:r>
-              <a:rPr lang="zh-CN" altLang="en-US" sz="1800" b="1" dirty="0"/>
-              <a:t>侧重表示扩展用例的触发不定性；</a:t>
-            </a:r>
-            <a:endParaRPr lang="en-US" altLang="zh-CN" sz="1800" b="1" dirty="0"/>
-          </a:p>
-          <a:p>
-            <a:endParaRPr lang="zh-CN" altLang="en-US" sz="1800" dirty="0"/>
+              <a:t>2</a:t>
+            </a:r>
+            <a:r>
+              <a:rPr lang="zh-CN" altLang="zh-CN" dirty="0"/>
+              <a:t>）加入人机对弈功能：学生通过本系统的自学方式只有观看视频，这一点十分具有局限性。以后的工作中，应加入人机对弈功能，对于课堂的学习学习可以在课后通过人机对弈进行消化吸收。</a:t>
+            </a:r>
+          </a:p>
+          <a:p>
+            <a:r>
+              <a:rPr lang="en-US" altLang="zh-CN" dirty="0"/>
+              <a:t>3</a:t>
+            </a:r>
+            <a:r>
+              <a:rPr lang="zh-CN" altLang="zh-CN" dirty="0"/>
+              <a:t>）加入人工智能参与对弈：本系统由于面向围棋学生和围棋教师，开展的功能以教学为主，缺乏对高端选手的围棋提升训练。以后的工作中，通过加入类似</a:t>
+            </a:r>
+            <a:r>
+              <a:rPr lang="en-US" altLang="zh-CN" dirty="0" err="1"/>
+              <a:t>AlphaGo</a:t>
+            </a:r>
+            <a:r>
+              <a:rPr lang="zh-CN" altLang="zh-CN" dirty="0"/>
+              <a:t>等人工智能的算法，开展高端选手与人工智能的对弈，将大幅提高人类的围棋水平。</a:t>
+            </a:r>
+          </a:p>
+          <a:p>
+            <a:r>
+              <a:rPr lang="en-US" altLang="zh-CN" dirty="0"/>
+              <a:t/>
+            </a:r>
+            <a:br>
+              <a:rPr lang="en-US" altLang="zh-CN" dirty="0"/>
+            </a:br>
+            <a:endParaRPr lang="zh-CN" altLang="zh-CN" dirty="0"/>
           </a:p>
         </p:txBody>
       </p:sp>
     </p:spTree>
     <p:extLst>
       <p:ext uri="{BB962C8B-B14F-4D97-AF65-F5344CB8AC3E}">
-        <p14:creationId xmlns:p14="http://schemas.microsoft.com/office/powerpoint/2010/main" val="170140012"/>
+        <p14:creationId xmlns:p14="http://schemas.microsoft.com/office/powerpoint/2010/main" val="1976528590"/>
       </p:ext>
     </p:extLst>
   </p:cSld>
   <p:clrMapOvr>
     <a:masterClrMapping/>
   </p:clrMapOvr>
+  <p:timing>
+    <p:tnLst>
+      <p:par>
+        <p:cTn id="1" dur="indefinite" restart="never" nodeType="tmRoot"/>
+      </p:par>
+    </p:tnLst>
+  </p:timing>
 </p:sld>
 </file>
 
@@ -18276,29 +17911,64 @@
       </p:grpSpPr>
       <p:sp>
         <p:nvSpPr>
-          <p:cNvPr id="2" name="标题 1"/>
+          <p:cNvPr id="10242" name="标题 1"/>
           <p:cNvSpPr>
-            <a:spLocks noGrp="1"/>
+            <a:spLocks noGrp="1" noChangeArrowheads="1"/>
           </p:cNvSpPr>
           <p:nvPr>
             <p:ph type="title"/>
           </p:nvPr>
         </p:nvSpPr>
-        <p:spPr/>
+        <p:spPr>
+          <a:xfrm>
+            <a:off x="468313" y="500063"/>
+            <a:ext cx="7343775" cy="617538"/>
+          </a:xfrm>
+        </p:spPr>
         <p:txBody>
-          <a:bodyPr/>
+          <a:bodyPr vert="horz" wrap="square" lIns="91440" tIns="45720" rIns="91440" bIns="45720" numCol="1" anchor="ctr" anchorCtr="0" compatLnSpc="1"/>
           <a:lstStyle/>
           <a:p>
-            <a:r>
-              <a:rPr lang="zh-CN" altLang="en-US" dirty="0"/>
+            <a:pPr marL="0" marR="0" lvl="0" indent="0" algn="l" defTabSz="914400" rtl="0" eaLnBrk="1" fontAlgn="base" latinLnBrk="0" hangingPunct="1">
+              <a:lnSpc>
+                <a:spcPct val="150000"/>
+              </a:lnSpc>
+              <a:spcBef>
+                <a:spcPct val="0"/>
+              </a:spcBef>
+              <a:spcAft>
+                <a:spcPct val="0"/>
+              </a:spcAft>
+              <a:buClrTx/>
+              <a:buSzTx/>
+              <a:buFont typeface="Wingdings" panose="05000000000000000000" pitchFamily="2" charset="2"/>
+              <a:buChar char="Ø"/>
+              <a:defRPr/>
+            </a:pPr>
+            <a:r>
+              <a:rPr lang="zh-CN" altLang="en-US" dirty="0" smtClean="0"/>
               <a:t>质询问题回答</a:t>
             </a:r>
+            <a:endParaRPr kumimoji="0" lang="zh-CN" sz="2800" b="0" i="0" u="none" strike="noStrike" kern="0" cap="none" spc="0" normalizeH="0" baseline="0" noProof="0" dirty="0">
+              <a:ln>
+                <a:noFill/>
+              </a:ln>
+              <a:solidFill>
+                <a:srgbClr val="C00000"/>
+              </a:solidFill>
+              <a:effectLst/>
+              <a:uLnTx/>
+              <a:uFillTx/>
+              <a:latin typeface="+mn-ea"/>
+              <a:ea typeface="+mj-ea"/>
+              <a:cs typeface="+mj-cs"/>
+            </a:endParaRPr>
           </a:p>
         </p:txBody>
       </p:sp>
       <p:sp>
         <p:nvSpPr>
-          <p:cNvPr id="3" name="内容占位符 2"/>
+          <p:cNvPr id="30722" name="内容占位符 2"/>
           <p:cNvSpPr>
             <a:spLocks noGrp="1"/>
           </p:cNvSpPr>
@@ -18308,115 +17978,285 @@
         </p:nvSpPr>
         <p:spPr>
           <a:xfrm>
-            <a:off x="457200" y="1117599"/>
-            <a:ext cx="8229600" cy="4883170"/>
+            <a:off x="323850" y="1844675"/>
+            <a:ext cx="7999413" cy="2365375"/>
           </a:xfrm>
         </p:spPr>
         <p:txBody>
-          <a:bodyPr/>
+          <a:bodyPr wrap="square" lIns="91440" tIns="45720" rIns="91440" bIns="45720" anchor="t"/>
           <a:lstStyle/>
           <a:p>
-            <a:r>
-              <a:rPr lang="en-US" altLang="zh-CN" dirty="0"/>
-              <a:t>5</a:t>
-            </a:r>
-            <a:r>
-              <a:rPr lang="zh-CN" altLang="en-US" dirty="0"/>
-              <a:t>）图</a:t>
-            </a:r>
-            <a:r>
-              <a:rPr lang="en-US" altLang="zh-CN" dirty="0"/>
-              <a:t>4-1</a:t>
-            </a:r>
-            <a:r>
-              <a:rPr lang="zh-CN" altLang="en-US" dirty="0"/>
-              <a:t>中某些箭头是单项的。请问，这些单向箭头是否意味着软件体系结构相应构件之间的交互是单向的？如果不是单向交互，应如何修改？进一步地，如何区分对称交互与非对称交互。</a:t>
-            </a:r>
-            <a:endParaRPr lang="en-US" altLang="zh-CN" dirty="0"/>
-          </a:p>
-          <a:p>
-            <a:r>
-              <a:rPr lang="zh-CN" altLang="en-US" b="1" dirty="0"/>
-              <a:t>       </a:t>
-            </a:r>
-            <a:r>
-              <a:rPr lang="zh-CN" altLang="en-US" sz="3200" b="1" dirty="0"/>
-              <a:t>答：</a:t>
-            </a:r>
-            <a:endParaRPr lang="en-US" altLang="zh-CN" sz="3200" b="1" dirty="0"/>
-          </a:p>
-          <a:p>
-            <a:endParaRPr lang="zh-CN" altLang="en-US" dirty="0"/>
+            <a:pPr>
+              <a:buFont typeface="Wingdings" panose="05000000000000000000" pitchFamily="2" charset="2"/>
+            </a:pPr>
+            <a:endParaRPr lang="en-US" altLang="zh-CN" dirty="0">
+              <a:latin typeface="+mn-lt"/>
+              <a:ea typeface="+mn-ea"/>
+              <a:cs typeface="+mn-cs"/>
+            </a:endParaRPr>
+          </a:p>
+          <a:p>
+            <a:pPr marL="457200" lvl="1" indent="0">
+              <a:buFont typeface="Wingdings" panose="05000000000000000000" pitchFamily="2" charset="2"/>
+              <a:buNone/>
+            </a:pPr>
+            <a:endParaRPr lang="en-US" altLang="zh-CN" dirty="0">
+              <a:latin typeface="+mn-lt"/>
+              <a:ea typeface="+mn-ea"/>
+            </a:endParaRPr>
           </a:p>
         </p:txBody>
       </p:sp>
-      <p:graphicFrame>
-        <p:nvGraphicFramePr>
-          <p:cNvPr id="4" name="对象 3"/>
-          <p:cNvGraphicFramePr>
-            <a:graphicFrameLocks noChangeAspect="1"/>
-          </p:cNvGraphicFramePr>
-          <p:nvPr>
-            <p:extLst>
-              <p:ext uri="{D42A27DB-BD31-4B8C-83A1-F6EECF244321}">
-                <p14:modId xmlns:p14="http://schemas.microsoft.com/office/powerpoint/2010/main" val="1138781020"/>
-              </p:ext>
-            </p:extLst>
-          </p:nvPr>
-        </p:nvGraphicFramePr>
-        <p:xfrm>
-          <a:off x="2267744" y="2708920"/>
-          <a:ext cx="6096000" cy="3549650"/>
-        </p:xfrm>
-        <a:graphic>
-          <a:graphicData uri="http://schemas.openxmlformats.org/presentationml/2006/ole">
-            <mc:AlternateContent xmlns:mc="http://schemas.openxmlformats.org/markup-compatibility/2006">
-              <mc:Choice xmlns:v="urn:schemas-microsoft-com:vml" Requires="v">
-                <p:oleObj spid="_x0000_s34821" name="Visio" r:id="rId3" imgW="10414207" imgH="6064135" progId="Visio.Drawing.15">
-                  <p:embed/>
-                </p:oleObj>
-              </mc:Choice>
-              <mc:Fallback>
-                <p:oleObj name="Visio" r:id="rId3" imgW="10414207" imgH="6064135" progId="Visio.Drawing.15">
-                  <p:embed/>
-                  <p:pic>
-                    <p:nvPicPr>
-                      <p:cNvPr id="0" name=""/>
-                      <p:cNvPicPr/>
-                      <p:nvPr/>
-                    </p:nvPicPr>
-                    <p:blipFill>
-                      <a:blip r:embed="rId4"/>
-                      <a:stretch>
-                        <a:fillRect/>
-                      </a:stretch>
-                    </p:blipFill>
-                    <p:spPr>
-                      <a:xfrm>
-                        <a:off x="2267744" y="2708920"/>
-                        <a:ext cx="6096000" cy="3549650"/>
-                      </a:xfrm>
-                      <a:prstGeom prst="rect">
-                        <a:avLst/>
-                      </a:prstGeom>
-                    </p:spPr>
-                  </p:pic>
-                </p:oleObj>
-              </mc:Fallback>
-            </mc:AlternateContent>
-          </a:graphicData>
-        </a:graphic>
-      </p:graphicFrame>
+      <p:sp>
+        <p:nvSpPr>
+          <p:cNvPr id="30723" name="文本框 1"/>
+          <p:cNvSpPr txBox="1"/>
+          <p:nvPr/>
+        </p:nvSpPr>
+        <p:spPr>
+          <a:xfrm>
+            <a:off x="611560" y="808832"/>
+            <a:ext cx="8062913" cy="6463308"/>
+          </a:xfrm>
+          <a:prstGeom prst="rect">
+            <a:avLst/>
+          </a:prstGeom>
+          <a:noFill/>
+          <a:ln w="9525">
+            <a:noFill/>
+          </a:ln>
+        </p:spPr>
+        <p:txBody>
+          <a:bodyPr wrap="square" anchor="t">
+            <a:spAutoFit/>
+          </a:bodyPr>
+          <a:lstStyle/>
+          <a:p>
+            <a:endParaRPr lang="zh-CN" altLang="en-US" b="1" dirty="0">
+              <a:latin typeface="Arial" panose="020B0604020202020204" pitchFamily="34" charset="0"/>
+              <a:ea typeface="宋体" panose="02010600030101010101" pitchFamily="2" charset="-122"/>
+            </a:endParaRPr>
+          </a:p>
+          <a:p>
+            <a:r>
+              <a:rPr lang="en-US" altLang="zh-CN" dirty="0"/>
+              <a:t>1</a:t>
+            </a:r>
+            <a:r>
+              <a:rPr lang="zh-CN" altLang="zh-CN" dirty="0" smtClean="0"/>
+              <a:t>）</a:t>
+            </a:r>
+            <a:r>
+              <a:rPr lang="zh-CN" altLang="en-US" dirty="0"/>
+              <a:t>作者所设计的直播课堂在有多少个直播课堂，每个课堂最多有多少位同学同时观看的情况下，还能保证其观看的流畅性</a:t>
+            </a:r>
+            <a:r>
+              <a:rPr lang="zh-CN" altLang="en-US" dirty="0" smtClean="0"/>
+              <a:t>？</a:t>
+            </a:r>
+            <a:endParaRPr lang="en-US" altLang="zh-CN" dirty="0" smtClean="0"/>
+          </a:p>
+          <a:p>
+            <a:r>
+              <a:rPr lang="zh-CN" altLang="en-US" sz="2800" b="1" dirty="0" smtClean="0"/>
+              <a:t>    </a:t>
+            </a:r>
+            <a:r>
+              <a:rPr lang="zh-CN" altLang="en-US" sz="2400" b="1" dirty="0" smtClean="0"/>
+              <a:t> </a:t>
+            </a:r>
+            <a:r>
+              <a:rPr lang="zh-CN" altLang="en-US" sz="2400" b="1" dirty="0"/>
+              <a:t>答</a:t>
+            </a:r>
+            <a:r>
+              <a:rPr lang="zh-CN" altLang="en-US" sz="2400" b="1" dirty="0" smtClean="0"/>
+              <a:t>：</a:t>
+            </a:r>
+            <a:r>
+              <a:rPr lang="zh-CN" altLang="en-US" sz="2000" b="1" dirty="0" smtClean="0"/>
+              <a:t>由于目前系统架设在一台物理机上，存储和效率有限。经</a:t>
+            </a:r>
+            <a:r>
+              <a:rPr lang="zh-CN" altLang="en-US" sz="2000" b="1" dirty="0"/>
+              <a:t>测试，围棋直播教学系统的直播课堂在同时</a:t>
+            </a:r>
+            <a:r>
+              <a:rPr lang="zh-CN" altLang="en-US" sz="2000" b="1" dirty="0" smtClean="0"/>
+              <a:t>开设</a:t>
+            </a:r>
+            <a:r>
+              <a:rPr lang="en-US" altLang="zh-CN" sz="2000" b="1" dirty="0" smtClean="0"/>
+              <a:t>10</a:t>
+            </a:r>
+            <a:r>
+              <a:rPr lang="zh-CN" altLang="en-US" sz="2000" b="1" dirty="0"/>
+              <a:t>节课，每个课堂内有</a:t>
+            </a:r>
+            <a:r>
+              <a:rPr lang="en-US" altLang="zh-CN" sz="2000" b="1" dirty="0"/>
+              <a:t>100</a:t>
+            </a:r>
+            <a:r>
+              <a:rPr lang="zh-CN" altLang="en-US" sz="2000" b="1" dirty="0"/>
+              <a:t>位同学同时观看的情况下，依然可以保证观看的流畅性</a:t>
+            </a:r>
+            <a:r>
+              <a:rPr lang="zh-CN" altLang="en-US" sz="2000" b="1" dirty="0" smtClean="0"/>
+              <a:t>。</a:t>
+            </a:r>
+            <a:endParaRPr lang="en-US" altLang="zh-CN" sz="2000" b="1" dirty="0" smtClean="0"/>
+          </a:p>
+          <a:p>
+            <a:endParaRPr lang="en-US" altLang="zh-CN" dirty="0" smtClean="0"/>
+          </a:p>
+          <a:p>
+            <a:r>
+              <a:rPr lang="en-US" altLang="zh-CN" dirty="0" smtClean="0"/>
+              <a:t>2</a:t>
+            </a:r>
+            <a:r>
+              <a:rPr lang="zh-CN" altLang="zh-CN" dirty="0" smtClean="0"/>
+              <a:t>）</a:t>
+            </a:r>
+            <a:r>
+              <a:rPr lang="zh-CN" altLang="en-US" dirty="0"/>
+              <a:t>请说明直播课堂每个</a:t>
+            </a:r>
+            <a:r>
+              <a:rPr lang="en-US" altLang="zh-CN" dirty="0"/>
+              <a:t>RTMP</a:t>
+            </a:r>
+            <a:r>
+              <a:rPr lang="zh-CN" altLang="en-US" dirty="0"/>
+              <a:t>地址为何是一个推送流若干个拉送</a:t>
+            </a:r>
+            <a:r>
+              <a:rPr lang="zh-CN" altLang="en-US" dirty="0" smtClean="0"/>
+              <a:t>流。</a:t>
+            </a:r>
+            <a:endParaRPr lang="en-US" altLang="zh-CN" dirty="0" smtClean="0"/>
+          </a:p>
+          <a:p>
+            <a:r>
+              <a:rPr lang="zh-CN" altLang="en-US" b="1" dirty="0"/>
+              <a:t> </a:t>
+            </a:r>
+            <a:r>
+              <a:rPr lang="zh-CN" altLang="en-US" b="1" dirty="0" smtClean="0"/>
+              <a:t>      </a:t>
+            </a:r>
+            <a:r>
+              <a:rPr lang="zh-CN" altLang="en-US" sz="2400" b="1" dirty="0"/>
+              <a:t>答：</a:t>
+            </a:r>
+            <a:r>
+              <a:rPr lang="zh-CN" altLang="en-US" sz="2000" b="1" dirty="0"/>
+              <a:t>每个</a:t>
+            </a:r>
+            <a:r>
+              <a:rPr lang="en-US" altLang="zh-CN" sz="2000" b="1" dirty="0"/>
+              <a:t>RTMP</a:t>
+            </a:r>
+            <a:r>
+              <a:rPr lang="zh-CN" altLang="en-US" sz="2000" b="1" dirty="0"/>
+              <a:t>地址对应一节直播课堂，课堂中只需要一个教师用户进行推流，从而进行</a:t>
+            </a:r>
+            <a:r>
+              <a:rPr lang="zh-CN" altLang="en-US" sz="2000" b="1" dirty="0" smtClean="0"/>
+              <a:t>直播，却必须支持多名同学拉流观看。同一各</a:t>
+            </a:r>
+            <a:r>
+              <a:rPr lang="en-US" altLang="zh-CN" sz="2000" b="1" dirty="0" smtClean="0"/>
+              <a:t>RTMP</a:t>
+            </a:r>
+            <a:r>
+              <a:rPr lang="zh-CN" altLang="en-US" sz="2000" b="1" dirty="0" smtClean="0"/>
+              <a:t>地址若有多个推流过程，会造成课堂混乱。若干个拉送流可以使多名同学观看同一门课程。</a:t>
+            </a:r>
+            <a:endParaRPr lang="en-US" altLang="zh-CN" sz="2000" b="1" dirty="0"/>
+          </a:p>
+          <a:p>
+            <a:endParaRPr lang="en-US" altLang="zh-CN" dirty="0" smtClean="0"/>
+          </a:p>
+          <a:p>
+            <a:r>
+              <a:rPr lang="en-US" altLang="zh-CN" dirty="0" smtClean="0"/>
+              <a:t>3</a:t>
+            </a:r>
+            <a:r>
+              <a:rPr lang="zh-CN" altLang="zh-CN" dirty="0" smtClean="0"/>
+              <a:t>）</a:t>
+            </a:r>
+            <a:r>
+              <a:rPr lang="zh-CN" altLang="en-US" dirty="0"/>
+              <a:t>设计实现的系统是否考虑过诸如证件的合法性、版权等一系列管理上的问题</a:t>
+            </a:r>
+            <a:r>
+              <a:rPr lang="zh-CN" altLang="en-US" dirty="0" smtClean="0"/>
+              <a:t>？</a:t>
+            </a:r>
+            <a:endParaRPr lang="en-US" altLang="zh-CN" dirty="0" smtClean="0"/>
+          </a:p>
+          <a:p>
+            <a:r>
+              <a:rPr lang="zh-CN" altLang="en-US" b="1" dirty="0"/>
+              <a:t> </a:t>
+            </a:r>
+            <a:r>
+              <a:rPr lang="zh-CN" altLang="en-US" b="1" dirty="0" smtClean="0"/>
+              <a:t>  </a:t>
+            </a:r>
+            <a:r>
+              <a:rPr lang="en-US" altLang="zh-CN" b="1" dirty="0"/>
+              <a:t> </a:t>
+            </a:r>
+            <a:r>
+              <a:rPr lang="en-US" altLang="zh-CN" b="1" dirty="0" smtClean="0"/>
+              <a:t>   </a:t>
+            </a:r>
+            <a:r>
+              <a:rPr lang="zh-CN" altLang="en-US" sz="2400" b="1" dirty="0"/>
+              <a:t>答：</a:t>
+            </a:r>
+            <a:r>
+              <a:rPr lang="zh-CN" altLang="en-US" sz="2000" b="1" dirty="0"/>
+              <a:t>由于系统现阶段未考虑投入互联网进行广泛使用，因而目前未考虑网站的证件以及版权相关的问题。在之后的更加完善的围棋直播教学系统中，应加入对系统的版权声明。</a:t>
+            </a:r>
+            <a:endParaRPr lang="en-US" altLang="zh-CN" sz="2000" b="1" dirty="0"/>
+          </a:p>
+          <a:p>
+            <a:endParaRPr lang="en-US" altLang="zh-CN" dirty="0" smtClean="0"/>
+          </a:p>
+          <a:p>
+            <a:r>
+              <a:rPr lang="en-US" altLang="zh-CN" dirty="0"/>
+              <a:t/>
+            </a:r>
+            <a:br>
+              <a:rPr lang="en-US" altLang="zh-CN" dirty="0"/>
+            </a:br>
+            <a:endParaRPr lang="zh-CN" altLang="zh-CN" dirty="0"/>
+          </a:p>
+        </p:txBody>
+      </p:sp>
     </p:spTree>
     <p:extLst>
       <p:ext uri="{BB962C8B-B14F-4D97-AF65-F5344CB8AC3E}">
-        <p14:creationId xmlns:p14="http://schemas.microsoft.com/office/powerpoint/2010/main" val="315331031"/>
+        <p14:creationId xmlns:p14="http://schemas.microsoft.com/office/powerpoint/2010/main" val="1869811396"/>
       </p:ext>
     </p:extLst>
   </p:cSld>
   <p:clrMapOvr>
     <a:masterClrMapping/>
   </p:clrMapOvr>
+  <p:timing>
+    <p:tnLst>
+      <p:par>
+        <p:cTn id="1" dur="indefinite" restart="never" nodeType="tmRoot"/>
+      </p:par>
+    </p:tnLst>
+  </p:timing>
 </p:sld>
 </file>
 
@@ -18469,6 +18309,389 @@
             <p:ph idx="1"/>
           </p:nvPr>
         </p:nvSpPr>
+        <p:spPr/>
+        <p:txBody>
+          <a:bodyPr/>
+          <a:lstStyle/>
+          <a:p>
+            <a:r>
+              <a:rPr lang="en-US" altLang="zh-CN" dirty="0"/>
+              <a:t>4</a:t>
+            </a:r>
+            <a:r>
+              <a:rPr lang="zh-CN" altLang="en-US" dirty="0"/>
+              <a:t>）第</a:t>
+            </a:r>
+            <a:r>
+              <a:rPr lang="en-US" altLang="zh-CN" dirty="0"/>
+              <a:t>3.2.1</a:t>
+            </a:r>
+            <a:r>
+              <a:rPr lang="zh-CN" altLang="en-US" dirty="0"/>
+              <a:t>小节中有多幅用例图。请问，各子用例应如何与参与者进行关联？换言之，子用例能否与参与者直接关联？请详述理由。</a:t>
+            </a:r>
+            <a:endParaRPr lang="en-US" altLang="zh-CN" dirty="0"/>
+          </a:p>
+          <a:p>
+            <a:r>
+              <a:rPr lang="zh-CN" altLang="en-US" b="1" dirty="0"/>
+              <a:t>       </a:t>
+            </a:r>
+            <a:r>
+              <a:rPr lang="zh-CN" altLang="en-US" sz="3200" b="1" dirty="0"/>
+              <a:t>答</a:t>
+            </a:r>
+            <a:r>
+              <a:rPr lang="zh-CN" altLang="en-US" sz="3200" b="1" dirty="0" smtClean="0"/>
+              <a:t>：</a:t>
+            </a:r>
+            <a:r>
+              <a:rPr lang="zh-CN" altLang="en-US" sz="1800" b="1" dirty="0" smtClean="0"/>
+              <a:t>子用例不能与</a:t>
+            </a:r>
+            <a:r>
+              <a:rPr lang="zh-CN" altLang="en-US" sz="1800" b="1" dirty="0"/>
+              <a:t>参与者直接</a:t>
+            </a:r>
+            <a:r>
+              <a:rPr lang="zh-CN" altLang="en-US" sz="1800" b="1" dirty="0" smtClean="0"/>
+              <a:t>关联。</a:t>
+            </a:r>
+            <a:endParaRPr lang="en-US" altLang="zh-CN" sz="1800" b="1" dirty="0" smtClean="0"/>
+          </a:p>
+          <a:p>
+            <a:r>
+              <a:rPr lang="zh-CN" altLang="en-US" sz="1800" b="1" dirty="0" smtClean="0"/>
+              <a:t>       包含</a:t>
+            </a:r>
+            <a:r>
+              <a:rPr lang="zh-CN" altLang="en-US" sz="1800" b="1" dirty="0"/>
+              <a:t>关系：使用包含（</a:t>
+            </a:r>
+            <a:r>
+              <a:rPr lang="en-US" altLang="zh-CN" sz="1800" b="1" dirty="0"/>
+              <a:t>Inclusion </a:t>
+            </a:r>
+            <a:r>
+              <a:rPr lang="zh-CN" altLang="en-US" sz="1800" b="1" dirty="0"/>
+              <a:t>）用例来封装一组跨越多个用例的相似动作（行为片断），以便多个基（</a:t>
+            </a:r>
+            <a:r>
+              <a:rPr lang="en-US" altLang="zh-CN" sz="1800" b="1" dirty="0"/>
+              <a:t>Base </a:t>
+            </a:r>
+            <a:r>
+              <a:rPr lang="zh-CN" altLang="en-US" sz="1800" b="1" dirty="0"/>
+              <a:t>）用例复用。基用例控制与包含用例的 关系，以及被包含用例的事件流是否会插入到基用例的事件流中。基用例可以依赖包含用例执行的结果，但是双方都不能访问对方的属性。 </a:t>
+            </a:r>
+            <a:endParaRPr lang="en-US" altLang="zh-CN" sz="1800" b="1" dirty="0" smtClean="0"/>
+          </a:p>
+          <a:p>
+            <a:r>
+              <a:rPr lang="zh-CN" altLang="en-US" sz="1800" b="1" dirty="0" smtClean="0"/>
+              <a:t>      用例</a:t>
+            </a:r>
+            <a:r>
+              <a:rPr lang="zh-CN" altLang="en-US" sz="1800" b="1" dirty="0"/>
+              <a:t>的存在是为</a:t>
+            </a:r>
+            <a:r>
+              <a:rPr lang="en-US" altLang="zh-CN" sz="1800" b="1" dirty="0"/>
+              <a:t>Actor </a:t>
+            </a:r>
+            <a:r>
+              <a:rPr lang="zh-CN" altLang="en-US" sz="1800" b="1" dirty="0"/>
+              <a:t>提供服 务，但用例提供服务的方式可分为间接和直接两种，依据于此</a:t>
+            </a:r>
+            <a:r>
+              <a:rPr lang="zh-CN" altLang="en-US" sz="1800" b="1" dirty="0" smtClean="0"/>
+              <a:t>，</a:t>
+            </a:r>
+            <a:r>
+              <a:rPr lang="zh-CN" altLang="en-US" sz="1800" b="1" dirty="0"/>
+              <a:t>包含中的被包含用例提供的是间接服务</a:t>
+            </a:r>
+            <a:r>
+              <a:rPr lang="zh-CN" altLang="en-US" sz="1800" b="1" dirty="0" smtClean="0"/>
+              <a:t>。</a:t>
+            </a:r>
+            <a:endParaRPr lang="en-US" altLang="zh-CN" sz="1800" b="1" dirty="0" smtClean="0"/>
+          </a:p>
+          <a:p>
+            <a:r>
+              <a:rPr lang="zh-CN" altLang="en-US" sz="1800" b="1" dirty="0" smtClean="0"/>
+              <a:t>       泛化</a:t>
+            </a:r>
+            <a:r>
+              <a:rPr lang="zh-CN" altLang="en-US" sz="1800" b="1" dirty="0"/>
+              <a:t>侧重表示子用例间的互斥性；</a:t>
+            </a:r>
+            <a:endParaRPr lang="en-US" altLang="zh-CN" sz="1800" b="1" dirty="0"/>
+          </a:p>
+          <a:p>
+            <a:r>
+              <a:rPr lang="zh-CN" altLang="en-US" sz="1800" b="1" dirty="0" smtClean="0"/>
+              <a:t>       包含</a:t>
+            </a:r>
+            <a:r>
+              <a:rPr lang="zh-CN" altLang="en-US" sz="1800" b="1" dirty="0"/>
+              <a:t>侧重表示被包含用例对</a:t>
+            </a:r>
+            <a:r>
+              <a:rPr lang="en-US" altLang="zh-CN" sz="1800" b="1" dirty="0"/>
+              <a:t>Actor </a:t>
+            </a:r>
+            <a:r>
+              <a:rPr lang="zh-CN" altLang="en-US" sz="1800" b="1" dirty="0"/>
+              <a:t>提供服务的间接性；</a:t>
+            </a:r>
+            <a:endParaRPr lang="en-US" altLang="zh-CN" sz="1800" b="1" dirty="0"/>
+          </a:p>
+          <a:p>
+            <a:r>
+              <a:rPr lang="zh-CN" altLang="en-US" sz="1800" b="1" dirty="0"/>
+              <a:t> </a:t>
+            </a:r>
+            <a:r>
+              <a:rPr lang="zh-CN" altLang="en-US" sz="1800" b="1" dirty="0" smtClean="0"/>
+              <a:t>      扩展</a:t>
+            </a:r>
+            <a:r>
+              <a:rPr lang="zh-CN" altLang="en-US" sz="1800" b="1" dirty="0"/>
+              <a:t>侧重表示扩展用例的触发不定性；</a:t>
+            </a:r>
+            <a:endParaRPr lang="en-US" altLang="zh-CN" sz="1800" b="1" dirty="0"/>
+          </a:p>
+          <a:p>
+            <a:endParaRPr lang="zh-CN" altLang="en-US" sz="1800" dirty="0"/>
+          </a:p>
+        </p:txBody>
+      </p:sp>
+    </p:spTree>
+    <p:extLst>
+      <p:ext uri="{BB962C8B-B14F-4D97-AF65-F5344CB8AC3E}">
+        <p14:creationId xmlns:p14="http://schemas.microsoft.com/office/powerpoint/2010/main" val="170140012"/>
+      </p:ext>
+    </p:extLst>
+  </p:cSld>
+  <p:clrMapOvr>
+    <a:masterClrMapping/>
+  </p:clrMapOvr>
+</p:sld>
+</file>
+
+<file path=ppt/slides/slide46.xml><?xml version="1.0" encoding="utf-8"?>
+<p:sld xmlns:a="http://schemas.openxmlformats.org/drawingml/2006/main" xmlns:r="http://schemas.openxmlformats.org/officeDocument/2006/relationships" xmlns:p="http://schemas.openxmlformats.org/presentationml/2006/main">
+  <p:cSld>
+    <p:spTree>
+      <p:nvGrpSpPr>
+        <p:cNvPr id="1" name=""/>
+        <p:cNvGrpSpPr/>
+        <p:nvPr/>
+      </p:nvGrpSpPr>
+      <p:grpSpPr>
+        <a:xfrm>
+          <a:off x="0" y="0"/>
+          <a:ext cx="0" cy="0"/>
+          <a:chOff x="0" y="0"/>
+          <a:chExt cx="0" cy="0"/>
+        </a:xfrm>
+      </p:grpSpPr>
+      <p:sp>
+        <p:nvSpPr>
+          <p:cNvPr id="2" name="标题 1"/>
+          <p:cNvSpPr>
+            <a:spLocks noGrp="1"/>
+          </p:cNvSpPr>
+          <p:nvPr>
+            <p:ph type="title"/>
+          </p:nvPr>
+        </p:nvSpPr>
+        <p:spPr/>
+        <p:txBody>
+          <a:bodyPr/>
+          <a:lstStyle/>
+          <a:p>
+            <a:r>
+              <a:rPr lang="zh-CN" altLang="en-US" dirty="0"/>
+              <a:t>质询问题回答</a:t>
+            </a:r>
+          </a:p>
+        </p:txBody>
+      </p:sp>
+      <p:sp>
+        <p:nvSpPr>
+          <p:cNvPr id="3" name="内容占位符 2"/>
+          <p:cNvSpPr>
+            <a:spLocks noGrp="1"/>
+          </p:cNvSpPr>
+          <p:nvPr>
+            <p:ph idx="1"/>
+          </p:nvPr>
+        </p:nvSpPr>
+        <p:spPr>
+          <a:xfrm>
+            <a:off x="457200" y="1117599"/>
+            <a:ext cx="8229600" cy="4883170"/>
+          </a:xfrm>
+        </p:spPr>
+        <p:txBody>
+          <a:bodyPr/>
+          <a:lstStyle/>
+          <a:p>
+            <a:r>
+              <a:rPr lang="en-US" altLang="zh-CN" dirty="0"/>
+              <a:t>5</a:t>
+            </a:r>
+            <a:r>
+              <a:rPr lang="zh-CN" altLang="en-US" dirty="0"/>
+              <a:t>）图</a:t>
+            </a:r>
+            <a:r>
+              <a:rPr lang="en-US" altLang="zh-CN" dirty="0"/>
+              <a:t>4-1</a:t>
+            </a:r>
+            <a:r>
+              <a:rPr lang="zh-CN" altLang="en-US" dirty="0"/>
+              <a:t>中某些箭头是单项的。请问，这些单向箭头是否意味着软件体系结构相应构件之间的交互是单向的？如果不是单向交互，应如何修改？进一步地，如何区分对称交互与非对称交互。</a:t>
+            </a:r>
+            <a:endParaRPr lang="en-US" altLang="zh-CN" dirty="0"/>
+          </a:p>
+          <a:p>
+            <a:r>
+              <a:rPr lang="zh-CN" altLang="en-US" b="1" dirty="0"/>
+              <a:t>       </a:t>
+            </a:r>
+            <a:r>
+              <a:rPr lang="zh-CN" altLang="en-US" sz="3200" b="1" dirty="0"/>
+              <a:t>答：</a:t>
+            </a:r>
+            <a:endParaRPr lang="en-US" altLang="zh-CN" sz="3200" b="1" dirty="0"/>
+          </a:p>
+          <a:p>
+            <a:endParaRPr lang="zh-CN" altLang="en-US" dirty="0"/>
+          </a:p>
+        </p:txBody>
+      </p:sp>
+      <p:graphicFrame>
+        <p:nvGraphicFramePr>
+          <p:cNvPr id="6" name="对象 5"/>
+          <p:cNvGraphicFramePr>
+            <a:graphicFrameLocks noChangeAspect="1"/>
+          </p:cNvGraphicFramePr>
+          <p:nvPr>
+            <p:extLst>
+              <p:ext uri="{D42A27DB-BD31-4B8C-83A1-F6EECF244321}">
+                <p14:modId xmlns:p14="http://schemas.microsoft.com/office/powerpoint/2010/main" val="8984970"/>
+              </p:ext>
+            </p:extLst>
+          </p:nvPr>
+        </p:nvGraphicFramePr>
+        <p:xfrm>
+          <a:off x="2339752" y="2636912"/>
+          <a:ext cx="6096000" cy="3549650"/>
+        </p:xfrm>
+        <a:graphic>
+          <a:graphicData uri="http://schemas.openxmlformats.org/presentationml/2006/ole">
+            <mc:AlternateContent xmlns:mc="http://schemas.openxmlformats.org/markup-compatibility/2006">
+              <mc:Choice xmlns:v="urn:schemas-microsoft-com:vml" Requires="v">
+                <p:oleObj spid="_x0000_s34822" name="Visio" r:id="rId3" imgW="10414207" imgH="6064135" progId="Visio.Drawing.15">
+                  <p:embed/>
+                </p:oleObj>
+              </mc:Choice>
+              <mc:Fallback>
+                <p:oleObj name="Visio" r:id="rId3" imgW="10414207" imgH="6064135" progId="Visio.Drawing.15">
+                  <p:embed/>
+                  <p:pic>
+                    <p:nvPicPr>
+                      <p:cNvPr id="0" name=""/>
+                      <p:cNvPicPr/>
+                      <p:nvPr/>
+                    </p:nvPicPr>
+                    <p:blipFill>
+                      <a:blip r:embed="rId4"/>
+                      <a:stretch>
+                        <a:fillRect/>
+                      </a:stretch>
+                    </p:blipFill>
+                    <p:spPr>
+                      <a:xfrm>
+                        <a:off x="2339752" y="2636912"/>
+                        <a:ext cx="6096000" cy="3549650"/>
+                      </a:xfrm>
+                      <a:prstGeom prst="rect">
+                        <a:avLst/>
+                      </a:prstGeom>
+                    </p:spPr>
+                  </p:pic>
+                </p:oleObj>
+              </mc:Fallback>
+            </mc:AlternateContent>
+          </a:graphicData>
+        </a:graphic>
+      </p:graphicFrame>
+    </p:spTree>
+    <p:extLst>
+      <p:ext uri="{BB962C8B-B14F-4D97-AF65-F5344CB8AC3E}">
+        <p14:creationId xmlns:p14="http://schemas.microsoft.com/office/powerpoint/2010/main" val="315331031"/>
+      </p:ext>
+    </p:extLst>
+  </p:cSld>
+  <p:clrMapOvr>
+    <a:masterClrMapping/>
+  </p:clrMapOvr>
+</p:sld>
+</file>
+
+<file path=ppt/slides/slide47.xml><?xml version="1.0" encoding="utf-8"?>
+<p:sld xmlns:a="http://schemas.openxmlformats.org/drawingml/2006/main" xmlns:r="http://schemas.openxmlformats.org/officeDocument/2006/relationships" xmlns:p="http://schemas.openxmlformats.org/presentationml/2006/main">
+  <p:cSld>
+    <p:spTree>
+      <p:nvGrpSpPr>
+        <p:cNvPr id="1" name=""/>
+        <p:cNvGrpSpPr/>
+        <p:nvPr/>
+      </p:nvGrpSpPr>
+      <p:grpSpPr>
+        <a:xfrm>
+          <a:off x="0" y="0"/>
+          <a:ext cx="0" cy="0"/>
+          <a:chOff x="0" y="0"/>
+          <a:chExt cx="0" cy="0"/>
+        </a:xfrm>
+      </p:grpSpPr>
+      <p:sp>
+        <p:nvSpPr>
+          <p:cNvPr id="2" name="标题 1"/>
+          <p:cNvSpPr>
+            <a:spLocks noGrp="1"/>
+          </p:cNvSpPr>
+          <p:nvPr>
+            <p:ph type="title"/>
+          </p:nvPr>
+        </p:nvSpPr>
+        <p:spPr/>
+        <p:txBody>
+          <a:bodyPr/>
+          <a:lstStyle/>
+          <a:p>
+            <a:r>
+              <a:rPr lang="zh-CN" altLang="en-US" dirty="0"/>
+              <a:t>质询问题回答</a:t>
+            </a:r>
+          </a:p>
+        </p:txBody>
+      </p:sp>
+      <p:sp>
+        <p:nvSpPr>
+          <p:cNvPr id="3" name="内容占位符 2"/>
+          <p:cNvSpPr>
+            <a:spLocks noGrp="1"/>
+          </p:cNvSpPr>
+          <p:nvPr>
+            <p:ph idx="1"/>
+          </p:nvPr>
+        </p:nvSpPr>
         <p:spPr>
           <a:xfrm>
             <a:off x="457200" y="1117599"/>
@@ -18550,7 +18773,7 @@
 </p:sld>
 </file>
 
-<file path=ppt/slides/slide46.xml><?xml version="1.0" encoding="utf-8"?>
+<file path=ppt/slides/slide48.xml><?xml version="1.0" encoding="utf-8"?>
 <p:sld xmlns:a="http://schemas.openxmlformats.org/drawingml/2006/main" xmlns:r="http://schemas.openxmlformats.org/officeDocument/2006/relationships" xmlns:p="http://schemas.openxmlformats.org/presentationml/2006/main">
   <p:cSld>
     <p:spTree>
